--- a/analysis/fluorimeter/fluoroStack/fluoroStackTolerance.pptx
+++ b/analysis/fluorimeter/fluoroStack/fluoroStackTolerance.pptx
@@ -12,6 +12,9 @@
     <p:sldId id="260" r:id="rId6"/>
     <p:sldId id="262" r:id="rId7"/>
     <p:sldId id="261" r:id="rId8"/>
+    <p:sldId id="263" r:id="rId9"/>
+    <p:sldId id="264" r:id="rId10"/>
+    <p:sldId id="265" r:id="rId11"/>
   </p:sldIdLst>
   <p:sldSz cx="12192000" cy="6858000"/>
   <p:notesSz cx="6858000" cy="9144000"/>
@@ -265,7 +268,7 @@
           <a:p>
             <a:fld id="{584D29B9-D5D8-4B16-8C81-96F134DE5073}" type="datetimeFigureOut">
               <a:rPr lang="en-US" smtClean="0"/>
-              <a:t>6/17/2024</a:t>
+              <a:t>6/21/2024</a:t>
             </a:fld>
             <a:endParaRPr lang="en-US"/>
           </a:p>
@@ -463,7 +466,7 @@
           <a:p>
             <a:fld id="{584D29B9-D5D8-4B16-8C81-96F134DE5073}" type="datetimeFigureOut">
               <a:rPr lang="en-US" smtClean="0"/>
-              <a:t>6/17/2024</a:t>
+              <a:t>6/21/2024</a:t>
             </a:fld>
             <a:endParaRPr lang="en-US"/>
           </a:p>
@@ -671,7 +674,7 @@
           <a:p>
             <a:fld id="{584D29B9-D5D8-4B16-8C81-96F134DE5073}" type="datetimeFigureOut">
               <a:rPr lang="en-US" smtClean="0"/>
-              <a:t>6/17/2024</a:t>
+              <a:t>6/21/2024</a:t>
             </a:fld>
             <a:endParaRPr lang="en-US"/>
           </a:p>
@@ -869,7 +872,7 @@
           <a:p>
             <a:fld id="{584D29B9-D5D8-4B16-8C81-96F134DE5073}" type="datetimeFigureOut">
               <a:rPr lang="en-US" smtClean="0"/>
-              <a:t>6/17/2024</a:t>
+              <a:t>6/21/2024</a:t>
             </a:fld>
             <a:endParaRPr lang="en-US"/>
           </a:p>
@@ -1144,7 +1147,7 @@
           <a:p>
             <a:fld id="{584D29B9-D5D8-4B16-8C81-96F134DE5073}" type="datetimeFigureOut">
               <a:rPr lang="en-US" smtClean="0"/>
-              <a:t>6/17/2024</a:t>
+              <a:t>6/21/2024</a:t>
             </a:fld>
             <a:endParaRPr lang="en-US"/>
           </a:p>
@@ -1409,7 +1412,7 @@
           <a:p>
             <a:fld id="{584D29B9-D5D8-4B16-8C81-96F134DE5073}" type="datetimeFigureOut">
               <a:rPr lang="en-US" smtClean="0"/>
-              <a:t>6/17/2024</a:t>
+              <a:t>6/21/2024</a:t>
             </a:fld>
             <a:endParaRPr lang="en-US"/>
           </a:p>
@@ -1821,7 +1824,7 @@
           <a:p>
             <a:fld id="{584D29B9-D5D8-4B16-8C81-96F134DE5073}" type="datetimeFigureOut">
               <a:rPr lang="en-US" smtClean="0"/>
-              <a:t>6/17/2024</a:t>
+              <a:t>6/21/2024</a:t>
             </a:fld>
             <a:endParaRPr lang="en-US"/>
           </a:p>
@@ -1962,7 +1965,7 @@
           <a:p>
             <a:fld id="{584D29B9-D5D8-4B16-8C81-96F134DE5073}" type="datetimeFigureOut">
               <a:rPr lang="en-US" smtClean="0"/>
-              <a:t>6/17/2024</a:t>
+              <a:t>6/21/2024</a:t>
             </a:fld>
             <a:endParaRPr lang="en-US"/>
           </a:p>
@@ -2075,7 +2078,7 @@
           <a:p>
             <a:fld id="{584D29B9-D5D8-4B16-8C81-96F134DE5073}" type="datetimeFigureOut">
               <a:rPr lang="en-US" smtClean="0"/>
-              <a:t>6/17/2024</a:t>
+              <a:t>6/21/2024</a:t>
             </a:fld>
             <a:endParaRPr lang="en-US"/>
           </a:p>
@@ -2386,7 +2389,7 @@
           <a:p>
             <a:fld id="{584D29B9-D5D8-4B16-8C81-96F134DE5073}" type="datetimeFigureOut">
               <a:rPr lang="en-US" smtClean="0"/>
-              <a:t>6/17/2024</a:t>
+              <a:t>6/21/2024</a:t>
             </a:fld>
             <a:endParaRPr lang="en-US"/>
           </a:p>
@@ -2674,7 +2677,7 @@
           <a:p>
             <a:fld id="{584D29B9-D5D8-4B16-8C81-96F134DE5073}" type="datetimeFigureOut">
               <a:rPr lang="en-US" smtClean="0"/>
-              <a:t>6/17/2024</a:t>
+              <a:t>6/21/2024</a:t>
             </a:fld>
             <a:endParaRPr lang="en-US"/>
           </a:p>
@@ -2915,7 +2918,7 @@
           <a:p>
             <a:fld id="{584D29B9-D5D8-4B16-8C81-96F134DE5073}" type="datetimeFigureOut">
               <a:rPr lang="en-US" smtClean="0"/>
-              <a:t>6/17/2024</a:t>
+              <a:t>6/21/2024</a:t>
             </a:fld>
             <a:endParaRPr lang="en-US"/>
           </a:p>
@@ -3395,6 +3398,224 @@
 </p:sld>
 </file>
 
+<file path=ppt/slides/slide10.xml><?xml version="1.0" encoding="utf-8"?>
+<p:sld xmlns:a="http://schemas.openxmlformats.org/drawingml/2006/main" xmlns:r="http://schemas.openxmlformats.org/officeDocument/2006/relationships" xmlns:p="http://schemas.openxmlformats.org/presentationml/2006/main">
+  <p:cSld>
+    <p:spTree>
+      <p:nvGrpSpPr>
+        <p:cNvPr id="1" name=""/>
+        <p:cNvGrpSpPr/>
+        <p:nvPr/>
+      </p:nvGrpSpPr>
+      <p:grpSpPr>
+        <a:xfrm>
+          <a:off x="0" y="0"/>
+          <a:ext cx="0" cy="0"/>
+          <a:chOff x="0" y="0"/>
+          <a:chExt cx="0" cy="0"/>
+        </a:xfrm>
+      </p:grpSpPr>
+      <p:sp>
+        <p:nvSpPr>
+          <p:cNvPr id="2" name="Title 1">
+            <a:extLst>
+              <a:ext uri="{FF2B5EF4-FFF2-40B4-BE49-F238E27FC236}">
+                <a16:creationId xmlns:a16="http://schemas.microsoft.com/office/drawing/2014/main" id="{D9AE46D5-7A6A-3CD4-DE7A-CF149F532693}"/>
+              </a:ext>
+            </a:extLst>
+          </p:cNvPr>
+          <p:cNvSpPr>
+            <a:spLocks noGrp="1"/>
+          </p:cNvSpPr>
+          <p:nvPr>
+            <p:ph type="title"/>
+          </p:nvPr>
+        </p:nvSpPr>
+        <p:spPr/>
+        <p:txBody>
+          <a:bodyPr/>
+          <a:lstStyle/>
+          <a:p>
+            <a:endParaRPr lang="en-US"/>
+          </a:p>
+        </p:txBody>
+      </p:sp>
+      <p:pic>
+        <p:nvPicPr>
+          <p:cNvPr id="6" name="Content Placeholder 5">
+            <a:extLst>
+              <a:ext uri="{FF2B5EF4-FFF2-40B4-BE49-F238E27FC236}">
+                <a16:creationId xmlns:a16="http://schemas.microsoft.com/office/drawing/2014/main" id="{B5AAB019-4D04-67A0-81F7-382BD9A7CD95}"/>
+              </a:ext>
+            </a:extLst>
+          </p:cNvPr>
+          <p:cNvPicPr>
+            <a:picLocks noGrp="1" noChangeAspect="1"/>
+          </p:cNvPicPr>
+          <p:nvPr>
+            <p:ph sz="half" idx="1"/>
+          </p:nvPr>
+        </p:nvPicPr>
+        <p:blipFill>
+          <a:blip r:embed="rId2"/>
+          <a:stretch>
+            <a:fillRect/>
+          </a:stretch>
+        </p:blipFill>
+        <p:spPr>
+          <a:xfrm>
+            <a:off x="838200" y="2092109"/>
+            <a:ext cx="5181600" cy="3818369"/>
+          </a:xfrm>
+        </p:spPr>
+      </p:pic>
+      <p:pic>
+        <p:nvPicPr>
+          <p:cNvPr id="8" name="Content Placeholder 7">
+            <a:extLst>
+              <a:ext uri="{FF2B5EF4-FFF2-40B4-BE49-F238E27FC236}">
+                <a16:creationId xmlns:a16="http://schemas.microsoft.com/office/drawing/2014/main" id="{24815DC7-0785-DAE4-ABB4-247A0CEE8598}"/>
+              </a:ext>
+            </a:extLst>
+          </p:cNvPr>
+          <p:cNvPicPr>
+            <a:picLocks noGrp="1" noChangeAspect="1"/>
+          </p:cNvPicPr>
+          <p:nvPr>
+            <p:ph sz="half" idx="2"/>
+          </p:nvPr>
+        </p:nvPicPr>
+        <p:blipFill>
+          <a:blip r:embed="rId3"/>
+          <a:stretch>
+            <a:fillRect/>
+          </a:stretch>
+        </p:blipFill>
+        <p:spPr>
+          <a:xfrm>
+            <a:off x="6172200" y="2070032"/>
+            <a:ext cx="5181600" cy="3862524"/>
+          </a:xfrm>
+        </p:spPr>
+      </p:pic>
+      <p:sp>
+        <p:nvSpPr>
+          <p:cNvPr id="9" name="TextBox 8">
+            <a:extLst>
+              <a:ext uri="{FF2B5EF4-FFF2-40B4-BE49-F238E27FC236}">
+                <a16:creationId xmlns:a16="http://schemas.microsoft.com/office/drawing/2014/main" id="{1B3DBF43-31DB-9A03-DE16-FF0CEF9D4F27}"/>
+              </a:ext>
+            </a:extLst>
+          </p:cNvPr>
+          <p:cNvSpPr txBox="1"/>
+          <p:nvPr/>
+        </p:nvSpPr>
+        <p:spPr>
+          <a:xfrm>
+            <a:off x="1614115" y="5995283"/>
+            <a:ext cx="2361537" cy="369332"/>
+          </a:xfrm>
+          <a:prstGeom prst="rect">
+            <a:avLst/>
+          </a:prstGeom>
+          <a:noFill/>
+        </p:spPr>
+        <p:txBody>
+          <a:bodyPr wrap="square" rtlCol="0">
+            <a:spAutoFit/>
+          </a:bodyPr>
+          <a:lstStyle/>
+          <a:p>
+            <a:r>
+              <a:rPr lang="en-US" dirty="0"/>
+              <a:t>A = 1070</a:t>
+            </a:r>
+          </a:p>
+        </p:txBody>
+      </p:sp>
+      <p:sp>
+        <p:nvSpPr>
+          <p:cNvPr id="10" name="TextBox 9">
+            <a:extLst>
+              <a:ext uri="{FF2B5EF4-FFF2-40B4-BE49-F238E27FC236}">
+                <a16:creationId xmlns:a16="http://schemas.microsoft.com/office/drawing/2014/main" id="{B19D5099-416E-30E4-E2D6-E257633AC897}"/>
+              </a:ext>
+            </a:extLst>
+          </p:cNvPr>
+          <p:cNvSpPr txBox="1"/>
+          <p:nvPr/>
+        </p:nvSpPr>
+        <p:spPr>
+          <a:xfrm>
+            <a:off x="7140271" y="6154310"/>
+            <a:ext cx="2576223" cy="369332"/>
+          </a:xfrm>
+          <a:prstGeom prst="rect">
+            <a:avLst/>
+          </a:prstGeom>
+          <a:noFill/>
+        </p:spPr>
+        <p:txBody>
+          <a:bodyPr wrap="square" rtlCol="0">
+            <a:spAutoFit/>
+          </a:bodyPr>
+          <a:lstStyle/>
+          <a:p>
+            <a:r>
+              <a:rPr lang="en-US" dirty="0"/>
+              <a:t>A = 902</a:t>
+            </a:r>
+          </a:p>
+        </p:txBody>
+      </p:sp>
+      <p:sp>
+        <p:nvSpPr>
+          <p:cNvPr id="11" name="TextBox 10">
+            <a:extLst>
+              <a:ext uri="{FF2B5EF4-FFF2-40B4-BE49-F238E27FC236}">
+                <a16:creationId xmlns:a16="http://schemas.microsoft.com/office/drawing/2014/main" id="{9636F14B-5D5B-AD9B-4A54-53DEEB16207B}"/>
+              </a:ext>
+            </a:extLst>
+          </p:cNvPr>
+          <p:cNvSpPr txBox="1"/>
+          <p:nvPr/>
+        </p:nvSpPr>
+        <p:spPr>
+          <a:xfrm>
+            <a:off x="4094922" y="5932556"/>
+            <a:ext cx="1455088" cy="369332"/>
+          </a:xfrm>
+          <a:prstGeom prst="rect">
+            <a:avLst/>
+          </a:prstGeom>
+          <a:noFill/>
+        </p:spPr>
+        <p:txBody>
+          <a:bodyPr wrap="square" rtlCol="0">
+            <a:spAutoFit/>
+          </a:bodyPr>
+          <a:lstStyle/>
+          <a:p>
+            <a:r>
+              <a:rPr lang="en-US" dirty="0"/>
+              <a:t>84% change</a:t>
+            </a:r>
+          </a:p>
+        </p:txBody>
+      </p:sp>
+    </p:spTree>
+    <p:extLst>
+      <p:ext uri="{BB962C8B-B14F-4D97-AF65-F5344CB8AC3E}">
+        <p14:creationId xmlns:p14="http://schemas.microsoft.com/office/powerpoint/2010/main" val="3471953013"/>
+      </p:ext>
+    </p:extLst>
+  </p:cSld>
+  <p:clrMapOvr>
+    <a:masterClrMapping/>
+  </p:clrMapOvr>
+</p:sld>
+</file>
+
 <file path=ppt/slides/slide2.xml><?xml version="1.0" encoding="utf-8"?>
 <p:sld xmlns:a="http://schemas.openxmlformats.org/drawingml/2006/main" xmlns:r="http://schemas.openxmlformats.org/officeDocument/2006/relationships" xmlns:p="http://schemas.openxmlformats.org/presentationml/2006/main">
   <p:cSld>
@@ -3802,6 +4023,41 @@
           </a:xfrm>
         </p:spPr>
       </p:pic>
+      <p:sp>
+        <p:nvSpPr>
+          <p:cNvPr id="3" name="TextBox 2">
+            <a:extLst>
+              <a:ext uri="{FF2B5EF4-FFF2-40B4-BE49-F238E27FC236}">
+                <a16:creationId xmlns:a16="http://schemas.microsoft.com/office/drawing/2014/main" id="{455AD4F6-8777-A2C4-D701-61E3A720CB6B}"/>
+              </a:ext>
+            </a:extLst>
+          </p:cNvPr>
+          <p:cNvSpPr txBox="1"/>
+          <p:nvPr/>
+        </p:nvSpPr>
+        <p:spPr>
+          <a:xfrm>
+            <a:off x="9287123" y="3037398"/>
+            <a:ext cx="2066677" cy="369332"/>
+          </a:xfrm>
+          <a:prstGeom prst="rect">
+            <a:avLst/>
+          </a:prstGeom>
+          <a:noFill/>
+        </p:spPr>
+        <p:txBody>
+          <a:bodyPr wrap="square" rtlCol="0">
+            <a:spAutoFit/>
+          </a:bodyPr>
+          <a:lstStyle/>
+          <a:p>
+            <a:r>
+              <a:rPr lang="en-US" dirty="0"/>
+              <a:t>A = 0.242</a:t>
+            </a:r>
+          </a:p>
+        </p:txBody>
+      </p:sp>
     </p:spTree>
     <p:extLst>
       <p:ext uri="{BB962C8B-B14F-4D97-AF65-F5344CB8AC3E}">
@@ -3917,10 +4173,318 @@
           </a:prstGeom>
         </p:spPr>
       </p:pic>
+      <p:sp>
+        <p:nvSpPr>
+          <p:cNvPr id="3" name="TextBox 2">
+            <a:extLst>
+              <a:ext uri="{FF2B5EF4-FFF2-40B4-BE49-F238E27FC236}">
+                <a16:creationId xmlns:a16="http://schemas.microsoft.com/office/drawing/2014/main" id="{C9717C3B-6935-4082-A71B-84F6FAA92FFF}"/>
+              </a:ext>
+            </a:extLst>
+          </p:cNvPr>
+          <p:cNvSpPr txBox="1"/>
+          <p:nvPr/>
+        </p:nvSpPr>
+        <p:spPr>
+          <a:xfrm>
+            <a:off x="2258171" y="6236485"/>
+            <a:ext cx="3482671" cy="369332"/>
+          </a:xfrm>
+          <a:prstGeom prst="rect">
+            <a:avLst/>
+          </a:prstGeom>
+          <a:noFill/>
+        </p:spPr>
+        <p:txBody>
+          <a:bodyPr wrap="square" rtlCol="0">
+            <a:spAutoFit/>
+          </a:bodyPr>
+          <a:lstStyle/>
+          <a:p>
+            <a:r>
+              <a:rPr lang="en-US" dirty="0"/>
+              <a:t>A = 0.267</a:t>
+            </a:r>
+          </a:p>
+        </p:txBody>
+      </p:sp>
+      <p:sp>
+        <p:nvSpPr>
+          <p:cNvPr id="4" name="TextBox 3">
+            <a:extLst>
+              <a:ext uri="{FF2B5EF4-FFF2-40B4-BE49-F238E27FC236}">
+                <a16:creationId xmlns:a16="http://schemas.microsoft.com/office/drawing/2014/main" id="{2D59FDAE-630C-D634-C26D-4813C8EA4487}"/>
+              </a:ext>
+            </a:extLst>
+          </p:cNvPr>
+          <p:cNvSpPr txBox="1"/>
+          <p:nvPr/>
+        </p:nvSpPr>
+        <p:spPr>
+          <a:xfrm>
+            <a:off x="7274484" y="6243786"/>
+            <a:ext cx="3482671" cy="369332"/>
+          </a:xfrm>
+          <a:prstGeom prst="rect">
+            <a:avLst/>
+          </a:prstGeom>
+          <a:noFill/>
+        </p:spPr>
+        <p:txBody>
+          <a:bodyPr wrap="square" rtlCol="0">
+            <a:spAutoFit/>
+          </a:bodyPr>
+          <a:lstStyle/>
+          <a:p>
+            <a:r>
+              <a:rPr lang="en-US" dirty="0"/>
+              <a:t>A = 0.217</a:t>
+            </a:r>
+          </a:p>
+        </p:txBody>
+      </p:sp>
+      <p:sp>
+        <p:nvSpPr>
+          <p:cNvPr id="5" name="TextBox 4">
+            <a:extLst>
+              <a:ext uri="{FF2B5EF4-FFF2-40B4-BE49-F238E27FC236}">
+                <a16:creationId xmlns:a16="http://schemas.microsoft.com/office/drawing/2014/main" id="{00196DE1-1A76-F95B-DF3A-1D2AE0CD4248}"/>
+              </a:ext>
+            </a:extLst>
+          </p:cNvPr>
+          <p:cNvSpPr txBox="1"/>
+          <p:nvPr/>
+        </p:nvSpPr>
+        <p:spPr>
+          <a:xfrm>
+            <a:off x="4969565" y="6011186"/>
+            <a:ext cx="1590261" cy="369332"/>
+          </a:xfrm>
+          <a:prstGeom prst="rect">
+            <a:avLst/>
+          </a:prstGeom>
+          <a:noFill/>
+        </p:spPr>
+        <p:txBody>
+          <a:bodyPr wrap="square" rtlCol="0">
+            <a:spAutoFit/>
+          </a:bodyPr>
+          <a:lstStyle/>
+          <a:p>
+            <a:r>
+              <a:rPr lang="en-US" dirty="0"/>
+              <a:t>80% change</a:t>
+            </a:r>
+          </a:p>
+        </p:txBody>
+      </p:sp>
     </p:spTree>
     <p:extLst>
       <p:ext uri="{BB962C8B-B14F-4D97-AF65-F5344CB8AC3E}">
         <p14:creationId xmlns:p14="http://schemas.microsoft.com/office/powerpoint/2010/main" val="2297211554"/>
+      </p:ext>
+    </p:extLst>
+  </p:cSld>
+  <p:clrMapOvr>
+    <a:masterClrMapping/>
+  </p:clrMapOvr>
+</p:sld>
+</file>
+
+<file path=ppt/slides/slide8.xml><?xml version="1.0" encoding="utf-8"?>
+<p:sld xmlns:a="http://schemas.openxmlformats.org/drawingml/2006/main" xmlns:r="http://schemas.openxmlformats.org/officeDocument/2006/relationships" xmlns:p="http://schemas.openxmlformats.org/presentationml/2006/main">
+  <p:cSld>
+    <p:spTree>
+      <p:nvGrpSpPr>
+        <p:cNvPr id="1" name=""/>
+        <p:cNvGrpSpPr/>
+        <p:nvPr/>
+      </p:nvGrpSpPr>
+      <p:grpSpPr>
+        <a:xfrm>
+          <a:off x="0" y="0"/>
+          <a:ext cx="0" cy="0"/>
+          <a:chOff x="0" y="0"/>
+          <a:chExt cx="0" cy="0"/>
+        </a:xfrm>
+      </p:grpSpPr>
+      <p:sp>
+        <p:nvSpPr>
+          <p:cNvPr id="2" name="Title 1">
+            <a:extLst>
+              <a:ext uri="{FF2B5EF4-FFF2-40B4-BE49-F238E27FC236}">
+                <a16:creationId xmlns:a16="http://schemas.microsoft.com/office/drawing/2014/main" id="{20316F74-5707-0072-AC24-A39A48A8338A}"/>
+              </a:ext>
+            </a:extLst>
+          </p:cNvPr>
+          <p:cNvSpPr>
+            <a:spLocks noGrp="1"/>
+          </p:cNvSpPr>
+          <p:nvPr>
+            <p:ph type="title"/>
+          </p:nvPr>
+        </p:nvSpPr>
+        <p:spPr/>
+        <p:txBody>
+          <a:bodyPr/>
+          <a:lstStyle/>
+          <a:p>
+            <a:endParaRPr lang="en-US"/>
+          </a:p>
+        </p:txBody>
+      </p:sp>
+      <p:pic>
+        <p:nvPicPr>
+          <p:cNvPr id="5" name="Content Placeholder 4">
+            <a:extLst>
+              <a:ext uri="{FF2B5EF4-FFF2-40B4-BE49-F238E27FC236}">
+                <a16:creationId xmlns:a16="http://schemas.microsoft.com/office/drawing/2014/main" id="{3F854906-F03F-540F-A865-A4AE0AE12280}"/>
+              </a:ext>
+            </a:extLst>
+          </p:cNvPr>
+          <p:cNvPicPr>
+            <a:picLocks noGrp="1" noChangeAspect="1"/>
+          </p:cNvPicPr>
+          <p:nvPr>
+            <p:ph idx="1"/>
+          </p:nvPr>
+        </p:nvPicPr>
+        <p:blipFill>
+          <a:blip r:embed="rId2"/>
+          <a:stretch>
+            <a:fillRect/>
+          </a:stretch>
+        </p:blipFill>
+        <p:spPr>
+          <a:xfrm>
+            <a:off x="2424425" y="1825625"/>
+            <a:ext cx="7343149" cy="4351338"/>
+          </a:xfrm>
+        </p:spPr>
+      </p:pic>
+    </p:spTree>
+    <p:extLst>
+      <p:ext uri="{BB962C8B-B14F-4D97-AF65-F5344CB8AC3E}">
+        <p14:creationId xmlns:p14="http://schemas.microsoft.com/office/powerpoint/2010/main" val="3169876064"/>
+      </p:ext>
+    </p:extLst>
+  </p:cSld>
+  <p:clrMapOvr>
+    <a:masterClrMapping/>
+  </p:clrMapOvr>
+</p:sld>
+</file>
+
+<file path=ppt/slides/slide9.xml><?xml version="1.0" encoding="utf-8"?>
+<p:sld xmlns:a="http://schemas.openxmlformats.org/drawingml/2006/main" xmlns:r="http://schemas.openxmlformats.org/officeDocument/2006/relationships" xmlns:p="http://schemas.openxmlformats.org/presentationml/2006/main">
+  <p:cSld>
+    <p:spTree>
+      <p:nvGrpSpPr>
+        <p:cNvPr id="1" name=""/>
+        <p:cNvGrpSpPr/>
+        <p:nvPr/>
+      </p:nvGrpSpPr>
+      <p:grpSpPr>
+        <a:xfrm>
+          <a:off x="0" y="0"/>
+          <a:ext cx="0" cy="0"/>
+          <a:chOff x="0" y="0"/>
+          <a:chExt cx="0" cy="0"/>
+        </a:xfrm>
+      </p:grpSpPr>
+      <p:sp>
+        <p:nvSpPr>
+          <p:cNvPr id="2" name="Title 1">
+            <a:extLst>
+              <a:ext uri="{FF2B5EF4-FFF2-40B4-BE49-F238E27FC236}">
+                <a16:creationId xmlns:a16="http://schemas.microsoft.com/office/drawing/2014/main" id="{988C20F9-28F7-E0CC-870C-310A7C8B0B1E}"/>
+              </a:ext>
+            </a:extLst>
+          </p:cNvPr>
+          <p:cNvSpPr>
+            <a:spLocks noGrp="1"/>
+          </p:cNvSpPr>
+          <p:nvPr>
+            <p:ph type="title"/>
+          </p:nvPr>
+        </p:nvSpPr>
+        <p:spPr/>
+        <p:txBody>
+          <a:bodyPr/>
+          <a:lstStyle/>
+          <a:p>
+            <a:endParaRPr lang="en-US"/>
+          </a:p>
+        </p:txBody>
+      </p:sp>
+      <p:pic>
+        <p:nvPicPr>
+          <p:cNvPr id="5" name="Content Placeholder 4">
+            <a:extLst>
+              <a:ext uri="{FF2B5EF4-FFF2-40B4-BE49-F238E27FC236}">
+                <a16:creationId xmlns:a16="http://schemas.microsoft.com/office/drawing/2014/main" id="{2F161C62-20EB-6E87-7F62-B1DFE8108D95}"/>
+              </a:ext>
+            </a:extLst>
+          </p:cNvPr>
+          <p:cNvPicPr>
+            <a:picLocks noGrp="1" noChangeAspect="1"/>
+          </p:cNvPicPr>
+          <p:nvPr>
+            <p:ph idx="1"/>
+          </p:nvPr>
+        </p:nvPicPr>
+        <p:blipFill>
+          <a:blip r:embed="rId2"/>
+          <a:stretch>
+            <a:fillRect/>
+          </a:stretch>
+        </p:blipFill>
+        <p:spPr>
+          <a:xfrm>
+            <a:off x="3290631" y="1825625"/>
+            <a:ext cx="5610737" cy="4351338"/>
+          </a:xfrm>
+        </p:spPr>
+      </p:pic>
+      <p:sp>
+        <p:nvSpPr>
+          <p:cNvPr id="6" name="TextBox 5">
+            <a:extLst>
+              <a:ext uri="{FF2B5EF4-FFF2-40B4-BE49-F238E27FC236}">
+                <a16:creationId xmlns:a16="http://schemas.microsoft.com/office/drawing/2014/main" id="{05F3C280-0676-B0BC-2988-10EB447992BA}"/>
+              </a:ext>
+            </a:extLst>
+          </p:cNvPr>
+          <p:cNvSpPr txBox="1"/>
+          <p:nvPr/>
+        </p:nvSpPr>
+        <p:spPr>
+          <a:xfrm>
+            <a:off x="9549517" y="3267986"/>
+            <a:ext cx="2642483" cy="369332"/>
+          </a:xfrm>
+          <a:prstGeom prst="rect">
+            <a:avLst/>
+          </a:prstGeom>
+          <a:noFill/>
+        </p:spPr>
+        <p:txBody>
+          <a:bodyPr wrap="square" rtlCol="0">
+            <a:spAutoFit/>
+          </a:bodyPr>
+          <a:lstStyle/>
+          <a:p>
+            <a:r>
+              <a:rPr lang="en-US" dirty="0"/>
+              <a:t>A = 986 </a:t>
+            </a:r>
+          </a:p>
+        </p:txBody>
+      </p:sp>
+    </p:spTree>
+    <p:extLst>
+      <p:ext uri="{BB962C8B-B14F-4D97-AF65-F5344CB8AC3E}">
+        <p14:creationId xmlns:p14="http://schemas.microsoft.com/office/powerpoint/2010/main" val="2928962146"/>
       </p:ext>
     </p:extLst>
   </p:cSld>

--- a/analysis/fluorimeter/fluoroStack/fluoroStackTolerance.pptx
+++ b/analysis/fluorimeter/fluoroStack/fluoroStackTolerance.pptx
@@ -268,7 +268,7 @@
           <a:p>
             <a:fld id="{584D29B9-D5D8-4B16-8C81-96F134DE5073}" type="datetimeFigureOut">
               <a:rPr lang="en-US" smtClean="0"/>
-              <a:t>6/21/2024</a:t>
+              <a:t>6/24/2024</a:t>
             </a:fld>
             <a:endParaRPr lang="en-US"/>
           </a:p>
@@ -466,7 +466,7 @@
           <a:p>
             <a:fld id="{584D29B9-D5D8-4B16-8C81-96F134DE5073}" type="datetimeFigureOut">
               <a:rPr lang="en-US" smtClean="0"/>
-              <a:t>6/21/2024</a:t>
+              <a:t>6/24/2024</a:t>
             </a:fld>
             <a:endParaRPr lang="en-US"/>
           </a:p>
@@ -674,7 +674,7 @@
           <a:p>
             <a:fld id="{584D29B9-D5D8-4B16-8C81-96F134DE5073}" type="datetimeFigureOut">
               <a:rPr lang="en-US" smtClean="0"/>
-              <a:t>6/21/2024</a:t>
+              <a:t>6/24/2024</a:t>
             </a:fld>
             <a:endParaRPr lang="en-US"/>
           </a:p>
@@ -872,7 +872,7 @@
           <a:p>
             <a:fld id="{584D29B9-D5D8-4B16-8C81-96F134DE5073}" type="datetimeFigureOut">
               <a:rPr lang="en-US" smtClean="0"/>
-              <a:t>6/21/2024</a:t>
+              <a:t>6/24/2024</a:t>
             </a:fld>
             <a:endParaRPr lang="en-US"/>
           </a:p>
@@ -1147,7 +1147,7 @@
           <a:p>
             <a:fld id="{584D29B9-D5D8-4B16-8C81-96F134DE5073}" type="datetimeFigureOut">
               <a:rPr lang="en-US" smtClean="0"/>
-              <a:t>6/21/2024</a:t>
+              <a:t>6/24/2024</a:t>
             </a:fld>
             <a:endParaRPr lang="en-US"/>
           </a:p>
@@ -1412,7 +1412,7 @@
           <a:p>
             <a:fld id="{584D29B9-D5D8-4B16-8C81-96F134DE5073}" type="datetimeFigureOut">
               <a:rPr lang="en-US" smtClean="0"/>
-              <a:t>6/21/2024</a:t>
+              <a:t>6/24/2024</a:t>
             </a:fld>
             <a:endParaRPr lang="en-US"/>
           </a:p>
@@ -1824,7 +1824,7 @@
           <a:p>
             <a:fld id="{584D29B9-D5D8-4B16-8C81-96F134DE5073}" type="datetimeFigureOut">
               <a:rPr lang="en-US" smtClean="0"/>
-              <a:t>6/21/2024</a:t>
+              <a:t>6/24/2024</a:t>
             </a:fld>
             <a:endParaRPr lang="en-US"/>
           </a:p>
@@ -1965,7 +1965,7 @@
           <a:p>
             <a:fld id="{584D29B9-D5D8-4B16-8C81-96F134DE5073}" type="datetimeFigureOut">
               <a:rPr lang="en-US" smtClean="0"/>
-              <a:t>6/21/2024</a:t>
+              <a:t>6/24/2024</a:t>
             </a:fld>
             <a:endParaRPr lang="en-US"/>
           </a:p>
@@ -2078,7 +2078,7 @@
           <a:p>
             <a:fld id="{584D29B9-D5D8-4B16-8C81-96F134DE5073}" type="datetimeFigureOut">
               <a:rPr lang="en-US" smtClean="0"/>
-              <a:t>6/21/2024</a:t>
+              <a:t>6/24/2024</a:t>
             </a:fld>
             <a:endParaRPr lang="en-US"/>
           </a:p>
@@ -2389,7 +2389,7 @@
           <a:p>
             <a:fld id="{584D29B9-D5D8-4B16-8C81-96F134DE5073}" type="datetimeFigureOut">
               <a:rPr lang="en-US" smtClean="0"/>
-              <a:t>6/21/2024</a:t>
+              <a:t>6/24/2024</a:t>
             </a:fld>
             <a:endParaRPr lang="en-US"/>
           </a:p>
@@ -2677,7 +2677,7 @@
           <a:p>
             <a:fld id="{584D29B9-D5D8-4B16-8C81-96F134DE5073}" type="datetimeFigureOut">
               <a:rPr lang="en-US" smtClean="0"/>
-              <a:t>6/21/2024</a:t>
+              <a:t>6/24/2024</a:t>
             </a:fld>
             <a:endParaRPr lang="en-US"/>
           </a:p>
@@ -2918,7 +2918,7 @@
           <a:p>
             <a:fld id="{584D29B9-D5D8-4B16-8C81-96F134DE5073}" type="datetimeFigureOut">
               <a:rPr lang="en-US" smtClean="0"/>
-              <a:t>6/21/2024</a:t>
+              <a:t>6/24/2024</a:t>
             </a:fld>
             <a:endParaRPr lang="en-US"/>
           </a:p>
@@ -3598,7 +3598,7 @@
           <a:p>
             <a:r>
               <a:rPr lang="en-US" dirty="0"/>
-              <a:t>84% change</a:t>
+              <a:t>19% change</a:t>
             </a:r>
           </a:p>
         </p:txBody>
@@ -4273,7 +4273,7 @@
           <a:p>
             <a:r>
               <a:rPr lang="en-US" dirty="0"/>
-              <a:t>80% change</a:t>
+              <a:t>23% change</a:t>
             </a:r>
           </a:p>
         </p:txBody>

--- a/analysis/fluorimeter/fluoroStack/fluoroStackTolerance.pptx
+++ b/analysis/fluorimeter/fluoroStack/fluoroStackTolerance.pptx
@@ -5,16 +5,15 @@
     <p:sldMasterId id="2147483648" r:id="rId1"/>
   </p:sldMasterIdLst>
   <p:sldIdLst>
-    <p:sldId id="256" r:id="rId2"/>
-    <p:sldId id="257" r:id="rId3"/>
-    <p:sldId id="258" r:id="rId4"/>
-    <p:sldId id="259" r:id="rId5"/>
-    <p:sldId id="260" r:id="rId6"/>
-    <p:sldId id="262" r:id="rId7"/>
-    <p:sldId id="261" r:id="rId8"/>
-    <p:sldId id="263" r:id="rId9"/>
-    <p:sldId id="264" r:id="rId10"/>
-    <p:sldId id="265" r:id="rId11"/>
+    <p:sldId id="259" r:id="rId2"/>
+    <p:sldId id="263" r:id="rId3"/>
+    <p:sldId id="264" r:id="rId4"/>
+    <p:sldId id="266" r:id="rId5"/>
+    <p:sldId id="257" r:id="rId6"/>
+    <p:sldId id="258" r:id="rId7"/>
+    <p:sldId id="260" r:id="rId8"/>
+    <p:sldId id="262" r:id="rId9"/>
+    <p:sldId id="267" r:id="rId10"/>
   </p:sldIdLst>
   <p:sldSz cx="12192000" cy="6858000"/>
   <p:notesSz cx="6858000" cy="9144000"/>
@@ -268,7 +267,7 @@
           <a:p>
             <a:fld id="{584D29B9-D5D8-4B16-8C81-96F134DE5073}" type="datetimeFigureOut">
               <a:rPr lang="en-US" smtClean="0"/>
-              <a:t>6/24/2024</a:t>
+              <a:t>6/26/2024</a:t>
             </a:fld>
             <a:endParaRPr lang="en-US"/>
           </a:p>
@@ -466,7 +465,7 @@
           <a:p>
             <a:fld id="{584D29B9-D5D8-4B16-8C81-96F134DE5073}" type="datetimeFigureOut">
               <a:rPr lang="en-US" smtClean="0"/>
-              <a:t>6/24/2024</a:t>
+              <a:t>6/26/2024</a:t>
             </a:fld>
             <a:endParaRPr lang="en-US"/>
           </a:p>
@@ -674,7 +673,7 @@
           <a:p>
             <a:fld id="{584D29B9-D5D8-4B16-8C81-96F134DE5073}" type="datetimeFigureOut">
               <a:rPr lang="en-US" smtClean="0"/>
-              <a:t>6/24/2024</a:t>
+              <a:t>6/26/2024</a:t>
             </a:fld>
             <a:endParaRPr lang="en-US"/>
           </a:p>
@@ -872,7 +871,7 @@
           <a:p>
             <a:fld id="{584D29B9-D5D8-4B16-8C81-96F134DE5073}" type="datetimeFigureOut">
               <a:rPr lang="en-US" smtClean="0"/>
-              <a:t>6/24/2024</a:t>
+              <a:t>6/26/2024</a:t>
             </a:fld>
             <a:endParaRPr lang="en-US"/>
           </a:p>
@@ -1147,7 +1146,7 @@
           <a:p>
             <a:fld id="{584D29B9-D5D8-4B16-8C81-96F134DE5073}" type="datetimeFigureOut">
               <a:rPr lang="en-US" smtClean="0"/>
-              <a:t>6/24/2024</a:t>
+              <a:t>6/26/2024</a:t>
             </a:fld>
             <a:endParaRPr lang="en-US"/>
           </a:p>
@@ -1412,7 +1411,7 @@
           <a:p>
             <a:fld id="{584D29B9-D5D8-4B16-8C81-96F134DE5073}" type="datetimeFigureOut">
               <a:rPr lang="en-US" smtClean="0"/>
-              <a:t>6/24/2024</a:t>
+              <a:t>6/26/2024</a:t>
             </a:fld>
             <a:endParaRPr lang="en-US"/>
           </a:p>
@@ -1824,7 +1823,7 @@
           <a:p>
             <a:fld id="{584D29B9-D5D8-4B16-8C81-96F134DE5073}" type="datetimeFigureOut">
               <a:rPr lang="en-US" smtClean="0"/>
-              <a:t>6/24/2024</a:t>
+              <a:t>6/26/2024</a:t>
             </a:fld>
             <a:endParaRPr lang="en-US"/>
           </a:p>
@@ -1965,7 +1964,7 @@
           <a:p>
             <a:fld id="{584D29B9-D5D8-4B16-8C81-96F134DE5073}" type="datetimeFigureOut">
               <a:rPr lang="en-US" smtClean="0"/>
-              <a:t>6/24/2024</a:t>
+              <a:t>6/26/2024</a:t>
             </a:fld>
             <a:endParaRPr lang="en-US"/>
           </a:p>
@@ -2078,7 +2077,7 @@
           <a:p>
             <a:fld id="{584D29B9-D5D8-4B16-8C81-96F134DE5073}" type="datetimeFigureOut">
               <a:rPr lang="en-US" smtClean="0"/>
-              <a:t>6/24/2024</a:t>
+              <a:t>6/26/2024</a:t>
             </a:fld>
             <a:endParaRPr lang="en-US"/>
           </a:p>
@@ -2389,7 +2388,7 @@
           <a:p>
             <a:fld id="{584D29B9-D5D8-4B16-8C81-96F134DE5073}" type="datetimeFigureOut">
               <a:rPr lang="en-US" smtClean="0"/>
-              <a:t>6/24/2024</a:t>
+              <a:t>6/26/2024</a:t>
             </a:fld>
             <a:endParaRPr lang="en-US"/>
           </a:p>
@@ -2677,7 +2676,7 @@
           <a:p>
             <a:fld id="{584D29B9-D5D8-4B16-8C81-96F134DE5073}" type="datetimeFigureOut">
               <a:rPr lang="en-US" smtClean="0"/>
-              <a:t>6/24/2024</a:t>
+              <a:t>6/26/2024</a:t>
             </a:fld>
             <a:endParaRPr lang="en-US"/>
           </a:p>
@@ -2918,7 +2917,7 @@
           <a:p>
             <a:fld id="{584D29B9-D5D8-4B16-8C81-96F134DE5073}" type="datetimeFigureOut">
               <a:rPr lang="en-US" smtClean="0"/>
-              <a:t>6/24/2024</a:t>
+              <a:t>6/26/2024</a:t>
             </a:fld>
             <a:endParaRPr lang="en-US"/>
           </a:p>
@@ -3340,87 +3339,7 @@
           <p:cNvPr id="2" name="Title 1">
             <a:extLst>
               <a:ext uri="{FF2B5EF4-FFF2-40B4-BE49-F238E27FC236}">
-                <a16:creationId xmlns:a16="http://schemas.microsoft.com/office/drawing/2014/main" id="{BFE116BA-AFFD-4886-7E20-290E3638B619}"/>
-              </a:ext>
-            </a:extLst>
-          </p:cNvPr>
-          <p:cNvSpPr>
-            <a:spLocks noGrp="1"/>
-          </p:cNvSpPr>
-          <p:nvPr>
-            <p:ph type="ctrTitle"/>
-          </p:nvPr>
-        </p:nvSpPr>
-        <p:spPr/>
-        <p:txBody>
-          <a:bodyPr/>
-          <a:lstStyle/>
-          <a:p>
-            <a:endParaRPr lang="en-US"/>
-          </a:p>
-        </p:txBody>
-      </p:sp>
-      <p:sp>
-        <p:nvSpPr>
-          <p:cNvPr id="3" name="Subtitle 2">
-            <a:extLst>
-              <a:ext uri="{FF2B5EF4-FFF2-40B4-BE49-F238E27FC236}">
-                <a16:creationId xmlns:a16="http://schemas.microsoft.com/office/drawing/2014/main" id="{A14FA526-32F4-58A4-1413-44DEAA6C167A}"/>
-              </a:ext>
-            </a:extLst>
-          </p:cNvPr>
-          <p:cNvSpPr>
-            <a:spLocks noGrp="1"/>
-          </p:cNvSpPr>
-          <p:nvPr>
-            <p:ph type="subTitle" idx="1"/>
-          </p:nvPr>
-        </p:nvSpPr>
-        <p:spPr/>
-        <p:txBody>
-          <a:bodyPr/>
-          <a:lstStyle/>
-          <a:p>
-            <a:endParaRPr lang="en-US"/>
-          </a:p>
-        </p:txBody>
-      </p:sp>
-    </p:spTree>
-    <p:extLst>
-      <p:ext uri="{BB962C8B-B14F-4D97-AF65-F5344CB8AC3E}">
-        <p14:creationId xmlns:p14="http://schemas.microsoft.com/office/powerpoint/2010/main" val="2099071858"/>
-      </p:ext>
-    </p:extLst>
-  </p:cSld>
-  <p:clrMapOvr>
-    <a:masterClrMapping/>
-  </p:clrMapOvr>
-</p:sld>
-</file>
-
-<file path=ppt/slides/slide10.xml><?xml version="1.0" encoding="utf-8"?>
-<p:sld xmlns:a="http://schemas.openxmlformats.org/drawingml/2006/main" xmlns:r="http://schemas.openxmlformats.org/officeDocument/2006/relationships" xmlns:p="http://schemas.openxmlformats.org/presentationml/2006/main">
-  <p:cSld>
-    <p:spTree>
-      <p:nvGrpSpPr>
-        <p:cNvPr id="1" name=""/>
-        <p:cNvGrpSpPr/>
-        <p:nvPr/>
-      </p:nvGrpSpPr>
-      <p:grpSpPr>
-        <a:xfrm>
-          <a:off x="0" y="0"/>
-          <a:ext cx="0" cy="0"/>
-          <a:chOff x="0" y="0"/>
-          <a:chExt cx="0" cy="0"/>
-        </a:xfrm>
-      </p:grpSpPr>
-      <p:sp>
-        <p:nvSpPr>
-          <p:cNvPr id="2" name="Title 1">
-            <a:extLst>
-              <a:ext uri="{FF2B5EF4-FFF2-40B4-BE49-F238E27FC236}">
-                <a16:creationId xmlns:a16="http://schemas.microsoft.com/office/drawing/2014/main" id="{D9AE46D5-7A6A-3CD4-DE7A-CF149F532693}"/>
+                <a16:creationId xmlns:a16="http://schemas.microsoft.com/office/drawing/2014/main" id="{8881D54C-D8FB-A5B2-E876-DF5B782FDCBC}"/>
               </a:ext>
             </a:extLst>
           </p:cNvPr>
@@ -3436,16 +3355,19 @@
           <a:bodyPr/>
           <a:lstStyle/>
           <a:p>
-            <a:endParaRPr lang="en-US"/>
+            <a:r>
+              <a:rPr lang="en-US" dirty="0"/>
+              <a:t>Sample Fluorimeter</a:t>
+            </a:r>
           </a:p>
         </p:txBody>
       </p:sp>
       <p:pic>
         <p:nvPicPr>
-          <p:cNvPr id="6" name="Content Placeholder 5">
-            <a:extLst>
-              <a:ext uri="{FF2B5EF4-FFF2-40B4-BE49-F238E27FC236}">
-                <a16:creationId xmlns:a16="http://schemas.microsoft.com/office/drawing/2014/main" id="{B5AAB019-4D04-67A0-81F7-382BD9A7CD95}"/>
+          <p:cNvPr id="5" name="Content Placeholder 4">
+            <a:extLst>
+              <a:ext uri="{FF2B5EF4-FFF2-40B4-BE49-F238E27FC236}">
+                <a16:creationId xmlns:a16="http://schemas.microsoft.com/office/drawing/2014/main" id="{60231A74-966C-05EA-9D98-A6E0C928AAF7}"/>
               </a:ext>
             </a:extLst>
           </p:cNvPr>
@@ -3453,7 +3375,7 @@
             <a:picLocks noGrp="1" noChangeAspect="1"/>
           </p:cNvPicPr>
           <p:nvPr>
-            <p:ph sz="half" idx="1"/>
+            <p:ph idx="1"/>
           </p:nvPr>
         </p:nvPicPr>
         <p:blipFill>
@@ -3464,149 +3386,15 @@
         </p:blipFill>
         <p:spPr>
           <a:xfrm>
-            <a:off x="838200" y="2092109"/>
-            <a:ext cx="5181600" cy="3818369"/>
+            <a:off x="2050885" y="1825625"/>
+            <a:ext cx="8090229" cy="4351338"/>
           </a:xfrm>
         </p:spPr>
       </p:pic>
-      <p:pic>
-        <p:nvPicPr>
-          <p:cNvPr id="8" name="Content Placeholder 7">
-            <a:extLst>
-              <a:ext uri="{FF2B5EF4-FFF2-40B4-BE49-F238E27FC236}">
-                <a16:creationId xmlns:a16="http://schemas.microsoft.com/office/drawing/2014/main" id="{24815DC7-0785-DAE4-ABB4-247A0CEE8598}"/>
-              </a:ext>
-            </a:extLst>
-          </p:cNvPr>
-          <p:cNvPicPr>
-            <a:picLocks noGrp="1" noChangeAspect="1"/>
-          </p:cNvPicPr>
-          <p:nvPr>
-            <p:ph sz="half" idx="2"/>
-          </p:nvPr>
-        </p:nvPicPr>
-        <p:blipFill>
-          <a:blip r:embed="rId3"/>
-          <a:stretch>
-            <a:fillRect/>
-          </a:stretch>
-        </p:blipFill>
-        <p:spPr>
-          <a:xfrm>
-            <a:off x="6172200" y="2070032"/>
-            <a:ext cx="5181600" cy="3862524"/>
-          </a:xfrm>
-        </p:spPr>
-      </p:pic>
-      <p:sp>
-        <p:nvSpPr>
-          <p:cNvPr id="9" name="TextBox 8">
-            <a:extLst>
-              <a:ext uri="{FF2B5EF4-FFF2-40B4-BE49-F238E27FC236}">
-                <a16:creationId xmlns:a16="http://schemas.microsoft.com/office/drawing/2014/main" id="{1B3DBF43-31DB-9A03-DE16-FF0CEF9D4F27}"/>
-              </a:ext>
-            </a:extLst>
-          </p:cNvPr>
-          <p:cNvSpPr txBox="1"/>
-          <p:nvPr/>
-        </p:nvSpPr>
-        <p:spPr>
-          <a:xfrm>
-            <a:off x="1614115" y="5995283"/>
-            <a:ext cx="2361537" cy="369332"/>
-          </a:xfrm>
-          <a:prstGeom prst="rect">
-            <a:avLst/>
-          </a:prstGeom>
-          <a:noFill/>
-        </p:spPr>
-        <p:txBody>
-          <a:bodyPr wrap="square" rtlCol="0">
-            <a:spAutoFit/>
-          </a:bodyPr>
-          <a:lstStyle/>
-          <a:p>
-            <a:r>
-              <a:rPr lang="en-US" dirty="0"/>
-              <a:t>A = 1070</a:t>
-            </a:r>
-          </a:p>
-        </p:txBody>
-      </p:sp>
-      <p:sp>
-        <p:nvSpPr>
-          <p:cNvPr id="10" name="TextBox 9">
-            <a:extLst>
-              <a:ext uri="{FF2B5EF4-FFF2-40B4-BE49-F238E27FC236}">
-                <a16:creationId xmlns:a16="http://schemas.microsoft.com/office/drawing/2014/main" id="{B19D5099-416E-30E4-E2D6-E257633AC897}"/>
-              </a:ext>
-            </a:extLst>
-          </p:cNvPr>
-          <p:cNvSpPr txBox="1"/>
-          <p:nvPr/>
-        </p:nvSpPr>
-        <p:spPr>
-          <a:xfrm>
-            <a:off x="7140271" y="6154310"/>
-            <a:ext cx="2576223" cy="369332"/>
-          </a:xfrm>
-          <a:prstGeom prst="rect">
-            <a:avLst/>
-          </a:prstGeom>
-          <a:noFill/>
-        </p:spPr>
-        <p:txBody>
-          <a:bodyPr wrap="square" rtlCol="0">
-            <a:spAutoFit/>
-          </a:bodyPr>
-          <a:lstStyle/>
-          <a:p>
-            <a:r>
-              <a:rPr lang="en-US" dirty="0"/>
-              <a:t>A = 902</a:t>
-            </a:r>
-          </a:p>
-        </p:txBody>
-      </p:sp>
-      <p:sp>
-        <p:nvSpPr>
-          <p:cNvPr id="11" name="TextBox 10">
-            <a:extLst>
-              <a:ext uri="{FF2B5EF4-FFF2-40B4-BE49-F238E27FC236}">
-                <a16:creationId xmlns:a16="http://schemas.microsoft.com/office/drawing/2014/main" id="{9636F14B-5D5B-AD9B-4A54-53DEEB16207B}"/>
-              </a:ext>
-            </a:extLst>
-          </p:cNvPr>
-          <p:cNvSpPr txBox="1"/>
-          <p:nvPr/>
-        </p:nvSpPr>
-        <p:spPr>
-          <a:xfrm>
-            <a:off x="4094922" y="5932556"/>
-            <a:ext cx="1455088" cy="369332"/>
-          </a:xfrm>
-          <a:prstGeom prst="rect">
-            <a:avLst/>
-          </a:prstGeom>
-          <a:noFill/>
-        </p:spPr>
-        <p:txBody>
-          <a:bodyPr wrap="square" rtlCol="0">
-            <a:spAutoFit/>
-          </a:bodyPr>
-          <a:lstStyle/>
-          <a:p>
-            <a:r>
-              <a:rPr lang="en-US" dirty="0"/>
-              <a:t>19% change</a:t>
-            </a:r>
-          </a:p>
-        </p:txBody>
-      </p:sp>
     </p:spTree>
     <p:extLst>
       <p:ext uri="{BB962C8B-B14F-4D97-AF65-F5344CB8AC3E}">
-        <p14:creationId xmlns:p14="http://schemas.microsoft.com/office/powerpoint/2010/main" val="3471953013"/>
+        <p14:creationId xmlns:p14="http://schemas.microsoft.com/office/powerpoint/2010/main" val="4027227180"/>
       </p:ext>
     </p:extLst>
   </p:cSld>
@@ -3638,6 +3426,596 @@
           <p:cNvPr id="2" name="Title 1">
             <a:extLst>
               <a:ext uri="{FF2B5EF4-FFF2-40B4-BE49-F238E27FC236}">
+                <a16:creationId xmlns:a16="http://schemas.microsoft.com/office/drawing/2014/main" id="{20316F74-5707-0072-AC24-A39A48A8338A}"/>
+              </a:ext>
+            </a:extLst>
+          </p:cNvPr>
+          <p:cNvSpPr>
+            <a:spLocks noGrp="1"/>
+          </p:cNvSpPr>
+          <p:nvPr>
+            <p:ph type="title"/>
+          </p:nvPr>
+        </p:nvSpPr>
+        <p:spPr/>
+        <p:txBody>
+          <a:bodyPr/>
+          <a:lstStyle/>
+          <a:p>
+            <a:r>
+              <a:rPr lang="en-US" dirty="0"/>
+              <a:t>LED</a:t>
+            </a:r>
+          </a:p>
+        </p:txBody>
+      </p:sp>
+      <p:pic>
+        <p:nvPicPr>
+          <p:cNvPr id="5" name="Content Placeholder 4">
+            <a:extLst>
+              <a:ext uri="{FF2B5EF4-FFF2-40B4-BE49-F238E27FC236}">
+                <a16:creationId xmlns:a16="http://schemas.microsoft.com/office/drawing/2014/main" id="{3F854906-F03F-540F-A865-A4AE0AE12280}"/>
+              </a:ext>
+            </a:extLst>
+          </p:cNvPr>
+          <p:cNvPicPr>
+            <a:picLocks noGrp="1" noChangeAspect="1"/>
+          </p:cNvPicPr>
+          <p:nvPr>
+            <p:ph idx="1"/>
+          </p:nvPr>
+        </p:nvPicPr>
+        <p:blipFill>
+          <a:blip r:embed="rId2"/>
+          <a:stretch>
+            <a:fillRect/>
+          </a:stretch>
+        </p:blipFill>
+        <p:spPr>
+          <a:xfrm>
+            <a:off x="2424425" y="1825625"/>
+            <a:ext cx="7343149" cy="4351338"/>
+          </a:xfrm>
+        </p:spPr>
+      </p:pic>
+    </p:spTree>
+    <p:extLst>
+      <p:ext uri="{BB962C8B-B14F-4D97-AF65-F5344CB8AC3E}">
+        <p14:creationId xmlns:p14="http://schemas.microsoft.com/office/powerpoint/2010/main" val="3169876064"/>
+      </p:ext>
+    </p:extLst>
+  </p:cSld>
+  <p:clrMapOvr>
+    <a:masterClrMapping/>
+  </p:clrMapOvr>
+</p:sld>
+</file>
+
+<file path=ppt/slides/slide3.xml><?xml version="1.0" encoding="utf-8"?>
+<p:sld xmlns:a="http://schemas.openxmlformats.org/drawingml/2006/main" xmlns:r="http://schemas.openxmlformats.org/officeDocument/2006/relationships" xmlns:p="http://schemas.openxmlformats.org/presentationml/2006/main">
+  <p:cSld>
+    <p:spTree>
+      <p:nvGrpSpPr>
+        <p:cNvPr id="1" name=""/>
+        <p:cNvGrpSpPr/>
+        <p:nvPr/>
+      </p:nvGrpSpPr>
+      <p:grpSpPr>
+        <a:xfrm>
+          <a:off x="0" y="0"/>
+          <a:ext cx="0" cy="0"/>
+          <a:chOff x="0" y="0"/>
+          <a:chExt cx="0" cy="0"/>
+        </a:xfrm>
+      </p:grpSpPr>
+      <p:sp>
+        <p:nvSpPr>
+          <p:cNvPr id="2" name="Title 1">
+            <a:extLst>
+              <a:ext uri="{FF2B5EF4-FFF2-40B4-BE49-F238E27FC236}">
+                <a16:creationId xmlns:a16="http://schemas.microsoft.com/office/drawing/2014/main" id="{988C20F9-28F7-E0CC-870C-310A7C8B0B1E}"/>
+              </a:ext>
+            </a:extLst>
+          </p:cNvPr>
+          <p:cNvSpPr>
+            <a:spLocks noGrp="1"/>
+          </p:cNvSpPr>
+          <p:nvPr>
+            <p:ph type="title"/>
+          </p:nvPr>
+        </p:nvSpPr>
+        <p:spPr/>
+        <p:txBody>
+          <a:bodyPr/>
+          <a:lstStyle/>
+          <a:p>
+            <a:r>
+              <a:rPr lang="en-US" dirty="0"/>
+              <a:t>LED Nominal</a:t>
+            </a:r>
+          </a:p>
+        </p:txBody>
+      </p:sp>
+      <p:pic>
+        <p:nvPicPr>
+          <p:cNvPr id="14" name="Content Placeholder 13">
+            <a:extLst>
+              <a:ext uri="{FF2B5EF4-FFF2-40B4-BE49-F238E27FC236}">
+                <a16:creationId xmlns:a16="http://schemas.microsoft.com/office/drawing/2014/main" id="{B6001990-B382-C11F-B423-B95B275BE5CA}"/>
+              </a:ext>
+            </a:extLst>
+          </p:cNvPr>
+          <p:cNvPicPr>
+            <a:picLocks noGrp="1" noChangeAspect="1"/>
+          </p:cNvPicPr>
+          <p:nvPr>
+            <p:ph idx="1"/>
+          </p:nvPr>
+        </p:nvPicPr>
+        <p:blipFill>
+          <a:blip r:embed="rId2"/>
+          <a:stretch>
+            <a:fillRect/>
+          </a:stretch>
+        </p:blipFill>
+        <p:spPr>
+          <a:xfrm>
+            <a:off x="3233338" y="1829291"/>
+            <a:ext cx="5725324" cy="4344006"/>
+          </a:xfrm>
+        </p:spPr>
+      </p:pic>
+      <p:sp>
+        <p:nvSpPr>
+          <p:cNvPr id="17" name="TextBox 16">
+            <a:extLst>
+              <a:ext uri="{FF2B5EF4-FFF2-40B4-BE49-F238E27FC236}">
+                <a16:creationId xmlns:a16="http://schemas.microsoft.com/office/drawing/2014/main" id="{AC3BC22D-83DB-5C96-977B-AC1958B08C9F}"/>
+              </a:ext>
+            </a:extLst>
+          </p:cNvPr>
+          <p:cNvSpPr txBox="1"/>
+          <p:nvPr/>
+        </p:nvSpPr>
+        <p:spPr>
+          <a:xfrm>
+            <a:off x="7000875" y="1098292"/>
+            <a:ext cx="2314575" cy="369332"/>
+          </a:xfrm>
+          <a:prstGeom prst="rect">
+            <a:avLst/>
+          </a:prstGeom>
+          <a:noFill/>
+        </p:spPr>
+        <p:txBody>
+          <a:bodyPr wrap="square" rtlCol="0">
+            <a:spAutoFit/>
+          </a:bodyPr>
+          <a:lstStyle/>
+          <a:p>
+            <a:r>
+              <a:rPr lang="en-US" dirty="0"/>
+              <a:t>Area = 1926</a:t>
+            </a:r>
+          </a:p>
+        </p:txBody>
+      </p:sp>
+      <p:cxnSp>
+        <p:nvCxnSpPr>
+          <p:cNvPr id="18" name="Straight Arrow Connector 17">
+            <a:extLst>
+              <a:ext uri="{FF2B5EF4-FFF2-40B4-BE49-F238E27FC236}">
+                <a16:creationId xmlns:a16="http://schemas.microsoft.com/office/drawing/2014/main" id="{309B748F-FEE4-0048-170E-315D86A26DEE}"/>
+              </a:ext>
+            </a:extLst>
+          </p:cNvPr>
+          <p:cNvCxnSpPr>
+            <a:cxnSpLocks/>
+          </p:cNvCxnSpPr>
+          <p:nvPr/>
+        </p:nvCxnSpPr>
+        <p:spPr>
+          <a:xfrm flipH="1">
+            <a:off x="6162675" y="1440613"/>
+            <a:ext cx="910035" cy="1435937"/>
+          </a:xfrm>
+          <a:prstGeom prst="straightConnector1">
+            <a:avLst/>
+          </a:prstGeom>
+          <a:ln w="76200">
+            <a:tailEnd type="triangle"/>
+          </a:ln>
+        </p:spPr>
+        <p:style>
+          <a:lnRef idx="2">
+            <a:schemeClr val="accent1"/>
+          </a:lnRef>
+          <a:fillRef idx="0">
+            <a:schemeClr val="accent1"/>
+          </a:fillRef>
+          <a:effectRef idx="1">
+            <a:schemeClr val="accent1"/>
+          </a:effectRef>
+          <a:fontRef idx="minor">
+            <a:schemeClr val="tx1"/>
+          </a:fontRef>
+        </p:style>
+      </p:cxnSp>
+    </p:spTree>
+    <p:extLst>
+      <p:ext uri="{BB962C8B-B14F-4D97-AF65-F5344CB8AC3E}">
+        <p14:creationId xmlns:p14="http://schemas.microsoft.com/office/powerpoint/2010/main" val="2928962146"/>
+      </p:ext>
+    </p:extLst>
+  </p:cSld>
+  <p:clrMapOvr>
+    <a:masterClrMapping/>
+  </p:clrMapOvr>
+</p:sld>
+</file>
+
+<file path=ppt/slides/slide4.xml><?xml version="1.0" encoding="utf-8"?>
+<p:sld xmlns:a="http://schemas.openxmlformats.org/drawingml/2006/main" xmlns:r="http://schemas.openxmlformats.org/officeDocument/2006/relationships" xmlns:p="http://schemas.openxmlformats.org/presentationml/2006/main">
+  <p:cSld>
+    <p:spTree>
+      <p:nvGrpSpPr>
+        <p:cNvPr id="1" name=""/>
+        <p:cNvGrpSpPr/>
+        <p:nvPr/>
+      </p:nvGrpSpPr>
+      <p:grpSpPr>
+        <a:xfrm>
+          <a:off x="0" y="0"/>
+          <a:ext cx="0" cy="0"/>
+          <a:chOff x="0" y="0"/>
+          <a:chExt cx="0" cy="0"/>
+        </a:xfrm>
+      </p:grpSpPr>
+      <p:sp>
+        <p:nvSpPr>
+          <p:cNvPr id="2" name="Title 1">
+            <a:extLst>
+              <a:ext uri="{FF2B5EF4-FFF2-40B4-BE49-F238E27FC236}">
+                <a16:creationId xmlns:a16="http://schemas.microsoft.com/office/drawing/2014/main" id="{6336BD98-04EE-AD2D-2FFF-CE84CB4B4549}"/>
+              </a:ext>
+            </a:extLst>
+          </p:cNvPr>
+          <p:cNvSpPr>
+            <a:spLocks noGrp="1"/>
+          </p:cNvSpPr>
+          <p:nvPr>
+            <p:ph type="title"/>
+          </p:nvPr>
+        </p:nvSpPr>
+        <p:spPr/>
+        <p:txBody>
+          <a:bodyPr/>
+          <a:lstStyle/>
+          <a:p>
+            <a:r>
+              <a:rPr lang="en-US" dirty="0"/>
+              <a:t>LED Shift</a:t>
+            </a:r>
+          </a:p>
+        </p:txBody>
+      </p:sp>
+      <p:sp>
+        <p:nvSpPr>
+          <p:cNvPr id="3" name="Text Placeholder 2">
+            <a:extLst>
+              <a:ext uri="{FF2B5EF4-FFF2-40B4-BE49-F238E27FC236}">
+                <a16:creationId xmlns:a16="http://schemas.microsoft.com/office/drawing/2014/main" id="{38DA04D7-36DD-A78B-7F11-9E8803432282}"/>
+              </a:ext>
+            </a:extLst>
+          </p:cNvPr>
+          <p:cNvSpPr>
+            <a:spLocks noGrp="1"/>
+          </p:cNvSpPr>
+          <p:nvPr>
+            <p:ph type="body" idx="1"/>
+          </p:nvPr>
+        </p:nvSpPr>
+        <p:spPr/>
+        <p:txBody>
+          <a:bodyPr>
+            <a:normAutofit lnSpcReduction="10000"/>
+          </a:bodyPr>
+          <a:lstStyle/>
+          <a:p>
+            <a:r>
+              <a:rPr lang="en-US" dirty="0"/>
+              <a:t>LED + 2.5nm</a:t>
+            </a:r>
+          </a:p>
+          <a:p>
+            <a:r>
+              <a:rPr lang="en-US" dirty="0"/>
+              <a:t>Filter – 3nm</a:t>
+            </a:r>
+          </a:p>
+        </p:txBody>
+      </p:sp>
+      <p:sp>
+        <p:nvSpPr>
+          <p:cNvPr id="5" name="Text Placeholder 4">
+            <a:extLst>
+              <a:ext uri="{FF2B5EF4-FFF2-40B4-BE49-F238E27FC236}">
+                <a16:creationId xmlns:a16="http://schemas.microsoft.com/office/drawing/2014/main" id="{E167DDFA-4FB4-CD3C-690E-69CFEB8733A6}"/>
+              </a:ext>
+            </a:extLst>
+          </p:cNvPr>
+          <p:cNvSpPr>
+            <a:spLocks noGrp="1"/>
+          </p:cNvSpPr>
+          <p:nvPr>
+            <p:ph type="body" sz="quarter" idx="3"/>
+          </p:nvPr>
+        </p:nvSpPr>
+        <p:spPr/>
+        <p:txBody>
+          <a:bodyPr>
+            <a:normAutofit lnSpcReduction="10000"/>
+          </a:bodyPr>
+          <a:lstStyle/>
+          <a:p>
+            <a:r>
+              <a:rPr lang="en-US" dirty="0"/>
+              <a:t>LED – 2.5nm</a:t>
+            </a:r>
+          </a:p>
+          <a:p>
+            <a:r>
+              <a:rPr lang="en-US" dirty="0"/>
+              <a:t>Filter + 3nm</a:t>
+            </a:r>
+          </a:p>
+        </p:txBody>
+      </p:sp>
+      <p:pic>
+        <p:nvPicPr>
+          <p:cNvPr id="7" name="Content Placeholder 14">
+            <a:extLst>
+              <a:ext uri="{FF2B5EF4-FFF2-40B4-BE49-F238E27FC236}">
+                <a16:creationId xmlns:a16="http://schemas.microsoft.com/office/drawing/2014/main" id="{DBDAF69D-0062-7CA5-792B-9B777AA31B0C}"/>
+              </a:ext>
+            </a:extLst>
+          </p:cNvPr>
+          <p:cNvPicPr>
+            <a:picLocks noGrp="1" noChangeAspect="1"/>
+          </p:cNvPicPr>
+          <p:nvPr>
+            <p:ph sz="half" idx="2"/>
+          </p:nvPr>
+        </p:nvPicPr>
+        <p:blipFill>
+          <a:blip r:embed="rId2"/>
+          <a:stretch>
+            <a:fillRect/>
+          </a:stretch>
+        </p:blipFill>
+        <p:spPr>
+          <a:xfrm>
+            <a:off x="876885" y="2505075"/>
+            <a:ext cx="5083593" cy="3684588"/>
+          </a:xfrm>
+        </p:spPr>
+      </p:pic>
+      <p:pic>
+        <p:nvPicPr>
+          <p:cNvPr id="8" name="Content Placeholder 18">
+            <a:extLst>
+              <a:ext uri="{FF2B5EF4-FFF2-40B4-BE49-F238E27FC236}">
+                <a16:creationId xmlns:a16="http://schemas.microsoft.com/office/drawing/2014/main" id="{79D307CA-5D1C-5BAC-C36E-5EC67C66B000}"/>
+              </a:ext>
+            </a:extLst>
+          </p:cNvPr>
+          <p:cNvPicPr>
+            <a:picLocks noGrp="1" noChangeAspect="1"/>
+          </p:cNvPicPr>
+          <p:nvPr>
+            <p:ph sz="quarter" idx="4"/>
+          </p:nvPr>
+        </p:nvPicPr>
+        <p:blipFill>
+          <a:blip r:embed="rId3"/>
+          <a:stretch>
+            <a:fillRect/>
+          </a:stretch>
+        </p:blipFill>
+        <p:spPr>
+          <a:xfrm>
+            <a:off x="6372044" y="2505075"/>
+            <a:ext cx="4783500" cy="3684588"/>
+          </a:xfrm>
+        </p:spPr>
+      </p:pic>
+      <p:sp>
+        <p:nvSpPr>
+          <p:cNvPr id="9" name="TextBox 8">
+            <a:extLst>
+              <a:ext uri="{FF2B5EF4-FFF2-40B4-BE49-F238E27FC236}">
+                <a16:creationId xmlns:a16="http://schemas.microsoft.com/office/drawing/2014/main" id="{00CCA81E-BCC0-1890-3720-8C16B8125323}"/>
+              </a:ext>
+            </a:extLst>
+          </p:cNvPr>
+          <p:cNvSpPr txBox="1"/>
+          <p:nvPr/>
+        </p:nvSpPr>
+        <p:spPr>
+          <a:xfrm>
+            <a:off x="9811787" y="6324878"/>
+            <a:ext cx="2314575" cy="369332"/>
+          </a:xfrm>
+          <a:prstGeom prst="rect">
+            <a:avLst/>
+          </a:prstGeom>
+          <a:noFill/>
+        </p:spPr>
+        <p:txBody>
+          <a:bodyPr wrap="square" rtlCol="0">
+            <a:spAutoFit/>
+          </a:bodyPr>
+          <a:lstStyle/>
+          <a:p>
+            <a:r>
+              <a:rPr lang="en-US" dirty="0"/>
+              <a:t>Area = 2000</a:t>
+            </a:r>
+          </a:p>
+        </p:txBody>
+      </p:sp>
+      <p:cxnSp>
+        <p:nvCxnSpPr>
+          <p:cNvPr id="10" name="Straight Arrow Connector 9">
+            <a:extLst>
+              <a:ext uri="{FF2B5EF4-FFF2-40B4-BE49-F238E27FC236}">
+                <a16:creationId xmlns:a16="http://schemas.microsoft.com/office/drawing/2014/main" id="{0BFAE7D7-6110-DF12-A8F9-0312BAC9CE15}"/>
+              </a:ext>
+            </a:extLst>
+          </p:cNvPr>
+          <p:cNvCxnSpPr>
+            <a:cxnSpLocks/>
+          </p:cNvCxnSpPr>
+          <p:nvPr/>
+        </p:nvCxnSpPr>
+        <p:spPr>
+          <a:xfrm flipH="1" flipV="1">
+            <a:off x="9091849" y="5667374"/>
+            <a:ext cx="942738" cy="628651"/>
+          </a:xfrm>
+          <a:prstGeom prst="straightConnector1">
+            <a:avLst/>
+          </a:prstGeom>
+          <a:ln w="76200">
+            <a:tailEnd type="triangle"/>
+          </a:ln>
+        </p:spPr>
+        <p:style>
+          <a:lnRef idx="2">
+            <a:schemeClr val="accent1"/>
+          </a:lnRef>
+          <a:fillRef idx="0">
+            <a:schemeClr val="accent1"/>
+          </a:fillRef>
+          <a:effectRef idx="1">
+            <a:schemeClr val="accent1"/>
+          </a:effectRef>
+          <a:fontRef idx="minor">
+            <a:schemeClr val="tx1"/>
+          </a:fontRef>
+        </p:style>
+      </p:cxnSp>
+      <p:sp>
+        <p:nvSpPr>
+          <p:cNvPr id="11" name="TextBox 10">
+            <a:extLst>
+              <a:ext uri="{FF2B5EF4-FFF2-40B4-BE49-F238E27FC236}">
+                <a16:creationId xmlns:a16="http://schemas.microsoft.com/office/drawing/2014/main" id="{D39AA215-F58A-D348-9D5C-7334D4447F3F}"/>
+              </a:ext>
+            </a:extLst>
+          </p:cNvPr>
+          <p:cNvSpPr txBox="1"/>
+          <p:nvPr/>
+        </p:nvSpPr>
+        <p:spPr>
+          <a:xfrm>
+            <a:off x="3480222" y="6392195"/>
+            <a:ext cx="2314575" cy="369332"/>
+          </a:xfrm>
+          <a:prstGeom prst="rect">
+            <a:avLst/>
+          </a:prstGeom>
+          <a:noFill/>
+        </p:spPr>
+        <p:txBody>
+          <a:bodyPr wrap="square" rtlCol="0">
+            <a:spAutoFit/>
+          </a:bodyPr>
+          <a:lstStyle/>
+          <a:p>
+            <a:r>
+              <a:rPr lang="en-US" dirty="0"/>
+              <a:t>Area = 1821</a:t>
+            </a:r>
+          </a:p>
+        </p:txBody>
+      </p:sp>
+      <p:cxnSp>
+        <p:nvCxnSpPr>
+          <p:cNvPr id="12" name="Straight Arrow Connector 11">
+            <a:extLst>
+              <a:ext uri="{FF2B5EF4-FFF2-40B4-BE49-F238E27FC236}">
+                <a16:creationId xmlns:a16="http://schemas.microsoft.com/office/drawing/2014/main" id="{F97552E1-A11A-EAC9-EDC2-0314891E9A25}"/>
+              </a:ext>
+            </a:extLst>
+          </p:cNvPr>
+          <p:cNvCxnSpPr>
+            <a:cxnSpLocks/>
+          </p:cNvCxnSpPr>
+          <p:nvPr/>
+        </p:nvCxnSpPr>
+        <p:spPr>
+          <a:xfrm flipH="1" flipV="1">
+            <a:off x="3418681" y="5571203"/>
+            <a:ext cx="601844" cy="820992"/>
+          </a:xfrm>
+          <a:prstGeom prst="straightConnector1">
+            <a:avLst/>
+          </a:prstGeom>
+          <a:ln w="76200">
+            <a:tailEnd type="triangle"/>
+          </a:ln>
+        </p:spPr>
+        <p:style>
+          <a:lnRef idx="2">
+            <a:schemeClr val="accent1"/>
+          </a:lnRef>
+          <a:fillRef idx="0">
+            <a:schemeClr val="accent1"/>
+          </a:fillRef>
+          <a:effectRef idx="1">
+            <a:schemeClr val="accent1"/>
+          </a:effectRef>
+          <a:fontRef idx="minor">
+            <a:schemeClr val="tx1"/>
+          </a:fontRef>
+        </p:style>
+      </p:cxnSp>
+    </p:spTree>
+    <p:extLst>
+      <p:ext uri="{BB962C8B-B14F-4D97-AF65-F5344CB8AC3E}">
+        <p14:creationId xmlns:p14="http://schemas.microsoft.com/office/powerpoint/2010/main" val="1494797135"/>
+      </p:ext>
+    </p:extLst>
+  </p:cSld>
+  <p:clrMapOvr>
+    <a:masterClrMapping/>
+  </p:clrMapOvr>
+</p:sld>
+</file>
+
+<file path=ppt/slides/slide5.xml><?xml version="1.0" encoding="utf-8"?>
+<p:sld xmlns:a="http://schemas.openxmlformats.org/drawingml/2006/main" xmlns:r="http://schemas.openxmlformats.org/officeDocument/2006/relationships" xmlns:p="http://schemas.openxmlformats.org/presentationml/2006/main">
+  <p:cSld>
+    <p:spTree>
+      <p:nvGrpSpPr>
+        <p:cNvPr id="1" name=""/>
+        <p:cNvGrpSpPr/>
+        <p:nvPr/>
+      </p:nvGrpSpPr>
+      <p:grpSpPr>
+        <a:xfrm>
+          <a:off x="0" y="0"/>
+          <a:ext cx="0" cy="0"/>
+          <a:chOff x="0" y="0"/>
+          <a:chExt cx="0" cy="0"/>
+        </a:xfrm>
+      </p:grpSpPr>
+      <p:sp>
+        <p:nvSpPr>
+          <p:cNvPr id="2" name="Title 1">
+            <a:extLst>
+              <a:ext uri="{FF2B5EF4-FFF2-40B4-BE49-F238E27FC236}">
                 <a16:creationId xmlns:a16="http://schemas.microsoft.com/office/drawing/2014/main" id="{8EAA34CF-2A8A-2296-01B5-CE385C9FF967}"/>
               </a:ext>
             </a:extLst>
@@ -3654,7 +4032,10 @@
           <a:bodyPr/>
           <a:lstStyle/>
           <a:p>
-            <a:endParaRPr lang="en-US"/>
+            <a:r>
+              <a:rPr lang="en-US" dirty="0"/>
+              <a:t>Detector</a:t>
+            </a:r>
           </a:p>
         </p:txBody>
       </p:sp>
@@ -3700,258 +4081,6 @@
 </p:sld>
 </file>
 
-<file path=ppt/slides/slide3.xml><?xml version="1.0" encoding="utf-8"?>
-<p:sld xmlns:a="http://schemas.openxmlformats.org/drawingml/2006/main" xmlns:r="http://schemas.openxmlformats.org/officeDocument/2006/relationships" xmlns:p="http://schemas.openxmlformats.org/presentationml/2006/main">
-  <p:cSld>
-    <p:spTree>
-      <p:nvGrpSpPr>
-        <p:cNvPr id="1" name=""/>
-        <p:cNvGrpSpPr/>
-        <p:nvPr/>
-      </p:nvGrpSpPr>
-      <p:grpSpPr>
-        <a:xfrm>
-          <a:off x="0" y="0"/>
-          <a:ext cx="0" cy="0"/>
-          <a:chOff x="0" y="0"/>
-          <a:chExt cx="0" cy="0"/>
-        </a:xfrm>
-      </p:grpSpPr>
-      <p:sp>
-        <p:nvSpPr>
-          <p:cNvPr id="2" name="Title 1">
-            <a:extLst>
-              <a:ext uri="{FF2B5EF4-FFF2-40B4-BE49-F238E27FC236}">
-                <a16:creationId xmlns:a16="http://schemas.microsoft.com/office/drawing/2014/main" id="{F4751210-78F9-7001-D007-8B29AC30C13C}"/>
-              </a:ext>
-            </a:extLst>
-          </p:cNvPr>
-          <p:cNvSpPr>
-            <a:spLocks noGrp="1"/>
-          </p:cNvSpPr>
-          <p:nvPr>
-            <p:ph type="title"/>
-          </p:nvPr>
-        </p:nvSpPr>
-        <p:spPr/>
-        <p:txBody>
-          <a:bodyPr/>
-          <a:lstStyle/>
-          <a:p>
-            <a:endParaRPr lang="en-US"/>
-          </a:p>
-        </p:txBody>
-      </p:sp>
-      <p:pic>
-        <p:nvPicPr>
-          <p:cNvPr id="9" name="Content Placeholder 8">
-            <a:extLst>
-              <a:ext uri="{FF2B5EF4-FFF2-40B4-BE49-F238E27FC236}">
-                <a16:creationId xmlns:a16="http://schemas.microsoft.com/office/drawing/2014/main" id="{29E501E0-6A43-7B83-94E4-0B43FE566999}"/>
-              </a:ext>
-            </a:extLst>
-          </p:cNvPr>
-          <p:cNvPicPr>
-            <a:picLocks noGrp="1" noChangeAspect="1"/>
-          </p:cNvPicPr>
-          <p:nvPr>
-            <p:ph idx="1"/>
-          </p:nvPr>
-        </p:nvPicPr>
-        <p:blipFill>
-          <a:blip r:embed="rId2"/>
-          <a:stretch>
-            <a:fillRect/>
-          </a:stretch>
-        </p:blipFill>
-        <p:spPr>
-          <a:xfrm>
-            <a:off x="2067440" y="1825625"/>
-            <a:ext cx="8057120" cy="4351338"/>
-          </a:xfrm>
-        </p:spPr>
-      </p:pic>
-    </p:spTree>
-    <p:extLst>
-      <p:ext uri="{BB962C8B-B14F-4D97-AF65-F5344CB8AC3E}">
-        <p14:creationId xmlns:p14="http://schemas.microsoft.com/office/powerpoint/2010/main" val="1866081889"/>
-      </p:ext>
-    </p:extLst>
-  </p:cSld>
-  <p:clrMapOvr>
-    <a:masterClrMapping/>
-  </p:clrMapOvr>
-</p:sld>
-</file>
-
-<file path=ppt/slides/slide4.xml><?xml version="1.0" encoding="utf-8"?>
-<p:sld xmlns:a="http://schemas.openxmlformats.org/drawingml/2006/main" xmlns:r="http://schemas.openxmlformats.org/officeDocument/2006/relationships" xmlns:p="http://schemas.openxmlformats.org/presentationml/2006/main">
-  <p:cSld>
-    <p:spTree>
-      <p:nvGrpSpPr>
-        <p:cNvPr id="1" name=""/>
-        <p:cNvGrpSpPr/>
-        <p:nvPr/>
-      </p:nvGrpSpPr>
-      <p:grpSpPr>
-        <a:xfrm>
-          <a:off x="0" y="0"/>
-          <a:ext cx="0" cy="0"/>
-          <a:chOff x="0" y="0"/>
-          <a:chExt cx="0" cy="0"/>
-        </a:xfrm>
-      </p:grpSpPr>
-      <p:sp>
-        <p:nvSpPr>
-          <p:cNvPr id="2" name="Title 1">
-            <a:extLst>
-              <a:ext uri="{FF2B5EF4-FFF2-40B4-BE49-F238E27FC236}">
-                <a16:creationId xmlns:a16="http://schemas.microsoft.com/office/drawing/2014/main" id="{8881D54C-D8FB-A5B2-E876-DF5B782FDCBC}"/>
-              </a:ext>
-            </a:extLst>
-          </p:cNvPr>
-          <p:cNvSpPr>
-            <a:spLocks noGrp="1"/>
-          </p:cNvSpPr>
-          <p:nvPr>
-            <p:ph type="title"/>
-          </p:nvPr>
-        </p:nvSpPr>
-        <p:spPr/>
-        <p:txBody>
-          <a:bodyPr/>
-          <a:lstStyle/>
-          <a:p>
-            <a:endParaRPr lang="en-US"/>
-          </a:p>
-        </p:txBody>
-      </p:sp>
-      <p:pic>
-        <p:nvPicPr>
-          <p:cNvPr id="5" name="Content Placeholder 4">
-            <a:extLst>
-              <a:ext uri="{FF2B5EF4-FFF2-40B4-BE49-F238E27FC236}">
-                <a16:creationId xmlns:a16="http://schemas.microsoft.com/office/drawing/2014/main" id="{60231A74-966C-05EA-9D98-A6E0C928AAF7}"/>
-              </a:ext>
-            </a:extLst>
-          </p:cNvPr>
-          <p:cNvPicPr>
-            <a:picLocks noGrp="1" noChangeAspect="1"/>
-          </p:cNvPicPr>
-          <p:nvPr>
-            <p:ph idx="1"/>
-          </p:nvPr>
-        </p:nvPicPr>
-        <p:blipFill>
-          <a:blip r:embed="rId2"/>
-          <a:stretch>
-            <a:fillRect/>
-          </a:stretch>
-        </p:blipFill>
-        <p:spPr>
-          <a:xfrm>
-            <a:off x="2050885" y="1825625"/>
-            <a:ext cx="8090229" cy="4351338"/>
-          </a:xfrm>
-        </p:spPr>
-      </p:pic>
-    </p:spTree>
-    <p:extLst>
-      <p:ext uri="{BB962C8B-B14F-4D97-AF65-F5344CB8AC3E}">
-        <p14:creationId xmlns:p14="http://schemas.microsoft.com/office/powerpoint/2010/main" val="4027227180"/>
-      </p:ext>
-    </p:extLst>
-  </p:cSld>
-  <p:clrMapOvr>
-    <a:masterClrMapping/>
-  </p:clrMapOvr>
-</p:sld>
-</file>
-
-<file path=ppt/slides/slide5.xml><?xml version="1.0" encoding="utf-8"?>
-<p:sld xmlns:a="http://schemas.openxmlformats.org/drawingml/2006/main" xmlns:r="http://schemas.openxmlformats.org/officeDocument/2006/relationships" xmlns:p="http://schemas.openxmlformats.org/presentationml/2006/main">
-  <p:cSld>
-    <p:spTree>
-      <p:nvGrpSpPr>
-        <p:cNvPr id="1" name=""/>
-        <p:cNvGrpSpPr/>
-        <p:nvPr/>
-      </p:nvGrpSpPr>
-      <p:grpSpPr>
-        <a:xfrm>
-          <a:off x="0" y="0"/>
-          <a:ext cx="0" cy="0"/>
-          <a:chOff x="0" y="0"/>
-          <a:chExt cx="0" cy="0"/>
-        </a:xfrm>
-      </p:grpSpPr>
-      <p:sp>
-        <p:nvSpPr>
-          <p:cNvPr id="2" name="Title 1">
-            <a:extLst>
-              <a:ext uri="{FF2B5EF4-FFF2-40B4-BE49-F238E27FC236}">
-                <a16:creationId xmlns:a16="http://schemas.microsoft.com/office/drawing/2014/main" id="{7631C8BD-08BB-10DA-4A07-63A2FFB7DCF8}"/>
-              </a:ext>
-            </a:extLst>
-          </p:cNvPr>
-          <p:cNvSpPr>
-            <a:spLocks noGrp="1"/>
-          </p:cNvSpPr>
-          <p:nvPr>
-            <p:ph type="title"/>
-          </p:nvPr>
-        </p:nvSpPr>
-        <p:spPr/>
-        <p:txBody>
-          <a:bodyPr/>
-          <a:lstStyle/>
-          <a:p>
-            <a:endParaRPr lang="en-US"/>
-          </a:p>
-        </p:txBody>
-      </p:sp>
-      <p:pic>
-        <p:nvPicPr>
-          <p:cNvPr id="5" name="Content Placeholder 4">
-            <a:extLst>
-              <a:ext uri="{FF2B5EF4-FFF2-40B4-BE49-F238E27FC236}">
-                <a16:creationId xmlns:a16="http://schemas.microsoft.com/office/drawing/2014/main" id="{B486AEE6-AB9C-CAEF-3C33-FD30890F0C89}"/>
-              </a:ext>
-            </a:extLst>
-          </p:cNvPr>
-          <p:cNvPicPr>
-            <a:picLocks noGrp="1" noChangeAspect="1"/>
-          </p:cNvPicPr>
-          <p:nvPr>
-            <p:ph idx="1"/>
-          </p:nvPr>
-        </p:nvPicPr>
-        <p:blipFill>
-          <a:blip r:embed="rId2"/>
-          <a:stretch>
-            <a:fillRect/>
-          </a:stretch>
-        </p:blipFill>
-        <p:spPr>
-          <a:xfrm>
-            <a:off x="2048708" y="1825625"/>
-            <a:ext cx="8094584" cy="4351338"/>
-          </a:xfrm>
-        </p:spPr>
-      </p:pic>
-    </p:spTree>
-    <p:extLst>
-      <p:ext uri="{BB962C8B-B14F-4D97-AF65-F5344CB8AC3E}">
-        <p14:creationId xmlns:p14="http://schemas.microsoft.com/office/powerpoint/2010/main" val="426382954"/>
-      </p:ext>
-    </p:extLst>
-  </p:cSld>
-  <p:clrMapOvr>
-    <a:masterClrMapping/>
-  </p:clrMapOvr>
-</p:sld>
-</file>
-
 <file path=ppt/slides/slide6.xml><?xml version="1.0" encoding="utf-8"?>
 <p:sld xmlns:a="http://schemas.openxmlformats.org/drawingml/2006/main" xmlns:r="http://schemas.openxmlformats.org/officeDocument/2006/relationships" xmlns:p="http://schemas.openxmlformats.org/presentationml/2006/main">
   <p:cSld>
@@ -3974,7 +4103,7 @@
           <p:cNvPr id="2" name="Title 1">
             <a:extLst>
               <a:ext uri="{FF2B5EF4-FFF2-40B4-BE49-F238E27FC236}">
-                <a16:creationId xmlns:a16="http://schemas.microsoft.com/office/drawing/2014/main" id="{2C7D392F-DF17-99C5-5F85-AB8D19FD6D03}"/>
+                <a16:creationId xmlns:a16="http://schemas.microsoft.com/office/drawing/2014/main" id="{F4751210-78F9-7001-D007-8B29AC30C13C}"/>
               </a:ext>
             </a:extLst>
           </p:cNvPr>
@@ -3990,16 +4119,19 @@
           <a:bodyPr/>
           <a:lstStyle/>
           <a:p>
-            <a:endParaRPr lang="en-US"/>
+            <a:r>
+              <a:rPr lang="en-US" dirty="0"/>
+              <a:t>445 + 480</a:t>
+            </a:r>
           </a:p>
         </p:txBody>
       </p:sp>
       <p:pic>
         <p:nvPicPr>
-          <p:cNvPr id="5" name="Content Placeholder 4">
-            <a:extLst>
-              <a:ext uri="{FF2B5EF4-FFF2-40B4-BE49-F238E27FC236}">
-                <a16:creationId xmlns:a16="http://schemas.microsoft.com/office/drawing/2014/main" id="{AFC4EEC2-38D6-17A5-75A7-68F563D77943}"/>
+          <p:cNvPr id="13" name="Content Placeholder 12">
+            <a:extLst>
+              <a:ext uri="{FF2B5EF4-FFF2-40B4-BE49-F238E27FC236}">
+                <a16:creationId xmlns:a16="http://schemas.microsoft.com/office/drawing/2014/main" id="{D8033705-E3CC-64E1-DB21-D54DFB465279}"/>
               </a:ext>
             </a:extLst>
           </p:cNvPr>
@@ -4018,50 +4150,15 @@
         </p:blipFill>
         <p:spPr>
           <a:xfrm>
-            <a:off x="3233338" y="1834054"/>
-            <a:ext cx="5725324" cy="4334480"/>
+            <a:off x="1884224" y="1825625"/>
+            <a:ext cx="8423552" cy="4351338"/>
           </a:xfrm>
         </p:spPr>
       </p:pic>
-      <p:sp>
-        <p:nvSpPr>
-          <p:cNvPr id="3" name="TextBox 2">
-            <a:extLst>
-              <a:ext uri="{FF2B5EF4-FFF2-40B4-BE49-F238E27FC236}">
-                <a16:creationId xmlns:a16="http://schemas.microsoft.com/office/drawing/2014/main" id="{455AD4F6-8777-A2C4-D701-61E3A720CB6B}"/>
-              </a:ext>
-            </a:extLst>
-          </p:cNvPr>
-          <p:cNvSpPr txBox="1"/>
-          <p:nvPr/>
-        </p:nvSpPr>
-        <p:spPr>
-          <a:xfrm>
-            <a:off x="9287123" y="3037398"/>
-            <a:ext cx="2066677" cy="369332"/>
-          </a:xfrm>
-          <a:prstGeom prst="rect">
-            <a:avLst/>
-          </a:prstGeom>
-          <a:noFill/>
-        </p:spPr>
-        <p:txBody>
-          <a:bodyPr wrap="square" rtlCol="0">
-            <a:spAutoFit/>
-          </a:bodyPr>
-          <a:lstStyle/>
-          <a:p>
-            <a:r>
-              <a:rPr lang="en-US" dirty="0"/>
-              <a:t>A = 0.242</a:t>
-            </a:r>
-          </a:p>
-        </p:txBody>
-      </p:sp>
     </p:spTree>
     <p:extLst>
       <p:ext uri="{BB962C8B-B14F-4D97-AF65-F5344CB8AC3E}">
-        <p14:creationId xmlns:p14="http://schemas.microsoft.com/office/powerpoint/2010/main" val="4094239124"/>
+        <p14:creationId xmlns:p14="http://schemas.microsoft.com/office/powerpoint/2010/main" val="1866081889"/>
       </p:ext>
     </p:extLst>
   </p:cSld>
@@ -4093,7 +4190,7 @@
           <p:cNvPr id="2" name="Title 1">
             <a:extLst>
               <a:ext uri="{FF2B5EF4-FFF2-40B4-BE49-F238E27FC236}">
-                <a16:creationId xmlns:a16="http://schemas.microsoft.com/office/drawing/2014/main" id="{6F47202D-63CC-CA80-6E30-98009AD12081}"/>
+                <a16:creationId xmlns:a16="http://schemas.microsoft.com/office/drawing/2014/main" id="{7631C8BD-08BB-10DA-4A07-63A2FFB7DCF8}"/>
               </a:ext>
             </a:extLst>
           </p:cNvPr>
@@ -4109,23 +4206,28 @@
           <a:bodyPr/>
           <a:lstStyle/>
           <a:p>
-            <a:endParaRPr lang="en-US"/>
+            <a:r>
+              <a:rPr lang="en-US" dirty="0"/>
+              <a:t>445 + 480</a:t>
+            </a:r>
           </a:p>
         </p:txBody>
       </p:sp>
       <p:pic>
         <p:nvPicPr>
-          <p:cNvPr id="15" name="Picture 14">
-            <a:extLst>
-              <a:ext uri="{FF2B5EF4-FFF2-40B4-BE49-F238E27FC236}">
-                <a16:creationId xmlns:a16="http://schemas.microsoft.com/office/drawing/2014/main" id="{B06F41BF-CC0D-3FA1-C8CD-3814AA87DB23}"/>
+          <p:cNvPr id="7" name="Content Placeholder 6">
+            <a:extLst>
+              <a:ext uri="{FF2B5EF4-FFF2-40B4-BE49-F238E27FC236}">
+                <a16:creationId xmlns:a16="http://schemas.microsoft.com/office/drawing/2014/main" id="{06CCAD1D-23DA-0B0C-5F8F-D0664C5749A9}"/>
               </a:ext>
             </a:extLst>
           </p:cNvPr>
           <p:cNvPicPr>
-            <a:picLocks noChangeAspect="1"/>
+            <a:picLocks noGrp="1" noChangeAspect="1"/>
           </p:cNvPicPr>
-          <p:nvPr/>
+          <p:nvPr>
+            <p:ph idx="1"/>
+          </p:nvPr>
         </p:nvPicPr>
         <p:blipFill>
           <a:blip r:embed="rId2"/>
@@ -4135,153 +4237,15 @@
         </p:blipFill>
         <p:spPr>
           <a:xfrm>
-            <a:off x="6096000" y="1799923"/>
-            <a:ext cx="5839640" cy="4344006"/>
+            <a:off x="1705194" y="1825625"/>
+            <a:ext cx="8781611" cy="4351338"/>
           </a:xfrm>
-          <a:prstGeom prst="rect">
-            <a:avLst/>
-          </a:prstGeom>
         </p:spPr>
       </p:pic>
-      <p:pic>
-        <p:nvPicPr>
-          <p:cNvPr id="19" name="Picture 18">
-            <a:extLst>
-              <a:ext uri="{FF2B5EF4-FFF2-40B4-BE49-F238E27FC236}">
-                <a16:creationId xmlns:a16="http://schemas.microsoft.com/office/drawing/2014/main" id="{DC6F4BF0-5018-CA88-39E3-0B594940B62E}"/>
-              </a:ext>
-            </a:extLst>
-          </p:cNvPr>
-          <p:cNvPicPr>
-            <a:picLocks noChangeAspect="1"/>
-          </p:cNvPicPr>
-          <p:nvPr/>
-        </p:nvPicPr>
-        <p:blipFill>
-          <a:blip r:embed="rId3"/>
-          <a:stretch>
-            <a:fillRect/>
-          </a:stretch>
-        </p:blipFill>
-        <p:spPr>
-          <a:xfrm>
-            <a:off x="432980" y="1799923"/>
-            <a:ext cx="5782482" cy="4324954"/>
-          </a:xfrm>
-          <a:prstGeom prst="rect">
-            <a:avLst/>
-          </a:prstGeom>
-        </p:spPr>
-      </p:pic>
-      <p:sp>
-        <p:nvSpPr>
-          <p:cNvPr id="3" name="TextBox 2">
-            <a:extLst>
-              <a:ext uri="{FF2B5EF4-FFF2-40B4-BE49-F238E27FC236}">
-                <a16:creationId xmlns:a16="http://schemas.microsoft.com/office/drawing/2014/main" id="{C9717C3B-6935-4082-A71B-84F6FAA92FFF}"/>
-              </a:ext>
-            </a:extLst>
-          </p:cNvPr>
-          <p:cNvSpPr txBox="1"/>
-          <p:nvPr/>
-        </p:nvSpPr>
-        <p:spPr>
-          <a:xfrm>
-            <a:off x="2258171" y="6236485"/>
-            <a:ext cx="3482671" cy="369332"/>
-          </a:xfrm>
-          <a:prstGeom prst="rect">
-            <a:avLst/>
-          </a:prstGeom>
-          <a:noFill/>
-        </p:spPr>
-        <p:txBody>
-          <a:bodyPr wrap="square" rtlCol="0">
-            <a:spAutoFit/>
-          </a:bodyPr>
-          <a:lstStyle/>
-          <a:p>
-            <a:r>
-              <a:rPr lang="en-US" dirty="0"/>
-              <a:t>A = 0.267</a:t>
-            </a:r>
-          </a:p>
-        </p:txBody>
-      </p:sp>
-      <p:sp>
-        <p:nvSpPr>
-          <p:cNvPr id="4" name="TextBox 3">
-            <a:extLst>
-              <a:ext uri="{FF2B5EF4-FFF2-40B4-BE49-F238E27FC236}">
-                <a16:creationId xmlns:a16="http://schemas.microsoft.com/office/drawing/2014/main" id="{2D59FDAE-630C-D634-C26D-4813C8EA4487}"/>
-              </a:ext>
-            </a:extLst>
-          </p:cNvPr>
-          <p:cNvSpPr txBox="1"/>
-          <p:nvPr/>
-        </p:nvSpPr>
-        <p:spPr>
-          <a:xfrm>
-            <a:off x="7274484" y="6243786"/>
-            <a:ext cx="3482671" cy="369332"/>
-          </a:xfrm>
-          <a:prstGeom prst="rect">
-            <a:avLst/>
-          </a:prstGeom>
-          <a:noFill/>
-        </p:spPr>
-        <p:txBody>
-          <a:bodyPr wrap="square" rtlCol="0">
-            <a:spAutoFit/>
-          </a:bodyPr>
-          <a:lstStyle/>
-          <a:p>
-            <a:r>
-              <a:rPr lang="en-US" dirty="0"/>
-              <a:t>A = 0.217</a:t>
-            </a:r>
-          </a:p>
-        </p:txBody>
-      </p:sp>
-      <p:sp>
-        <p:nvSpPr>
-          <p:cNvPr id="5" name="TextBox 4">
-            <a:extLst>
-              <a:ext uri="{FF2B5EF4-FFF2-40B4-BE49-F238E27FC236}">
-                <a16:creationId xmlns:a16="http://schemas.microsoft.com/office/drawing/2014/main" id="{00196DE1-1A76-F95B-DF3A-1D2AE0CD4248}"/>
-              </a:ext>
-            </a:extLst>
-          </p:cNvPr>
-          <p:cNvSpPr txBox="1"/>
-          <p:nvPr/>
-        </p:nvSpPr>
-        <p:spPr>
-          <a:xfrm>
-            <a:off x="4969565" y="6011186"/>
-            <a:ext cx="1590261" cy="369332"/>
-          </a:xfrm>
-          <a:prstGeom prst="rect">
-            <a:avLst/>
-          </a:prstGeom>
-          <a:noFill/>
-        </p:spPr>
-        <p:txBody>
-          <a:bodyPr wrap="square" rtlCol="0">
-            <a:spAutoFit/>
-          </a:bodyPr>
-          <a:lstStyle/>
-          <a:p>
-            <a:r>
-              <a:rPr lang="en-US" dirty="0"/>
-              <a:t>23% change</a:t>
-            </a:r>
-          </a:p>
-        </p:txBody>
-      </p:sp>
     </p:spTree>
     <p:extLst>
       <p:ext uri="{BB962C8B-B14F-4D97-AF65-F5344CB8AC3E}">
-        <p14:creationId xmlns:p14="http://schemas.microsoft.com/office/powerpoint/2010/main" val="2297211554"/>
+        <p14:creationId xmlns:p14="http://schemas.microsoft.com/office/powerpoint/2010/main" val="426382954"/>
       </p:ext>
     </p:extLst>
   </p:cSld>
@@ -4313,7 +4277,7 @@
           <p:cNvPr id="2" name="Title 1">
             <a:extLst>
               <a:ext uri="{FF2B5EF4-FFF2-40B4-BE49-F238E27FC236}">
-                <a16:creationId xmlns:a16="http://schemas.microsoft.com/office/drawing/2014/main" id="{20316F74-5707-0072-AC24-A39A48A8338A}"/>
+                <a16:creationId xmlns:a16="http://schemas.microsoft.com/office/drawing/2014/main" id="{2C7D392F-DF17-99C5-5F85-AB8D19FD6D03}"/>
               </a:ext>
             </a:extLst>
           </p:cNvPr>
@@ -4329,16 +4293,19 @@
           <a:bodyPr/>
           <a:lstStyle/>
           <a:p>
-            <a:endParaRPr lang="en-US"/>
+            <a:r>
+              <a:rPr lang="en-US" dirty="0"/>
+              <a:t>445 Nominal</a:t>
+            </a:r>
           </a:p>
         </p:txBody>
       </p:sp>
       <p:pic>
         <p:nvPicPr>
-          <p:cNvPr id="5" name="Content Placeholder 4">
-            <a:extLst>
-              <a:ext uri="{FF2B5EF4-FFF2-40B4-BE49-F238E27FC236}">
-                <a16:creationId xmlns:a16="http://schemas.microsoft.com/office/drawing/2014/main" id="{3F854906-F03F-540F-A865-A4AE0AE12280}"/>
+          <p:cNvPr id="8" name="Content Placeholder 7">
+            <a:extLst>
+              <a:ext uri="{FF2B5EF4-FFF2-40B4-BE49-F238E27FC236}">
+                <a16:creationId xmlns:a16="http://schemas.microsoft.com/office/drawing/2014/main" id="{2E268683-E552-40BD-F0D2-A334ADA8AA06}"/>
               </a:ext>
             </a:extLst>
           </p:cNvPr>
@@ -4357,15 +4324,89 @@
         </p:blipFill>
         <p:spPr>
           <a:xfrm>
-            <a:off x="2424425" y="1825625"/>
-            <a:ext cx="7343149" cy="4351338"/>
+            <a:off x="3242864" y="1848343"/>
+            <a:ext cx="5706271" cy="4305901"/>
           </a:xfrm>
         </p:spPr>
       </p:pic>
+      <p:sp>
+        <p:nvSpPr>
+          <p:cNvPr id="9" name="TextBox 8">
+            <a:extLst>
+              <a:ext uri="{FF2B5EF4-FFF2-40B4-BE49-F238E27FC236}">
+                <a16:creationId xmlns:a16="http://schemas.microsoft.com/office/drawing/2014/main" id="{E040DDFE-07E1-B214-D8F2-DE32E4E53079}"/>
+              </a:ext>
+            </a:extLst>
+          </p:cNvPr>
+          <p:cNvSpPr txBox="1"/>
+          <p:nvPr/>
+        </p:nvSpPr>
+        <p:spPr>
+          <a:xfrm>
+            <a:off x="8877300" y="4153479"/>
+            <a:ext cx="2314575" cy="369332"/>
+          </a:xfrm>
+          <a:prstGeom prst="rect">
+            <a:avLst/>
+          </a:prstGeom>
+          <a:noFill/>
+        </p:spPr>
+        <p:txBody>
+          <a:bodyPr wrap="square" rtlCol="0">
+            <a:spAutoFit/>
+          </a:bodyPr>
+          <a:lstStyle/>
+          <a:p>
+            <a:r>
+              <a:rPr lang="en-US" dirty="0"/>
+              <a:t>Area = 0.238</a:t>
+            </a:r>
+          </a:p>
+        </p:txBody>
+      </p:sp>
+      <p:cxnSp>
+        <p:nvCxnSpPr>
+          <p:cNvPr id="11" name="Straight Arrow Connector 10">
+            <a:extLst>
+              <a:ext uri="{FF2B5EF4-FFF2-40B4-BE49-F238E27FC236}">
+                <a16:creationId xmlns:a16="http://schemas.microsoft.com/office/drawing/2014/main" id="{1D29A02E-005A-866A-E47C-AE60056F0C26}"/>
+              </a:ext>
+            </a:extLst>
+          </p:cNvPr>
+          <p:cNvCxnSpPr/>
+          <p:nvPr/>
+        </p:nvCxnSpPr>
+        <p:spPr>
+          <a:xfrm flipH="1">
+            <a:off x="7581900" y="4495800"/>
+            <a:ext cx="1367235" cy="981075"/>
+          </a:xfrm>
+          <a:prstGeom prst="straightConnector1">
+            <a:avLst/>
+          </a:prstGeom>
+          <a:ln w="76200">
+            <a:tailEnd type="triangle"/>
+          </a:ln>
+        </p:spPr>
+        <p:style>
+          <a:lnRef idx="2">
+            <a:schemeClr val="accent1"/>
+          </a:lnRef>
+          <a:fillRef idx="0">
+            <a:schemeClr val="accent1"/>
+          </a:fillRef>
+          <a:effectRef idx="1">
+            <a:schemeClr val="accent1"/>
+          </a:effectRef>
+          <a:fontRef idx="minor">
+            <a:schemeClr val="tx1"/>
+          </a:fontRef>
+        </p:style>
+      </p:cxnSp>
     </p:spTree>
     <p:extLst>
       <p:ext uri="{BB962C8B-B14F-4D97-AF65-F5344CB8AC3E}">
-        <p14:creationId xmlns:p14="http://schemas.microsoft.com/office/powerpoint/2010/main" val="3169876064"/>
+        <p14:creationId xmlns:p14="http://schemas.microsoft.com/office/powerpoint/2010/main" val="4094239124"/>
       </p:ext>
     </p:extLst>
   </p:cSld>
@@ -4397,7 +4438,7 @@
           <p:cNvPr id="2" name="Title 1">
             <a:extLst>
               <a:ext uri="{FF2B5EF4-FFF2-40B4-BE49-F238E27FC236}">
-                <a16:creationId xmlns:a16="http://schemas.microsoft.com/office/drawing/2014/main" id="{988C20F9-28F7-E0CC-870C-310A7C8B0B1E}"/>
+                <a16:creationId xmlns:a16="http://schemas.microsoft.com/office/drawing/2014/main" id="{3F21DF33-8E9F-8AA5-E621-08C01723E004}"/>
               </a:ext>
             </a:extLst>
           </p:cNvPr>
@@ -4413,16 +4454,91 @@
           <a:bodyPr/>
           <a:lstStyle/>
           <a:p>
-            <a:endParaRPr lang="en-US"/>
+            <a:r>
+              <a:rPr lang="en-US" dirty="0"/>
+              <a:t>445 Shift</a:t>
+            </a:r>
+          </a:p>
+        </p:txBody>
+      </p:sp>
+      <p:sp>
+        <p:nvSpPr>
+          <p:cNvPr id="3" name="Text Placeholder 2">
+            <a:extLst>
+              <a:ext uri="{FF2B5EF4-FFF2-40B4-BE49-F238E27FC236}">
+                <a16:creationId xmlns:a16="http://schemas.microsoft.com/office/drawing/2014/main" id="{36739B9D-E563-8BA3-70BC-BDD0FA9516FB}"/>
+              </a:ext>
+            </a:extLst>
+          </p:cNvPr>
+          <p:cNvSpPr>
+            <a:spLocks noGrp="1"/>
+          </p:cNvSpPr>
+          <p:nvPr>
+            <p:ph type="body" idx="1"/>
+          </p:nvPr>
+        </p:nvSpPr>
+        <p:spPr/>
+        <p:txBody>
+          <a:bodyPr>
+            <a:normAutofit lnSpcReduction="10000"/>
+          </a:bodyPr>
+          <a:lstStyle/>
+          <a:p>
+            <a:r>
+              <a:rPr lang="en-US" dirty="0"/>
+              <a:t>445 + 10nm</a:t>
+            </a:r>
+          </a:p>
+          <a:p>
+            <a:r>
+              <a:rPr lang="en-US" dirty="0"/>
+              <a:t>Filter – 3nm</a:t>
+            </a:r>
+          </a:p>
+        </p:txBody>
+      </p:sp>
+      <p:sp>
+        <p:nvSpPr>
+          <p:cNvPr id="5" name="Text Placeholder 4">
+            <a:extLst>
+              <a:ext uri="{FF2B5EF4-FFF2-40B4-BE49-F238E27FC236}">
+                <a16:creationId xmlns:a16="http://schemas.microsoft.com/office/drawing/2014/main" id="{36FE1055-AF86-64B3-6320-11769A487D83}"/>
+              </a:ext>
+            </a:extLst>
+          </p:cNvPr>
+          <p:cNvSpPr>
+            <a:spLocks noGrp="1"/>
+          </p:cNvSpPr>
+          <p:nvPr>
+            <p:ph type="body" sz="quarter" idx="3"/>
+          </p:nvPr>
+        </p:nvSpPr>
+        <p:spPr/>
+        <p:txBody>
+          <a:bodyPr>
+            <a:normAutofit lnSpcReduction="10000"/>
+          </a:bodyPr>
+          <a:lstStyle/>
+          <a:p>
+            <a:r>
+              <a:rPr lang="en-US" dirty="0"/>
+              <a:t>445 – 10nm</a:t>
+            </a:r>
+          </a:p>
+          <a:p>
+            <a:r>
+              <a:rPr lang="en-US" dirty="0"/>
+              <a:t>Filter + 3nm</a:t>
+            </a:r>
           </a:p>
         </p:txBody>
       </p:sp>
       <p:pic>
         <p:nvPicPr>
-          <p:cNvPr id="5" name="Content Placeholder 4">
-            <a:extLst>
-              <a:ext uri="{FF2B5EF4-FFF2-40B4-BE49-F238E27FC236}">
-                <a16:creationId xmlns:a16="http://schemas.microsoft.com/office/drawing/2014/main" id="{2F161C62-20EB-6E87-7F62-B1DFE8108D95}"/>
+          <p:cNvPr id="12" name="Content Placeholder 11">
+            <a:extLst>
+              <a:ext uri="{FF2B5EF4-FFF2-40B4-BE49-F238E27FC236}">
+                <a16:creationId xmlns:a16="http://schemas.microsoft.com/office/drawing/2014/main" id="{909FB018-8D1C-5A26-DD95-98A8465FCF42}"/>
               </a:ext>
             </a:extLst>
           </p:cNvPr>
@@ -4430,7 +4546,7 @@
             <a:picLocks noGrp="1" noChangeAspect="1"/>
           </p:cNvPicPr>
           <p:nvPr>
-            <p:ph idx="1"/>
+            <p:ph sz="quarter" idx="4"/>
           </p:nvPr>
         </p:nvPicPr>
         <p:blipFill>
@@ -4441,17 +4557,46 @@
         </p:blipFill>
         <p:spPr>
           <a:xfrm>
-            <a:off x="3290631" y="1825625"/>
-            <a:ext cx="5610737" cy="4351338"/>
+            <a:off x="6324871" y="2505075"/>
+            <a:ext cx="4877845" cy="3684588"/>
           </a:xfrm>
         </p:spPr>
       </p:pic>
-      <p:sp>
-        <p:nvSpPr>
-          <p:cNvPr id="6" name="TextBox 5">
-            <a:extLst>
-              <a:ext uri="{FF2B5EF4-FFF2-40B4-BE49-F238E27FC236}">
-                <a16:creationId xmlns:a16="http://schemas.microsoft.com/office/drawing/2014/main" id="{05F3C280-0676-B0BC-2988-10EB447992BA}"/>
+      <p:pic>
+        <p:nvPicPr>
+          <p:cNvPr id="16" name="Content Placeholder 15">
+            <a:extLst>
+              <a:ext uri="{FF2B5EF4-FFF2-40B4-BE49-F238E27FC236}">
+                <a16:creationId xmlns:a16="http://schemas.microsoft.com/office/drawing/2014/main" id="{63AEE8E8-5140-4E87-9A9B-231A26A948F3}"/>
+              </a:ext>
+            </a:extLst>
+          </p:cNvPr>
+          <p:cNvPicPr>
+            <a:picLocks noGrp="1" noChangeAspect="1"/>
+          </p:cNvPicPr>
+          <p:nvPr>
+            <p:ph sz="half" idx="2"/>
+          </p:nvPr>
+        </p:nvPicPr>
+        <p:blipFill>
+          <a:blip r:embed="rId3"/>
+          <a:stretch>
+            <a:fillRect/>
+          </a:stretch>
+        </p:blipFill>
+        <p:spPr>
+          <a:xfrm>
+            <a:off x="979759" y="2505075"/>
+            <a:ext cx="4877845" cy="3684588"/>
+          </a:xfrm>
+        </p:spPr>
+      </p:pic>
+      <p:sp>
+        <p:nvSpPr>
+          <p:cNvPr id="17" name="TextBox 16">
+            <a:extLst>
+              <a:ext uri="{FF2B5EF4-FFF2-40B4-BE49-F238E27FC236}">
+                <a16:creationId xmlns:a16="http://schemas.microsoft.com/office/drawing/2014/main" id="{609853A0-6919-63DF-AF45-357452B42183}"/>
               </a:ext>
             </a:extLst>
           </p:cNvPr>
@@ -4460,8 +4605,8 @@
         </p:nvSpPr>
         <p:spPr>
           <a:xfrm>
-            <a:off x="9549517" y="3267986"/>
-            <a:ext cx="2642483" cy="369332"/>
+            <a:off x="10606087" y="6446333"/>
+            <a:ext cx="2314575" cy="369332"/>
           </a:xfrm>
           <a:prstGeom prst="rect">
             <a:avLst/>
@@ -4476,15 +4621,132 @@
           <a:p>
             <a:r>
               <a:rPr lang="en-US" dirty="0"/>
-              <a:t>A = 986 </a:t>
-            </a:r>
-          </a:p>
-        </p:txBody>
-      </p:sp>
+              <a:t>Area = 0.009</a:t>
+            </a:r>
+          </a:p>
+        </p:txBody>
+      </p:sp>
+      <p:cxnSp>
+        <p:nvCxnSpPr>
+          <p:cNvPr id="18" name="Straight Arrow Connector 17">
+            <a:extLst>
+              <a:ext uri="{FF2B5EF4-FFF2-40B4-BE49-F238E27FC236}">
+                <a16:creationId xmlns:a16="http://schemas.microsoft.com/office/drawing/2014/main" id="{374313EF-CA81-B89B-4600-F4AAE64B40E3}"/>
+              </a:ext>
+            </a:extLst>
+          </p:cNvPr>
+          <p:cNvCxnSpPr>
+            <a:cxnSpLocks/>
+          </p:cNvCxnSpPr>
+          <p:nvPr/>
+        </p:nvCxnSpPr>
+        <p:spPr>
+          <a:xfrm flipH="1" flipV="1">
+            <a:off x="10234612" y="5784328"/>
+            <a:ext cx="585788" cy="477339"/>
+          </a:xfrm>
+          <a:prstGeom prst="straightConnector1">
+            <a:avLst/>
+          </a:prstGeom>
+          <a:ln w="76200">
+            <a:tailEnd type="triangle"/>
+          </a:ln>
+        </p:spPr>
+        <p:style>
+          <a:lnRef idx="2">
+            <a:schemeClr val="accent1"/>
+          </a:lnRef>
+          <a:fillRef idx="0">
+            <a:schemeClr val="accent1"/>
+          </a:fillRef>
+          <a:effectRef idx="1">
+            <a:schemeClr val="accent1"/>
+          </a:effectRef>
+          <a:fontRef idx="minor">
+            <a:schemeClr val="tx1"/>
+          </a:fontRef>
+        </p:style>
+      </p:cxnSp>
+      <p:sp>
+        <p:nvSpPr>
+          <p:cNvPr id="19" name="TextBox 18">
+            <a:extLst>
+              <a:ext uri="{FF2B5EF4-FFF2-40B4-BE49-F238E27FC236}">
+                <a16:creationId xmlns:a16="http://schemas.microsoft.com/office/drawing/2014/main" id="{D50E2E46-2440-03EB-C9B3-FB26ACB44563}"/>
+              </a:ext>
+            </a:extLst>
+          </p:cNvPr>
+          <p:cNvSpPr txBox="1"/>
+          <p:nvPr/>
+        </p:nvSpPr>
+        <p:spPr>
+          <a:xfrm>
+            <a:off x="5279034" y="6261667"/>
+            <a:ext cx="2314575" cy="369332"/>
+          </a:xfrm>
+          <a:prstGeom prst="rect">
+            <a:avLst/>
+          </a:prstGeom>
+          <a:noFill/>
+        </p:spPr>
+        <p:txBody>
+          <a:bodyPr wrap="square" rtlCol="0">
+            <a:spAutoFit/>
+          </a:bodyPr>
+          <a:lstStyle/>
+          <a:p>
+            <a:r>
+              <a:rPr lang="en-US" dirty="0"/>
+              <a:t>Area = 2.51</a:t>
+            </a:r>
+          </a:p>
+        </p:txBody>
+      </p:sp>
+      <p:cxnSp>
+        <p:nvCxnSpPr>
+          <p:cNvPr id="20" name="Straight Arrow Connector 19">
+            <a:extLst>
+              <a:ext uri="{FF2B5EF4-FFF2-40B4-BE49-F238E27FC236}">
+                <a16:creationId xmlns:a16="http://schemas.microsoft.com/office/drawing/2014/main" id="{0BE21F8E-12F5-F8C7-1BFA-982F5A637924}"/>
+              </a:ext>
+            </a:extLst>
+          </p:cNvPr>
+          <p:cNvCxnSpPr>
+            <a:cxnSpLocks/>
+          </p:cNvCxnSpPr>
+          <p:nvPr/>
+        </p:nvCxnSpPr>
+        <p:spPr>
+          <a:xfrm flipH="1" flipV="1">
+            <a:off x="4924425" y="5748327"/>
+            <a:ext cx="640493" cy="513340"/>
+          </a:xfrm>
+          <a:prstGeom prst="straightConnector1">
+            <a:avLst/>
+          </a:prstGeom>
+          <a:ln w="76200">
+            <a:tailEnd type="triangle"/>
+          </a:ln>
+        </p:spPr>
+        <p:style>
+          <a:lnRef idx="2">
+            <a:schemeClr val="accent1"/>
+          </a:lnRef>
+          <a:fillRef idx="0">
+            <a:schemeClr val="accent1"/>
+          </a:fillRef>
+          <a:effectRef idx="1">
+            <a:schemeClr val="accent1"/>
+          </a:effectRef>
+          <a:fontRef idx="minor">
+            <a:schemeClr val="tx1"/>
+          </a:fontRef>
+        </p:style>
+      </p:cxnSp>
     </p:spTree>
     <p:extLst>
       <p:ext uri="{BB962C8B-B14F-4D97-AF65-F5344CB8AC3E}">
-        <p14:creationId xmlns:p14="http://schemas.microsoft.com/office/powerpoint/2010/main" val="2928962146"/>
+        <p14:creationId xmlns:p14="http://schemas.microsoft.com/office/powerpoint/2010/main" val="2681168506"/>
       </p:ext>
     </p:extLst>
   </p:cSld>

--- a/analysis/fluorimeter/fluoroStack/fluoroStackTolerance.pptx
+++ b/analysis/fluorimeter/fluoroStack/fluoroStackTolerance.pptx
@@ -268,7 +268,7 @@
           <a:p>
             <a:fld id="{584D29B9-D5D8-4B16-8C81-96F134DE5073}" type="datetimeFigureOut">
               <a:rPr lang="en-US" smtClean="0"/>
-              <a:t>6/24/2024</a:t>
+              <a:t>6/25/2024</a:t>
             </a:fld>
             <a:endParaRPr lang="en-US"/>
           </a:p>
@@ -466,7 +466,7 @@
           <a:p>
             <a:fld id="{584D29B9-D5D8-4B16-8C81-96F134DE5073}" type="datetimeFigureOut">
               <a:rPr lang="en-US" smtClean="0"/>
-              <a:t>6/24/2024</a:t>
+              <a:t>6/25/2024</a:t>
             </a:fld>
             <a:endParaRPr lang="en-US"/>
           </a:p>
@@ -674,7 +674,7 @@
           <a:p>
             <a:fld id="{584D29B9-D5D8-4B16-8C81-96F134DE5073}" type="datetimeFigureOut">
               <a:rPr lang="en-US" smtClean="0"/>
-              <a:t>6/24/2024</a:t>
+              <a:t>6/25/2024</a:t>
             </a:fld>
             <a:endParaRPr lang="en-US"/>
           </a:p>
@@ -872,7 +872,7 @@
           <a:p>
             <a:fld id="{584D29B9-D5D8-4B16-8C81-96F134DE5073}" type="datetimeFigureOut">
               <a:rPr lang="en-US" smtClean="0"/>
-              <a:t>6/24/2024</a:t>
+              <a:t>6/25/2024</a:t>
             </a:fld>
             <a:endParaRPr lang="en-US"/>
           </a:p>
@@ -1147,7 +1147,7 @@
           <a:p>
             <a:fld id="{584D29B9-D5D8-4B16-8C81-96F134DE5073}" type="datetimeFigureOut">
               <a:rPr lang="en-US" smtClean="0"/>
-              <a:t>6/24/2024</a:t>
+              <a:t>6/25/2024</a:t>
             </a:fld>
             <a:endParaRPr lang="en-US"/>
           </a:p>
@@ -1412,7 +1412,7 @@
           <a:p>
             <a:fld id="{584D29B9-D5D8-4B16-8C81-96F134DE5073}" type="datetimeFigureOut">
               <a:rPr lang="en-US" smtClean="0"/>
-              <a:t>6/24/2024</a:t>
+              <a:t>6/25/2024</a:t>
             </a:fld>
             <a:endParaRPr lang="en-US"/>
           </a:p>
@@ -1824,7 +1824,7 @@
           <a:p>
             <a:fld id="{584D29B9-D5D8-4B16-8C81-96F134DE5073}" type="datetimeFigureOut">
               <a:rPr lang="en-US" smtClean="0"/>
-              <a:t>6/24/2024</a:t>
+              <a:t>6/25/2024</a:t>
             </a:fld>
             <a:endParaRPr lang="en-US"/>
           </a:p>
@@ -1965,7 +1965,7 @@
           <a:p>
             <a:fld id="{584D29B9-D5D8-4B16-8C81-96F134DE5073}" type="datetimeFigureOut">
               <a:rPr lang="en-US" smtClean="0"/>
-              <a:t>6/24/2024</a:t>
+              <a:t>6/25/2024</a:t>
             </a:fld>
             <a:endParaRPr lang="en-US"/>
           </a:p>
@@ -2078,7 +2078,7 @@
           <a:p>
             <a:fld id="{584D29B9-D5D8-4B16-8C81-96F134DE5073}" type="datetimeFigureOut">
               <a:rPr lang="en-US" smtClean="0"/>
-              <a:t>6/24/2024</a:t>
+              <a:t>6/25/2024</a:t>
             </a:fld>
             <a:endParaRPr lang="en-US"/>
           </a:p>
@@ -2389,7 +2389,7 @@
           <a:p>
             <a:fld id="{584D29B9-D5D8-4B16-8C81-96F134DE5073}" type="datetimeFigureOut">
               <a:rPr lang="en-US" smtClean="0"/>
-              <a:t>6/24/2024</a:t>
+              <a:t>6/25/2024</a:t>
             </a:fld>
             <a:endParaRPr lang="en-US"/>
           </a:p>
@@ -2677,7 +2677,7 @@
           <a:p>
             <a:fld id="{584D29B9-D5D8-4B16-8C81-96F134DE5073}" type="datetimeFigureOut">
               <a:rPr lang="en-US" smtClean="0"/>
-              <a:t>6/24/2024</a:t>
+              <a:t>6/25/2024</a:t>
             </a:fld>
             <a:endParaRPr lang="en-US"/>
           </a:p>
@@ -2918,7 +2918,7 @@
           <a:p>
             <a:fld id="{584D29B9-D5D8-4B16-8C81-96F134DE5073}" type="datetimeFigureOut">
               <a:rPr lang="en-US" smtClean="0"/>
-              <a:t>6/24/2024</a:t>
+              <a:t>6/25/2024</a:t>
             </a:fld>
             <a:endParaRPr lang="en-US"/>
           </a:p>
@@ -3436,7 +3436,10 @@
           <a:bodyPr/>
           <a:lstStyle/>
           <a:p>
-            <a:endParaRPr lang="en-US"/>
+            <a:r>
+              <a:rPr lang="en-US"/>
+              <a:t>Integrate opposite</a:t>
+            </a:r>
           </a:p>
         </p:txBody>
       </p:sp>

--- a/analysis/fluorimeter/fluoroStack/fluoroStackTolerance.pptx
+++ b/analysis/fluorimeter/fluoroStack/fluoroStackTolerance.pptx
@@ -5,16 +5,15 @@
     <p:sldMasterId id="2147483648" r:id="rId1"/>
   </p:sldMasterIdLst>
   <p:sldIdLst>
-    <p:sldId id="256" r:id="rId2"/>
-    <p:sldId id="257" r:id="rId3"/>
-    <p:sldId id="258" r:id="rId4"/>
-    <p:sldId id="259" r:id="rId5"/>
-    <p:sldId id="260" r:id="rId6"/>
-    <p:sldId id="262" r:id="rId7"/>
-    <p:sldId id="261" r:id="rId8"/>
-    <p:sldId id="263" r:id="rId9"/>
-    <p:sldId id="264" r:id="rId10"/>
-    <p:sldId id="265" r:id="rId11"/>
+    <p:sldId id="259" r:id="rId2"/>
+    <p:sldId id="263" r:id="rId3"/>
+    <p:sldId id="264" r:id="rId4"/>
+    <p:sldId id="266" r:id="rId5"/>
+    <p:sldId id="257" r:id="rId6"/>
+    <p:sldId id="258" r:id="rId7"/>
+    <p:sldId id="260" r:id="rId8"/>
+    <p:sldId id="262" r:id="rId9"/>
+    <p:sldId id="267" r:id="rId10"/>
   </p:sldIdLst>
   <p:sldSz cx="12192000" cy="6858000"/>
   <p:notesSz cx="6858000" cy="9144000"/>
@@ -268,7 +267,7 @@
           <a:p>
             <a:fld id="{584D29B9-D5D8-4B16-8C81-96F134DE5073}" type="datetimeFigureOut">
               <a:rPr lang="en-US" smtClean="0"/>
-              <a:t>6/25/2024</a:t>
+              <a:t>6/26/2024</a:t>
             </a:fld>
             <a:endParaRPr lang="en-US"/>
           </a:p>
@@ -466,7 +465,7 @@
           <a:p>
             <a:fld id="{584D29B9-D5D8-4B16-8C81-96F134DE5073}" type="datetimeFigureOut">
               <a:rPr lang="en-US" smtClean="0"/>
-              <a:t>6/25/2024</a:t>
+              <a:t>6/26/2024</a:t>
             </a:fld>
             <a:endParaRPr lang="en-US"/>
           </a:p>
@@ -674,7 +673,7 @@
           <a:p>
             <a:fld id="{584D29B9-D5D8-4B16-8C81-96F134DE5073}" type="datetimeFigureOut">
               <a:rPr lang="en-US" smtClean="0"/>
-              <a:t>6/25/2024</a:t>
+              <a:t>6/26/2024</a:t>
             </a:fld>
             <a:endParaRPr lang="en-US"/>
           </a:p>
@@ -872,7 +871,7 @@
           <a:p>
             <a:fld id="{584D29B9-D5D8-4B16-8C81-96F134DE5073}" type="datetimeFigureOut">
               <a:rPr lang="en-US" smtClean="0"/>
-              <a:t>6/25/2024</a:t>
+              <a:t>6/26/2024</a:t>
             </a:fld>
             <a:endParaRPr lang="en-US"/>
           </a:p>
@@ -1147,7 +1146,7 @@
           <a:p>
             <a:fld id="{584D29B9-D5D8-4B16-8C81-96F134DE5073}" type="datetimeFigureOut">
               <a:rPr lang="en-US" smtClean="0"/>
-              <a:t>6/25/2024</a:t>
+              <a:t>6/26/2024</a:t>
             </a:fld>
             <a:endParaRPr lang="en-US"/>
           </a:p>
@@ -1412,7 +1411,7 @@
           <a:p>
             <a:fld id="{584D29B9-D5D8-4B16-8C81-96F134DE5073}" type="datetimeFigureOut">
               <a:rPr lang="en-US" smtClean="0"/>
-              <a:t>6/25/2024</a:t>
+              <a:t>6/26/2024</a:t>
             </a:fld>
             <a:endParaRPr lang="en-US"/>
           </a:p>
@@ -1824,7 +1823,7 @@
           <a:p>
             <a:fld id="{584D29B9-D5D8-4B16-8C81-96F134DE5073}" type="datetimeFigureOut">
               <a:rPr lang="en-US" smtClean="0"/>
-              <a:t>6/25/2024</a:t>
+              <a:t>6/26/2024</a:t>
             </a:fld>
             <a:endParaRPr lang="en-US"/>
           </a:p>
@@ -1965,7 +1964,7 @@
           <a:p>
             <a:fld id="{584D29B9-D5D8-4B16-8C81-96F134DE5073}" type="datetimeFigureOut">
               <a:rPr lang="en-US" smtClean="0"/>
-              <a:t>6/25/2024</a:t>
+              <a:t>6/26/2024</a:t>
             </a:fld>
             <a:endParaRPr lang="en-US"/>
           </a:p>
@@ -2078,7 +2077,7 @@
           <a:p>
             <a:fld id="{584D29B9-D5D8-4B16-8C81-96F134DE5073}" type="datetimeFigureOut">
               <a:rPr lang="en-US" smtClean="0"/>
-              <a:t>6/25/2024</a:t>
+              <a:t>6/26/2024</a:t>
             </a:fld>
             <a:endParaRPr lang="en-US"/>
           </a:p>
@@ -2389,7 +2388,7 @@
           <a:p>
             <a:fld id="{584D29B9-D5D8-4B16-8C81-96F134DE5073}" type="datetimeFigureOut">
               <a:rPr lang="en-US" smtClean="0"/>
-              <a:t>6/25/2024</a:t>
+              <a:t>6/26/2024</a:t>
             </a:fld>
             <a:endParaRPr lang="en-US"/>
           </a:p>
@@ -2677,7 +2676,7 @@
           <a:p>
             <a:fld id="{584D29B9-D5D8-4B16-8C81-96F134DE5073}" type="datetimeFigureOut">
               <a:rPr lang="en-US" smtClean="0"/>
-              <a:t>6/25/2024</a:t>
+              <a:t>6/26/2024</a:t>
             </a:fld>
             <a:endParaRPr lang="en-US"/>
           </a:p>
@@ -2918,7 +2917,7 @@
           <a:p>
             <a:fld id="{584D29B9-D5D8-4B16-8C81-96F134DE5073}" type="datetimeFigureOut">
               <a:rPr lang="en-US" smtClean="0"/>
-              <a:t>6/25/2024</a:t>
+              <a:t>6/26/2024</a:t>
             </a:fld>
             <a:endParaRPr lang="en-US"/>
           </a:p>
@@ -3340,87 +3339,7 @@
           <p:cNvPr id="2" name="Title 1">
             <a:extLst>
               <a:ext uri="{FF2B5EF4-FFF2-40B4-BE49-F238E27FC236}">
-                <a16:creationId xmlns:a16="http://schemas.microsoft.com/office/drawing/2014/main" id="{BFE116BA-AFFD-4886-7E20-290E3638B619}"/>
-              </a:ext>
-            </a:extLst>
-          </p:cNvPr>
-          <p:cNvSpPr>
-            <a:spLocks noGrp="1"/>
-          </p:cNvSpPr>
-          <p:nvPr>
-            <p:ph type="ctrTitle"/>
-          </p:nvPr>
-        </p:nvSpPr>
-        <p:spPr/>
-        <p:txBody>
-          <a:bodyPr/>
-          <a:lstStyle/>
-          <a:p>
-            <a:endParaRPr lang="en-US"/>
-          </a:p>
-        </p:txBody>
-      </p:sp>
-      <p:sp>
-        <p:nvSpPr>
-          <p:cNvPr id="3" name="Subtitle 2">
-            <a:extLst>
-              <a:ext uri="{FF2B5EF4-FFF2-40B4-BE49-F238E27FC236}">
-                <a16:creationId xmlns:a16="http://schemas.microsoft.com/office/drawing/2014/main" id="{A14FA526-32F4-58A4-1413-44DEAA6C167A}"/>
-              </a:ext>
-            </a:extLst>
-          </p:cNvPr>
-          <p:cNvSpPr>
-            <a:spLocks noGrp="1"/>
-          </p:cNvSpPr>
-          <p:nvPr>
-            <p:ph type="subTitle" idx="1"/>
-          </p:nvPr>
-        </p:nvSpPr>
-        <p:spPr/>
-        <p:txBody>
-          <a:bodyPr/>
-          <a:lstStyle/>
-          <a:p>
-            <a:endParaRPr lang="en-US"/>
-          </a:p>
-        </p:txBody>
-      </p:sp>
-    </p:spTree>
-    <p:extLst>
-      <p:ext uri="{BB962C8B-B14F-4D97-AF65-F5344CB8AC3E}">
-        <p14:creationId xmlns:p14="http://schemas.microsoft.com/office/powerpoint/2010/main" val="2099071858"/>
-      </p:ext>
-    </p:extLst>
-  </p:cSld>
-  <p:clrMapOvr>
-    <a:masterClrMapping/>
-  </p:clrMapOvr>
-</p:sld>
-</file>
-
-<file path=ppt/slides/slide10.xml><?xml version="1.0" encoding="utf-8"?>
-<p:sld xmlns:a="http://schemas.openxmlformats.org/drawingml/2006/main" xmlns:r="http://schemas.openxmlformats.org/officeDocument/2006/relationships" xmlns:p="http://schemas.openxmlformats.org/presentationml/2006/main">
-  <p:cSld>
-    <p:spTree>
-      <p:nvGrpSpPr>
-        <p:cNvPr id="1" name=""/>
-        <p:cNvGrpSpPr/>
-        <p:nvPr/>
-      </p:nvGrpSpPr>
-      <p:grpSpPr>
-        <a:xfrm>
-          <a:off x="0" y="0"/>
-          <a:ext cx="0" cy="0"/>
-          <a:chOff x="0" y="0"/>
-          <a:chExt cx="0" cy="0"/>
-        </a:xfrm>
-      </p:grpSpPr>
-      <p:sp>
-        <p:nvSpPr>
-          <p:cNvPr id="2" name="Title 1">
-            <a:extLst>
-              <a:ext uri="{FF2B5EF4-FFF2-40B4-BE49-F238E27FC236}">
-                <a16:creationId xmlns:a16="http://schemas.microsoft.com/office/drawing/2014/main" id="{D9AE46D5-7A6A-3CD4-DE7A-CF149F532693}"/>
+                <a16:creationId xmlns:a16="http://schemas.microsoft.com/office/drawing/2014/main" id="{8881D54C-D8FB-A5B2-E876-DF5B782FDCBC}"/>
               </a:ext>
             </a:extLst>
           </p:cNvPr>
@@ -3437,18 +3356,18 @@
           <a:lstStyle/>
           <a:p>
             <a:r>
-              <a:rPr lang="en-US"/>
-              <a:t>Integrate opposite</a:t>
+              <a:rPr lang="en-US" dirty="0"/>
+              <a:t>Sample Fluorimeter</a:t>
             </a:r>
           </a:p>
         </p:txBody>
       </p:sp>
       <p:pic>
         <p:nvPicPr>
-          <p:cNvPr id="6" name="Content Placeholder 5">
-            <a:extLst>
-              <a:ext uri="{FF2B5EF4-FFF2-40B4-BE49-F238E27FC236}">
-                <a16:creationId xmlns:a16="http://schemas.microsoft.com/office/drawing/2014/main" id="{B5AAB019-4D04-67A0-81F7-382BD9A7CD95}"/>
+          <p:cNvPr id="5" name="Content Placeholder 4">
+            <a:extLst>
+              <a:ext uri="{FF2B5EF4-FFF2-40B4-BE49-F238E27FC236}">
+                <a16:creationId xmlns:a16="http://schemas.microsoft.com/office/drawing/2014/main" id="{60231A74-966C-05EA-9D98-A6E0C928AAF7}"/>
               </a:ext>
             </a:extLst>
           </p:cNvPr>
@@ -3456,7 +3375,7 @@
             <a:picLocks noGrp="1" noChangeAspect="1"/>
           </p:cNvPicPr>
           <p:nvPr>
-            <p:ph sz="half" idx="1"/>
+            <p:ph idx="1"/>
           </p:nvPr>
         </p:nvPicPr>
         <p:blipFill>
@@ -3467,149 +3386,15 @@
         </p:blipFill>
         <p:spPr>
           <a:xfrm>
-            <a:off x="838200" y="2092109"/>
-            <a:ext cx="5181600" cy="3818369"/>
+            <a:off x="2050885" y="1825625"/>
+            <a:ext cx="8090229" cy="4351338"/>
           </a:xfrm>
         </p:spPr>
       </p:pic>
-      <p:pic>
-        <p:nvPicPr>
-          <p:cNvPr id="8" name="Content Placeholder 7">
-            <a:extLst>
-              <a:ext uri="{FF2B5EF4-FFF2-40B4-BE49-F238E27FC236}">
-                <a16:creationId xmlns:a16="http://schemas.microsoft.com/office/drawing/2014/main" id="{24815DC7-0785-DAE4-ABB4-247A0CEE8598}"/>
-              </a:ext>
-            </a:extLst>
-          </p:cNvPr>
-          <p:cNvPicPr>
-            <a:picLocks noGrp="1" noChangeAspect="1"/>
-          </p:cNvPicPr>
-          <p:nvPr>
-            <p:ph sz="half" idx="2"/>
-          </p:nvPr>
-        </p:nvPicPr>
-        <p:blipFill>
-          <a:blip r:embed="rId3"/>
-          <a:stretch>
-            <a:fillRect/>
-          </a:stretch>
-        </p:blipFill>
-        <p:spPr>
-          <a:xfrm>
-            <a:off x="6172200" y="2070032"/>
-            <a:ext cx="5181600" cy="3862524"/>
-          </a:xfrm>
-        </p:spPr>
-      </p:pic>
-      <p:sp>
-        <p:nvSpPr>
-          <p:cNvPr id="9" name="TextBox 8">
-            <a:extLst>
-              <a:ext uri="{FF2B5EF4-FFF2-40B4-BE49-F238E27FC236}">
-                <a16:creationId xmlns:a16="http://schemas.microsoft.com/office/drawing/2014/main" id="{1B3DBF43-31DB-9A03-DE16-FF0CEF9D4F27}"/>
-              </a:ext>
-            </a:extLst>
-          </p:cNvPr>
-          <p:cNvSpPr txBox="1"/>
-          <p:nvPr/>
-        </p:nvSpPr>
-        <p:spPr>
-          <a:xfrm>
-            <a:off x="1614115" y="5995283"/>
-            <a:ext cx="2361537" cy="369332"/>
-          </a:xfrm>
-          <a:prstGeom prst="rect">
-            <a:avLst/>
-          </a:prstGeom>
-          <a:noFill/>
-        </p:spPr>
-        <p:txBody>
-          <a:bodyPr wrap="square" rtlCol="0">
-            <a:spAutoFit/>
-          </a:bodyPr>
-          <a:lstStyle/>
-          <a:p>
-            <a:r>
-              <a:rPr lang="en-US" dirty="0"/>
-              <a:t>A = 1070</a:t>
-            </a:r>
-          </a:p>
-        </p:txBody>
-      </p:sp>
-      <p:sp>
-        <p:nvSpPr>
-          <p:cNvPr id="10" name="TextBox 9">
-            <a:extLst>
-              <a:ext uri="{FF2B5EF4-FFF2-40B4-BE49-F238E27FC236}">
-                <a16:creationId xmlns:a16="http://schemas.microsoft.com/office/drawing/2014/main" id="{B19D5099-416E-30E4-E2D6-E257633AC897}"/>
-              </a:ext>
-            </a:extLst>
-          </p:cNvPr>
-          <p:cNvSpPr txBox="1"/>
-          <p:nvPr/>
-        </p:nvSpPr>
-        <p:spPr>
-          <a:xfrm>
-            <a:off x="7140271" y="6154310"/>
-            <a:ext cx="2576223" cy="369332"/>
-          </a:xfrm>
-          <a:prstGeom prst="rect">
-            <a:avLst/>
-          </a:prstGeom>
-          <a:noFill/>
-        </p:spPr>
-        <p:txBody>
-          <a:bodyPr wrap="square" rtlCol="0">
-            <a:spAutoFit/>
-          </a:bodyPr>
-          <a:lstStyle/>
-          <a:p>
-            <a:r>
-              <a:rPr lang="en-US" dirty="0"/>
-              <a:t>A = 902</a:t>
-            </a:r>
-          </a:p>
-        </p:txBody>
-      </p:sp>
-      <p:sp>
-        <p:nvSpPr>
-          <p:cNvPr id="11" name="TextBox 10">
-            <a:extLst>
-              <a:ext uri="{FF2B5EF4-FFF2-40B4-BE49-F238E27FC236}">
-                <a16:creationId xmlns:a16="http://schemas.microsoft.com/office/drawing/2014/main" id="{9636F14B-5D5B-AD9B-4A54-53DEEB16207B}"/>
-              </a:ext>
-            </a:extLst>
-          </p:cNvPr>
-          <p:cNvSpPr txBox="1"/>
-          <p:nvPr/>
-        </p:nvSpPr>
-        <p:spPr>
-          <a:xfrm>
-            <a:off x="4094922" y="5932556"/>
-            <a:ext cx="1455088" cy="369332"/>
-          </a:xfrm>
-          <a:prstGeom prst="rect">
-            <a:avLst/>
-          </a:prstGeom>
-          <a:noFill/>
-        </p:spPr>
-        <p:txBody>
-          <a:bodyPr wrap="square" rtlCol="0">
-            <a:spAutoFit/>
-          </a:bodyPr>
-          <a:lstStyle/>
-          <a:p>
-            <a:r>
-              <a:rPr lang="en-US" dirty="0"/>
-              <a:t>19% change</a:t>
-            </a:r>
-          </a:p>
-        </p:txBody>
-      </p:sp>
     </p:spTree>
     <p:extLst>
       <p:ext uri="{BB962C8B-B14F-4D97-AF65-F5344CB8AC3E}">
-        <p14:creationId xmlns:p14="http://schemas.microsoft.com/office/powerpoint/2010/main" val="3471953013"/>
+        <p14:creationId xmlns:p14="http://schemas.microsoft.com/office/powerpoint/2010/main" val="4027227180"/>
       </p:ext>
     </p:extLst>
   </p:cSld>
@@ -3641,6 +3426,596 @@
           <p:cNvPr id="2" name="Title 1">
             <a:extLst>
               <a:ext uri="{FF2B5EF4-FFF2-40B4-BE49-F238E27FC236}">
+                <a16:creationId xmlns:a16="http://schemas.microsoft.com/office/drawing/2014/main" id="{20316F74-5707-0072-AC24-A39A48A8338A}"/>
+              </a:ext>
+            </a:extLst>
+          </p:cNvPr>
+          <p:cNvSpPr>
+            <a:spLocks noGrp="1"/>
+          </p:cNvSpPr>
+          <p:nvPr>
+            <p:ph type="title"/>
+          </p:nvPr>
+        </p:nvSpPr>
+        <p:spPr/>
+        <p:txBody>
+          <a:bodyPr/>
+          <a:lstStyle/>
+          <a:p>
+            <a:r>
+              <a:rPr lang="en-US" dirty="0"/>
+              <a:t>LED</a:t>
+            </a:r>
+          </a:p>
+        </p:txBody>
+      </p:sp>
+      <p:pic>
+        <p:nvPicPr>
+          <p:cNvPr id="5" name="Content Placeholder 4">
+            <a:extLst>
+              <a:ext uri="{FF2B5EF4-FFF2-40B4-BE49-F238E27FC236}">
+                <a16:creationId xmlns:a16="http://schemas.microsoft.com/office/drawing/2014/main" id="{3F854906-F03F-540F-A865-A4AE0AE12280}"/>
+              </a:ext>
+            </a:extLst>
+          </p:cNvPr>
+          <p:cNvPicPr>
+            <a:picLocks noGrp="1" noChangeAspect="1"/>
+          </p:cNvPicPr>
+          <p:nvPr>
+            <p:ph idx="1"/>
+          </p:nvPr>
+        </p:nvPicPr>
+        <p:blipFill>
+          <a:blip r:embed="rId2"/>
+          <a:stretch>
+            <a:fillRect/>
+          </a:stretch>
+        </p:blipFill>
+        <p:spPr>
+          <a:xfrm>
+            <a:off x="2424425" y="1825625"/>
+            <a:ext cx="7343149" cy="4351338"/>
+          </a:xfrm>
+        </p:spPr>
+      </p:pic>
+    </p:spTree>
+    <p:extLst>
+      <p:ext uri="{BB962C8B-B14F-4D97-AF65-F5344CB8AC3E}">
+        <p14:creationId xmlns:p14="http://schemas.microsoft.com/office/powerpoint/2010/main" val="3169876064"/>
+      </p:ext>
+    </p:extLst>
+  </p:cSld>
+  <p:clrMapOvr>
+    <a:masterClrMapping/>
+  </p:clrMapOvr>
+</p:sld>
+</file>
+
+<file path=ppt/slides/slide3.xml><?xml version="1.0" encoding="utf-8"?>
+<p:sld xmlns:a="http://schemas.openxmlformats.org/drawingml/2006/main" xmlns:r="http://schemas.openxmlformats.org/officeDocument/2006/relationships" xmlns:p="http://schemas.openxmlformats.org/presentationml/2006/main">
+  <p:cSld>
+    <p:spTree>
+      <p:nvGrpSpPr>
+        <p:cNvPr id="1" name=""/>
+        <p:cNvGrpSpPr/>
+        <p:nvPr/>
+      </p:nvGrpSpPr>
+      <p:grpSpPr>
+        <a:xfrm>
+          <a:off x="0" y="0"/>
+          <a:ext cx="0" cy="0"/>
+          <a:chOff x="0" y="0"/>
+          <a:chExt cx="0" cy="0"/>
+        </a:xfrm>
+      </p:grpSpPr>
+      <p:sp>
+        <p:nvSpPr>
+          <p:cNvPr id="2" name="Title 1">
+            <a:extLst>
+              <a:ext uri="{FF2B5EF4-FFF2-40B4-BE49-F238E27FC236}">
+                <a16:creationId xmlns:a16="http://schemas.microsoft.com/office/drawing/2014/main" id="{988C20F9-28F7-E0CC-870C-310A7C8B0B1E}"/>
+              </a:ext>
+            </a:extLst>
+          </p:cNvPr>
+          <p:cNvSpPr>
+            <a:spLocks noGrp="1"/>
+          </p:cNvSpPr>
+          <p:nvPr>
+            <p:ph type="title"/>
+          </p:nvPr>
+        </p:nvSpPr>
+        <p:spPr/>
+        <p:txBody>
+          <a:bodyPr/>
+          <a:lstStyle/>
+          <a:p>
+            <a:r>
+              <a:rPr lang="en-US" dirty="0"/>
+              <a:t>LED Nominal</a:t>
+            </a:r>
+          </a:p>
+        </p:txBody>
+      </p:sp>
+      <p:pic>
+        <p:nvPicPr>
+          <p:cNvPr id="14" name="Content Placeholder 13">
+            <a:extLst>
+              <a:ext uri="{FF2B5EF4-FFF2-40B4-BE49-F238E27FC236}">
+                <a16:creationId xmlns:a16="http://schemas.microsoft.com/office/drawing/2014/main" id="{B6001990-B382-C11F-B423-B95B275BE5CA}"/>
+              </a:ext>
+            </a:extLst>
+          </p:cNvPr>
+          <p:cNvPicPr>
+            <a:picLocks noGrp="1" noChangeAspect="1"/>
+          </p:cNvPicPr>
+          <p:nvPr>
+            <p:ph idx="1"/>
+          </p:nvPr>
+        </p:nvPicPr>
+        <p:blipFill>
+          <a:blip r:embed="rId2"/>
+          <a:stretch>
+            <a:fillRect/>
+          </a:stretch>
+        </p:blipFill>
+        <p:spPr>
+          <a:xfrm>
+            <a:off x="3233338" y="1829291"/>
+            <a:ext cx="5725324" cy="4344006"/>
+          </a:xfrm>
+        </p:spPr>
+      </p:pic>
+      <p:sp>
+        <p:nvSpPr>
+          <p:cNvPr id="17" name="TextBox 16">
+            <a:extLst>
+              <a:ext uri="{FF2B5EF4-FFF2-40B4-BE49-F238E27FC236}">
+                <a16:creationId xmlns:a16="http://schemas.microsoft.com/office/drawing/2014/main" id="{AC3BC22D-83DB-5C96-977B-AC1958B08C9F}"/>
+              </a:ext>
+            </a:extLst>
+          </p:cNvPr>
+          <p:cNvSpPr txBox="1"/>
+          <p:nvPr/>
+        </p:nvSpPr>
+        <p:spPr>
+          <a:xfrm>
+            <a:off x="7000875" y="1098292"/>
+            <a:ext cx="2314575" cy="369332"/>
+          </a:xfrm>
+          <a:prstGeom prst="rect">
+            <a:avLst/>
+          </a:prstGeom>
+          <a:noFill/>
+        </p:spPr>
+        <p:txBody>
+          <a:bodyPr wrap="square" rtlCol="0">
+            <a:spAutoFit/>
+          </a:bodyPr>
+          <a:lstStyle/>
+          <a:p>
+            <a:r>
+              <a:rPr lang="en-US" dirty="0"/>
+              <a:t>Area = 1926</a:t>
+            </a:r>
+          </a:p>
+        </p:txBody>
+      </p:sp>
+      <p:cxnSp>
+        <p:nvCxnSpPr>
+          <p:cNvPr id="18" name="Straight Arrow Connector 17">
+            <a:extLst>
+              <a:ext uri="{FF2B5EF4-FFF2-40B4-BE49-F238E27FC236}">
+                <a16:creationId xmlns:a16="http://schemas.microsoft.com/office/drawing/2014/main" id="{309B748F-FEE4-0048-170E-315D86A26DEE}"/>
+              </a:ext>
+            </a:extLst>
+          </p:cNvPr>
+          <p:cNvCxnSpPr>
+            <a:cxnSpLocks/>
+          </p:cNvCxnSpPr>
+          <p:nvPr/>
+        </p:nvCxnSpPr>
+        <p:spPr>
+          <a:xfrm flipH="1">
+            <a:off x="6162675" y="1440613"/>
+            <a:ext cx="910035" cy="1435937"/>
+          </a:xfrm>
+          <a:prstGeom prst="straightConnector1">
+            <a:avLst/>
+          </a:prstGeom>
+          <a:ln w="76200">
+            <a:tailEnd type="triangle"/>
+          </a:ln>
+        </p:spPr>
+        <p:style>
+          <a:lnRef idx="2">
+            <a:schemeClr val="accent1"/>
+          </a:lnRef>
+          <a:fillRef idx="0">
+            <a:schemeClr val="accent1"/>
+          </a:fillRef>
+          <a:effectRef idx="1">
+            <a:schemeClr val="accent1"/>
+          </a:effectRef>
+          <a:fontRef idx="minor">
+            <a:schemeClr val="tx1"/>
+          </a:fontRef>
+        </p:style>
+      </p:cxnSp>
+    </p:spTree>
+    <p:extLst>
+      <p:ext uri="{BB962C8B-B14F-4D97-AF65-F5344CB8AC3E}">
+        <p14:creationId xmlns:p14="http://schemas.microsoft.com/office/powerpoint/2010/main" val="2928962146"/>
+      </p:ext>
+    </p:extLst>
+  </p:cSld>
+  <p:clrMapOvr>
+    <a:masterClrMapping/>
+  </p:clrMapOvr>
+</p:sld>
+</file>
+
+<file path=ppt/slides/slide4.xml><?xml version="1.0" encoding="utf-8"?>
+<p:sld xmlns:a="http://schemas.openxmlformats.org/drawingml/2006/main" xmlns:r="http://schemas.openxmlformats.org/officeDocument/2006/relationships" xmlns:p="http://schemas.openxmlformats.org/presentationml/2006/main">
+  <p:cSld>
+    <p:spTree>
+      <p:nvGrpSpPr>
+        <p:cNvPr id="1" name=""/>
+        <p:cNvGrpSpPr/>
+        <p:nvPr/>
+      </p:nvGrpSpPr>
+      <p:grpSpPr>
+        <a:xfrm>
+          <a:off x="0" y="0"/>
+          <a:ext cx="0" cy="0"/>
+          <a:chOff x="0" y="0"/>
+          <a:chExt cx="0" cy="0"/>
+        </a:xfrm>
+      </p:grpSpPr>
+      <p:sp>
+        <p:nvSpPr>
+          <p:cNvPr id="2" name="Title 1">
+            <a:extLst>
+              <a:ext uri="{FF2B5EF4-FFF2-40B4-BE49-F238E27FC236}">
+                <a16:creationId xmlns:a16="http://schemas.microsoft.com/office/drawing/2014/main" id="{6336BD98-04EE-AD2D-2FFF-CE84CB4B4549}"/>
+              </a:ext>
+            </a:extLst>
+          </p:cNvPr>
+          <p:cNvSpPr>
+            <a:spLocks noGrp="1"/>
+          </p:cNvSpPr>
+          <p:nvPr>
+            <p:ph type="title"/>
+          </p:nvPr>
+        </p:nvSpPr>
+        <p:spPr/>
+        <p:txBody>
+          <a:bodyPr/>
+          <a:lstStyle/>
+          <a:p>
+            <a:r>
+              <a:rPr lang="en-US" dirty="0"/>
+              <a:t>LED Shift</a:t>
+            </a:r>
+          </a:p>
+        </p:txBody>
+      </p:sp>
+      <p:sp>
+        <p:nvSpPr>
+          <p:cNvPr id="3" name="Text Placeholder 2">
+            <a:extLst>
+              <a:ext uri="{FF2B5EF4-FFF2-40B4-BE49-F238E27FC236}">
+                <a16:creationId xmlns:a16="http://schemas.microsoft.com/office/drawing/2014/main" id="{38DA04D7-36DD-A78B-7F11-9E8803432282}"/>
+              </a:ext>
+            </a:extLst>
+          </p:cNvPr>
+          <p:cNvSpPr>
+            <a:spLocks noGrp="1"/>
+          </p:cNvSpPr>
+          <p:nvPr>
+            <p:ph type="body" idx="1"/>
+          </p:nvPr>
+        </p:nvSpPr>
+        <p:spPr/>
+        <p:txBody>
+          <a:bodyPr>
+            <a:normAutofit lnSpcReduction="10000"/>
+          </a:bodyPr>
+          <a:lstStyle/>
+          <a:p>
+            <a:r>
+              <a:rPr lang="en-US" dirty="0"/>
+              <a:t>LED + 2.5nm</a:t>
+            </a:r>
+          </a:p>
+          <a:p>
+            <a:r>
+              <a:rPr lang="en-US" dirty="0"/>
+              <a:t>Filter – 3nm</a:t>
+            </a:r>
+          </a:p>
+        </p:txBody>
+      </p:sp>
+      <p:sp>
+        <p:nvSpPr>
+          <p:cNvPr id="5" name="Text Placeholder 4">
+            <a:extLst>
+              <a:ext uri="{FF2B5EF4-FFF2-40B4-BE49-F238E27FC236}">
+                <a16:creationId xmlns:a16="http://schemas.microsoft.com/office/drawing/2014/main" id="{E167DDFA-4FB4-CD3C-690E-69CFEB8733A6}"/>
+              </a:ext>
+            </a:extLst>
+          </p:cNvPr>
+          <p:cNvSpPr>
+            <a:spLocks noGrp="1"/>
+          </p:cNvSpPr>
+          <p:nvPr>
+            <p:ph type="body" sz="quarter" idx="3"/>
+          </p:nvPr>
+        </p:nvSpPr>
+        <p:spPr/>
+        <p:txBody>
+          <a:bodyPr>
+            <a:normAutofit lnSpcReduction="10000"/>
+          </a:bodyPr>
+          <a:lstStyle/>
+          <a:p>
+            <a:r>
+              <a:rPr lang="en-US" dirty="0"/>
+              <a:t>LED – 2.5nm</a:t>
+            </a:r>
+          </a:p>
+          <a:p>
+            <a:r>
+              <a:rPr lang="en-US" dirty="0"/>
+              <a:t>Filter + 3nm</a:t>
+            </a:r>
+          </a:p>
+        </p:txBody>
+      </p:sp>
+      <p:pic>
+        <p:nvPicPr>
+          <p:cNvPr id="7" name="Content Placeholder 14">
+            <a:extLst>
+              <a:ext uri="{FF2B5EF4-FFF2-40B4-BE49-F238E27FC236}">
+                <a16:creationId xmlns:a16="http://schemas.microsoft.com/office/drawing/2014/main" id="{DBDAF69D-0062-7CA5-792B-9B777AA31B0C}"/>
+              </a:ext>
+            </a:extLst>
+          </p:cNvPr>
+          <p:cNvPicPr>
+            <a:picLocks noGrp="1" noChangeAspect="1"/>
+          </p:cNvPicPr>
+          <p:nvPr>
+            <p:ph sz="half" idx="2"/>
+          </p:nvPr>
+        </p:nvPicPr>
+        <p:blipFill>
+          <a:blip r:embed="rId2"/>
+          <a:stretch>
+            <a:fillRect/>
+          </a:stretch>
+        </p:blipFill>
+        <p:spPr>
+          <a:xfrm>
+            <a:off x="876885" y="2505075"/>
+            <a:ext cx="5083593" cy="3684588"/>
+          </a:xfrm>
+        </p:spPr>
+      </p:pic>
+      <p:pic>
+        <p:nvPicPr>
+          <p:cNvPr id="8" name="Content Placeholder 18">
+            <a:extLst>
+              <a:ext uri="{FF2B5EF4-FFF2-40B4-BE49-F238E27FC236}">
+                <a16:creationId xmlns:a16="http://schemas.microsoft.com/office/drawing/2014/main" id="{79D307CA-5D1C-5BAC-C36E-5EC67C66B000}"/>
+              </a:ext>
+            </a:extLst>
+          </p:cNvPr>
+          <p:cNvPicPr>
+            <a:picLocks noGrp="1" noChangeAspect="1"/>
+          </p:cNvPicPr>
+          <p:nvPr>
+            <p:ph sz="quarter" idx="4"/>
+          </p:nvPr>
+        </p:nvPicPr>
+        <p:blipFill>
+          <a:blip r:embed="rId3"/>
+          <a:stretch>
+            <a:fillRect/>
+          </a:stretch>
+        </p:blipFill>
+        <p:spPr>
+          <a:xfrm>
+            <a:off x="6372044" y="2505075"/>
+            <a:ext cx="4783500" cy="3684588"/>
+          </a:xfrm>
+        </p:spPr>
+      </p:pic>
+      <p:sp>
+        <p:nvSpPr>
+          <p:cNvPr id="9" name="TextBox 8">
+            <a:extLst>
+              <a:ext uri="{FF2B5EF4-FFF2-40B4-BE49-F238E27FC236}">
+                <a16:creationId xmlns:a16="http://schemas.microsoft.com/office/drawing/2014/main" id="{00CCA81E-BCC0-1890-3720-8C16B8125323}"/>
+              </a:ext>
+            </a:extLst>
+          </p:cNvPr>
+          <p:cNvSpPr txBox="1"/>
+          <p:nvPr/>
+        </p:nvSpPr>
+        <p:spPr>
+          <a:xfrm>
+            <a:off x="9811787" y="6324878"/>
+            <a:ext cx="2314575" cy="369332"/>
+          </a:xfrm>
+          <a:prstGeom prst="rect">
+            <a:avLst/>
+          </a:prstGeom>
+          <a:noFill/>
+        </p:spPr>
+        <p:txBody>
+          <a:bodyPr wrap="square" rtlCol="0">
+            <a:spAutoFit/>
+          </a:bodyPr>
+          <a:lstStyle/>
+          <a:p>
+            <a:r>
+              <a:rPr lang="en-US" dirty="0"/>
+              <a:t>Area = 2000</a:t>
+            </a:r>
+          </a:p>
+        </p:txBody>
+      </p:sp>
+      <p:cxnSp>
+        <p:nvCxnSpPr>
+          <p:cNvPr id="10" name="Straight Arrow Connector 9">
+            <a:extLst>
+              <a:ext uri="{FF2B5EF4-FFF2-40B4-BE49-F238E27FC236}">
+                <a16:creationId xmlns:a16="http://schemas.microsoft.com/office/drawing/2014/main" id="{0BFAE7D7-6110-DF12-A8F9-0312BAC9CE15}"/>
+              </a:ext>
+            </a:extLst>
+          </p:cNvPr>
+          <p:cNvCxnSpPr>
+            <a:cxnSpLocks/>
+          </p:cNvCxnSpPr>
+          <p:nvPr/>
+        </p:nvCxnSpPr>
+        <p:spPr>
+          <a:xfrm flipH="1" flipV="1">
+            <a:off x="9091849" y="5667374"/>
+            <a:ext cx="942738" cy="628651"/>
+          </a:xfrm>
+          <a:prstGeom prst="straightConnector1">
+            <a:avLst/>
+          </a:prstGeom>
+          <a:ln w="76200">
+            <a:tailEnd type="triangle"/>
+          </a:ln>
+        </p:spPr>
+        <p:style>
+          <a:lnRef idx="2">
+            <a:schemeClr val="accent1"/>
+          </a:lnRef>
+          <a:fillRef idx="0">
+            <a:schemeClr val="accent1"/>
+          </a:fillRef>
+          <a:effectRef idx="1">
+            <a:schemeClr val="accent1"/>
+          </a:effectRef>
+          <a:fontRef idx="minor">
+            <a:schemeClr val="tx1"/>
+          </a:fontRef>
+        </p:style>
+      </p:cxnSp>
+      <p:sp>
+        <p:nvSpPr>
+          <p:cNvPr id="11" name="TextBox 10">
+            <a:extLst>
+              <a:ext uri="{FF2B5EF4-FFF2-40B4-BE49-F238E27FC236}">
+                <a16:creationId xmlns:a16="http://schemas.microsoft.com/office/drawing/2014/main" id="{D39AA215-F58A-D348-9D5C-7334D4447F3F}"/>
+              </a:ext>
+            </a:extLst>
+          </p:cNvPr>
+          <p:cNvSpPr txBox="1"/>
+          <p:nvPr/>
+        </p:nvSpPr>
+        <p:spPr>
+          <a:xfrm>
+            <a:off x="3480222" y="6392195"/>
+            <a:ext cx="2314575" cy="369332"/>
+          </a:xfrm>
+          <a:prstGeom prst="rect">
+            <a:avLst/>
+          </a:prstGeom>
+          <a:noFill/>
+        </p:spPr>
+        <p:txBody>
+          <a:bodyPr wrap="square" rtlCol="0">
+            <a:spAutoFit/>
+          </a:bodyPr>
+          <a:lstStyle/>
+          <a:p>
+            <a:r>
+              <a:rPr lang="en-US" dirty="0"/>
+              <a:t>Area = 1821</a:t>
+            </a:r>
+          </a:p>
+        </p:txBody>
+      </p:sp>
+      <p:cxnSp>
+        <p:nvCxnSpPr>
+          <p:cNvPr id="12" name="Straight Arrow Connector 11">
+            <a:extLst>
+              <a:ext uri="{FF2B5EF4-FFF2-40B4-BE49-F238E27FC236}">
+                <a16:creationId xmlns:a16="http://schemas.microsoft.com/office/drawing/2014/main" id="{F97552E1-A11A-EAC9-EDC2-0314891E9A25}"/>
+              </a:ext>
+            </a:extLst>
+          </p:cNvPr>
+          <p:cNvCxnSpPr>
+            <a:cxnSpLocks/>
+          </p:cNvCxnSpPr>
+          <p:nvPr/>
+        </p:nvCxnSpPr>
+        <p:spPr>
+          <a:xfrm flipH="1" flipV="1">
+            <a:off x="3418681" y="5571203"/>
+            <a:ext cx="601844" cy="820992"/>
+          </a:xfrm>
+          <a:prstGeom prst="straightConnector1">
+            <a:avLst/>
+          </a:prstGeom>
+          <a:ln w="76200">
+            <a:tailEnd type="triangle"/>
+          </a:ln>
+        </p:spPr>
+        <p:style>
+          <a:lnRef idx="2">
+            <a:schemeClr val="accent1"/>
+          </a:lnRef>
+          <a:fillRef idx="0">
+            <a:schemeClr val="accent1"/>
+          </a:fillRef>
+          <a:effectRef idx="1">
+            <a:schemeClr val="accent1"/>
+          </a:effectRef>
+          <a:fontRef idx="minor">
+            <a:schemeClr val="tx1"/>
+          </a:fontRef>
+        </p:style>
+      </p:cxnSp>
+    </p:spTree>
+    <p:extLst>
+      <p:ext uri="{BB962C8B-B14F-4D97-AF65-F5344CB8AC3E}">
+        <p14:creationId xmlns:p14="http://schemas.microsoft.com/office/powerpoint/2010/main" val="1494797135"/>
+      </p:ext>
+    </p:extLst>
+  </p:cSld>
+  <p:clrMapOvr>
+    <a:masterClrMapping/>
+  </p:clrMapOvr>
+</p:sld>
+</file>
+
+<file path=ppt/slides/slide5.xml><?xml version="1.0" encoding="utf-8"?>
+<p:sld xmlns:a="http://schemas.openxmlformats.org/drawingml/2006/main" xmlns:r="http://schemas.openxmlformats.org/officeDocument/2006/relationships" xmlns:p="http://schemas.openxmlformats.org/presentationml/2006/main">
+  <p:cSld>
+    <p:spTree>
+      <p:nvGrpSpPr>
+        <p:cNvPr id="1" name=""/>
+        <p:cNvGrpSpPr/>
+        <p:nvPr/>
+      </p:nvGrpSpPr>
+      <p:grpSpPr>
+        <a:xfrm>
+          <a:off x="0" y="0"/>
+          <a:ext cx="0" cy="0"/>
+          <a:chOff x="0" y="0"/>
+          <a:chExt cx="0" cy="0"/>
+        </a:xfrm>
+      </p:grpSpPr>
+      <p:sp>
+        <p:nvSpPr>
+          <p:cNvPr id="2" name="Title 1">
+            <a:extLst>
+              <a:ext uri="{FF2B5EF4-FFF2-40B4-BE49-F238E27FC236}">
                 <a16:creationId xmlns:a16="http://schemas.microsoft.com/office/drawing/2014/main" id="{8EAA34CF-2A8A-2296-01B5-CE385C9FF967}"/>
               </a:ext>
             </a:extLst>
@@ -3657,7 +4032,10 @@
           <a:bodyPr/>
           <a:lstStyle/>
           <a:p>
-            <a:endParaRPr lang="en-US"/>
+            <a:r>
+              <a:rPr lang="en-US" dirty="0"/>
+              <a:t>Detector</a:t>
+            </a:r>
           </a:p>
         </p:txBody>
       </p:sp>
@@ -3703,258 +4081,6 @@
 </p:sld>
 </file>
 
-<file path=ppt/slides/slide3.xml><?xml version="1.0" encoding="utf-8"?>
-<p:sld xmlns:a="http://schemas.openxmlformats.org/drawingml/2006/main" xmlns:r="http://schemas.openxmlformats.org/officeDocument/2006/relationships" xmlns:p="http://schemas.openxmlformats.org/presentationml/2006/main">
-  <p:cSld>
-    <p:spTree>
-      <p:nvGrpSpPr>
-        <p:cNvPr id="1" name=""/>
-        <p:cNvGrpSpPr/>
-        <p:nvPr/>
-      </p:nvGrpSpPr>
-      <p:grpSpPr>
-        <a:xfrm>
-          <a:off x="0" y="0"/>
-          <a:ext cx="0" cy="0"/>
-          <a:chOff x="0" y="0"/>
-          <a:chExt cx="0" cy="0"/>
-        </a:xfrm>
-      </p:grpSpPr>
-      <p:sp>
-        <p:nvSpPr>
-          <p:cNvPr id="2" name="Title 1">
-            <a:extLst>
-              <a:ext uri="{FF2B5EF4-FFF2-40B4-BE49-F238E27FC236}">
-                <a16:creationId xmlns:a16="http://schemas.microsoft.com/office/drawing/2014/main" id="{F4751210-78F9-7001-D007-8B29AC30C13C}"/>
-              </a:ext>
-            </a:extLst>
-          </p:cNvPr>
-          <p:cNvSpPr>
-            <a:spLocks noGrp="1"/>
-          </p:cNvSpPr>
-          <p:nvPr>
-            <p:ph type="title"/>
-          </p:nvPr>
-        </p:nvSpPr>
-        <p:spPr/>
-        <p:txBody>
-          <a:bodyPr/>
-          <a:lstStyle/>
-          <a:p>
-            <a:endParaRPr lang="en-US"/>
-          </a:p>
-        </p:txBody>
-      </p:sp>
-      <p:pic>
-        <p:nvPicPr>
-          <p:cNvPr id="9" name="Content Placeholder 8">
-            <a:extLst>
-              <a:ext uri="{FF2B5EF4-FFF2-40B4-BE49-F238E27FC236}">
-                <a16:creationId xmlns:a16="http://schemas.microsoft.com/office/drawing/2014/main" id="{29E501E0-6A43-7B83-94E4-0B43FE566999}"/>
-              </a:ext>
-            </a:extLst>
-          </p:cNvPr>
-          <p:cNvPicPr>
-            <a:picLocks noGrp="1" noChangeAspect="1"/>
-          </p:cNvPicPr>
-          <p:nvPr>
-            <p:ph idx="1"/>
-          </p:nvPr>
-        </p:nvPicPr>
-        <p:blipFill>
-          <a:blip r:embed="rId2"/>
-          <a:stretch>
-            <a:fillRect/>
-          </a:stretch>
-        </p:blipFill>
-        <p:spPr>
-          <a:xfrm>
-            <a:off x="2067440" y="1825625"/>
-            <a:ext cx="8057120" cy="4351338"/>
-          </a:xfrm>
-        </p:spPr>
-      </p:pic>
-    </p:spTree>
-    <p:extLst>
-      <p:ext uri="{BB962C8B-B14F-4D97-AF65-F5344CB8AC3E}">
-        <p14:creationId xmlns:p14="http://schemas.microsoft.com/office/powerpoint/2010/main" val="1866081889"/>
-      </p:ext>
-    </p:extLst>
-  </p:cSld>
-  <p:clrMapOvr>
-    <a:masterClrMapping/>
-  </p:clrMapOvr>
-</p:sld>
-</file>
-
-<file path=ppt/slides/slide4.xml><?xml version="1.0" encoding="utf-8"?>
-<p:sld xmlns:a="http://schemas.openxmlformats.org/drawingml/2006/main" xmlns:r="http://schemas.openxmlformats.org/officeDocument/2006/relationships" xmlns:p="http://schemas.openxmlformats.org/presentationml/2006/main">
-  <p:cSld>
-    <p:spTree>
-      <p:nvGrpSpPr>
-        <p:cNvPr id="1" name=""/>
-        <p:cNvGrpSpPr/>
-        <p:nvPr/>
-      </p:nvGrpSpPr>
-      <p:grpSpPr>
-        <a:xfrm>
-          <a:off x="0" y="0"/>
-          <a:ext cx="0" cy="0"/>
-          <a:chOff x="0" y="0"/>
-          <a:chExt cx="0" cy="0"/>
-        </a:xfrm>
-      </p:grpSpPr>
-      <p:sp>
-        <p:nvSpPr>
-          <p:cNvPr id="2" name="Title 1">
-            <a:extLst>
-              <a:ext uri="{FF2B5EF4-FFF2-40B4-BE49-F238E27FC236}">
-                <a16:creationId xmlns:a16="http://schemas.microsoft.com/office/drawing/2014/main" id="{8881D54C-D8FB-A5B2-E876-DF5B782FDCBC}"/>
-              </a:ext>
-            </a:extLst>
-          </p:cNvPr>
-          <p:cNvSpPr>
-            <a:spLocks noGrp="1"/>
-          </p:cNvSpPr>
-          <p:nvPr>
-            <p:ph type="title"/>
-          </p:nvPr>
-        </p:nvSpPr>
-        <p:spPr/>
-        <p:txBody>
-          <a:bodyPr/>
-          <a:lstStyle/>
-          <a:p>
-            <a:endParaRPr lang="en-US"/>
-          </a:p>
-        </p:txBody>
-      </p:sp>
-      <p:pic>
-        <p:nvPicPr>
-          <p:cNvPr id="5" name="Content Placeholder 4">
-            <a:extLst>
-              <a:ext uri="{FF2B5EF4-FFF2-40B4-BE49-F238E27FC236}">
-                <a16:creationId xmlns:a16="http://schemas.microsoft.com/office/drawing/2014/main" id="{60231A74-966C-05EA-9D98-A6E0C928AAF7}"/>
-              </a:ext>
-            </a:extLst>
-          </p:cNvPr>
-          <p:cNvPicPr>
-            <a:picLocks noGrp="1" noChangeAspect="1"/>
-          </p:cNvPicPr>
-          <p:nvPr>
-            <p:ph idx="1"/>
-          </p:nvPr>
-        </p:nvPicPr>
-        <p:blipFill>
-          <a:blip r:embed="rId2"/>
-          <a:stretch>
-            <a:fillRect/>
-          </a:stretch>
-        </p:blipFill>
-        <p:spPr>
-          <a:xfrm>
-            <a:off x="2050885" y="1825625"/>
-            <a:ext cx="8090229" cy="4351338"/>
-          </a:xfrm>
-        </p:spPr>
-      </p:pic>
-    </p:spTree>
-    <p:extLst>
-      <p:ext uri="{BB962C8B-B14F-4D97-AF65-F5344CB8AC3E}">
-        <p14:creationId xmlns:p14="http://schemas.microsoft.com/office/powerpoint/2010/main" val="4027227180"/>
-      </p:ext>
-    </p:extLst>
-  </p:cSld>
-  <p:clrMapOvr>
-    <a:masterClrMapping/>
-  </p:clrMapOvr>
-</p:sld>
-</file>
-
-<file path=ppt/slides/slide5.xml><?xml version="1.0" encoding="utf-8"?>
-<p:sld xmlns:a="http://schemas.openxmlformats.org/drawingml/2006/main" xmlns:r="http://schemas.openxmlformats.org/officeDocument/2006/relationships" xmlns:p="http://schemas.openxmlformats.org/presentationml/2006/main">
-  <p:cSld>
-    <p:spTree>
-      <p:nvGrpSpPr>
-        <p:cNvPr id="1" name=""/>
-        <p:cNvGrpSpPr/>
-        <p:nvPr/>
-      </p:nvGrpSpPr>
-      <p:grpSpPr>
-        <a:xfrm>
-          <a:off x="0" y="0"/>
-          <a:ext cx="0" cy="0"/>
-          <a:chOff x="0" y="0"/>
-          <a:chExt cx="0" cy="0"/>
-        </a:xfrm>
-      </p:grpSpPr>
-      <p:sp>
-        <p:nvSpPr>
-          <p:cNvPr id="2" name="Title 1">
-            <a:extLst>
-              <a:ext uri="{FF2B5EF4-FFF2-40B4-BE49-F238E27FC236}">
-                <a16:creationId xmlns:a16="http://schemas.microsoft.com/office/drawing/2014/main" id="{7631C8BD-08BB-10DA-4A07-63A2FFB7DCF8}"/>
-              </a:ext>
-            </a:extLst>
-          </p:cNvPr>
-          <p:cNvSpPr>
-            <a:spLocks noGrp="1"/>
-          </p:cNvSpPr>
-          <p:nvPr>
-            <p:ph type="title"/>
-          </p:nvPr>
-        </p:nvSpPr>
-        <p:spPr/>
-        <p:txBody>
-          <a:bodyPr/>
-          <a:lstStyle/>
-          <a:p>
-            <a:endParaRPr lang="en-US"/>
-          </a:p>
-        </p:txBody>
-      </p:sp>
-      <p:pic>
-        <p:nvPicPr>
-          <p:cNvPr id="5" name="Content Placeholder 4">
-            <a:extLst>
-              <a:ext uri="{FF2B5EF4-FFF2-40B4-BE49-F238E27FC236}">
-                <a16:creationId xmlns:a16="http://schemas.microsoft.com/office/drawing/2014/main" id="{B486AEE6-AB9C-CAEF-3C33-FD30890F0C89}"/>
-              </a:ext>
-            </a:extLst>
-          </p:cNvPr>
-          <p:cNvPicPr>
-            <a:picLocks noGrp="1" noChangeAspect="1"/>
-          </p:cNvPicPr>
-          <p:nvPr>
-            <p:ph idx="1"/>
-          </p:nvPr>
-        </p:nvPicPr>
-        <p:blipFill>
-          <a:blip r:embed="rId2"/>
-          <a:stretch>
-            <a:fillRect/>
-          </a:stretch>
-        </p:blipFill>
-        <p:spPr>
-          <a:xfrm>
-            <a:off x="2048708" y="1825625"/>
-            <a:ext cx="8094584" cy="4351338"/>
-          </a:xfrm>
-        </p:spPr>
-      </p:pic>
-    </p:spTree>
-    <p:extLst>
-      <p:ext uri="{BB962C8B-B14F-4D97-AF65-F5344CB8AC3E}">
-        <p14:creationId xmlns:p14="http://schemas.microsoft.com/office/powerpoint/2010/main" val="426382954"/>
-      </p:ext>
-    </p:extLst>
-  </p:cSld>
-  <p:clrMapOvr>
-    <a:masterClrMapping/>
-  </p:clrMapOvr>
-</p:sld>
-</file>
-
 <file path=ppt/slides/slide6.xml><?xml version="1.0" encoding="utf-8"?>
 <p:sld xmlns:a="http://schemas.openxmlformats.org/drawingml/2006/main" xmlns:r="http://schemas.openxmlformats.org/officeDocument/2006/relationships" xmlns:p="http://schemas.openxmlformats.org/presentationml/2006/main">
   <p:cSld>
@@ -3977,7 +4103,7 @@
           <p:cNvPr id="2" name="Title 1">
             <a:extLst>
               <a:ext uri="{FF2B5EF4-FFF2-40B4-BE49-F238E27FC236}">
-                <a16:creationId xmlns:a16="http://schemas.microsoft.com/office/drawing/2014/main" id="{2C7D392F-DF17-99C5-5F85-AB8D19FD6D03}"/>
+                <a16:creationId xmlns:a16="http://schemas.microsoft.com/office/drawing/2014/main" id="{F4751210-78F9-7001-D007-8B29AC30C13C}"/>
               </a:ext>
             </a:extLst>
           </p:cNvPr>
@@ -3993,16 +4119,19 @@
           <a:bodyPr/>
           <a:lstStyle/>
           <a:p>
-            <a:endParaRPr lang="en-US"/>
+            <a:r>
+              <a:rPr lang="en-US" dirty="0"/>
+              <a:t>445 + 480</a:t>
+            </a:r>
           </a:p>
         </p:txBody>
       </p:sp>
       <p:pic>
         <p:nvPicPr>
-          <p:cNvPr id="5" name="Content Placeholder 4">
-            <a:extLst>
-              <a:ext uri="{FF2B5EF4-FFF2-40B4-BE49-F238E27FC236}">
-                <a16:creationId xmlns:a16="http://schemas.microsoft.com/office/drawing/2014/main" id="{AFC4EEC2-38D6-17A5-75A7-68F563D77943}"/>
+          <p:cNvPr id="13" name="Content Placeholder 12">
+            <a:extLst>
+              <a:ext uri="{FF2B5EF4-FFF2-40B4-BE49-F238E27FC236}">
+                <a16:creationId xmlns:a16="http://schemas.microsoft.com/office/drawing/2014/main" id="{D8033705-E3CC-64E1-DB21-D54DFB465279}"/>
               </a:ext>
             </a:extLst>
           </p:cNvPr>
@@ -4021,50 +4150,15 @@
         </p:blipFill>
         <p:spPr>
           <a:xfrm>
-            <a:off x="3233338" y="1834054"/>
-            <a:ext cx="5725324" cy="4334480"/>
+            <a:off x="1884224" y="1825625"/>
+            <a:ext cx="8423552" cy="4351338"/>
           </a:xfrm>
         </p:spPr>
       </p:pic>
-      <p:sp>
-        <p:nvSpPr>
-          <p:cNvPr id="3" name="TextBox 2">
-            <a:extLst>
-              <a:ext uri="{FF2B5EF4-FFF2-40B4-BE49-F238E27FC236}">
-                <a16:creationId xmlns:a16="http://schemas.microsoft.com/office/drawing/2014/main" id="{455AD4F6-8777-A2C4-D701-61E3A720CB6B}"/>
-              </a:ext>
-            </a:extLst>
-          </p:cNvPr>
-          <p:cNvSpPr txBox="1"/>
-          <p:nvPr/>
-        </p:nvSpPr>
-        <p:spPr>
-          <a:xfrm>
-            <a:off x="9287123" y="3037398"/>
-            <a:ext cx="2066677" cy="369332"/>
-          </a:xfrm>
-          <a:prstGeom prst="rect">
-            <a:avLst/>
-          </a:prstGeom>
-          <a:noFill/>
-        </p:spPr>
-        <p:txBody>
-          <a:bodyPr wrap="square" rtlCol="0">
-            <a:spAutoFit/>
-          </a:bodyPr>
-          <a:lstStyle/>
-          <a:p>
-            <a:r>
-              <a:rPr lang="en-US" dirty="0"/>
-              <a:t>A = 0.242</a:t>
-            </a:r>
-          </a:p>
-        </p:txBody>
-      </p:sp>
     </p:spTree>
     <p:extLst>
       <p:ext uri="{BB962C8B-B14F-4D97-AF65-F5344CB8AC3E}">
-        <p14:creationId xmlns:p14="http://schemas.microsoft.com/office/powerpoint/2010/main" val="4094239124"/>
+        <p14:creationId xmlns:p14="http://schemas.microsoft.com/office/powerpoint/2010/main" val="1866081889"/>
       </p:ext>
     </p:extLst>
   </p:cSld>
@@ -4096,7 +4190,7 @@
           <p:cNvPr id="2" name="Title 1">
             <a:extLst>
               <a:ext uri="{FF2B5EF4-FFF2-40B4-BE49-F238E27FC236}">
-                <a16:creationId xmlns:a16="http://schemas.microsoft.com/office/drawing/2014/main" id="{6F47202D-63CC-CA80-6E30-98009AD12081}"/>
+                <a16:creationId xmlns:a16="http://schemas.microsoft.com/office/drawing/2014/main" id="{7631C8BD-08BB-10DA-4A07-63A2FFB7DCF8}"/>
               </a:ext>
             </a:extLst>
           </p:cNvPr>
@@ -4112,23 +4206,28 @@
           <a:bodyPr/>
           <a:lstStyle/>
           <a:p>
-            <a:endParaRPr lang="en-US"/>
+            <a:r>
+              <a:rPr lang="en-US" dirty="0"/>
+              <a:t>445 + 480</a:t>
+            </a:r>
           </a:p>
         </p:txBody>
       </p:sp>
       <p:pic>
         <p:nvPicPr>
-          <p:cNvPr id="15" name="Picture 14">
-            <a:extLst>
-              <a:ext uri="{FF2B5EF4-FFF2-40B4-BE49-F238E27FC236}">
-                <a16:creationId xmlns:a16="http://schemas.microsoft.com/office/drawing/2014/main" id="{B06F41BF-CC0D-3FA1-C8CD-3814AA87DB23}"/>
+          <p:cNvPr id="7" name="Content Placeholder 6">
+            <a:extLst>
+              <a:ext uri="{FF2B5EF4-FFF2-40B4-BE49-F238E27FC236}">
+                <a16:creationId xmlns:a16="http://schemas.microsoft.com/office/drawing/2014/main" id="{06CCAD1D-23DA-0B0C-5F8F-D0664C5749A9}"/>
               </a:ext>
             </a:extLst>
           </p:cNvPr>
           <p:cNvPicPr>
-            <a:picLocks noChangeAspect="1"/>
+            <a:picLocks noGrp="1" noChangeAspect="1"/>
           </p:cNvPicPr>
-          <p:nvPr/>
+          <p:nvPr>
+            <p:ph idx="1"/>
+          </p:nvPr>
         </p:nvPicPr>
         <p:blipFill>
           <a:blip r:embed="rId2"/>
@@ -4138,153 +4237,15 @@
         </p:blipFill>
         <p:spPr>
           <a:xfrm>
-            <a:off x="6096000" y="1799923"/>
-            <a:ext cx="5839640" cy="4344006"/>
+            <a:off x="1705194" y="1825625"/>
+            <a:ext cx="8781611" cy="4351338"/>
           </a:xfrm>
-          <a:prstGeom prst="rect">
-            <a:avLst/>
-          </a:prstGeom>
         </p:spPr>
       </p:pic>
-      <p:pic>
-        <p:nvPicPr>
-          <p:cNvPr id="19" name="Picture 18">
-            <a:extLst>
-              <a:ext uri="{FF2B5EF4-FFF2-40B4-BE49-F238E27FC236}">
-                <a16:creationId xmlns:a16="http://schemas.microsoft.com/office/drawing/2014/main" id="{DC6F4BF0-5018-CA88-39E3-0B594940B62E}"/>
-              </a:ext>
-            </a:extLst>
-          </p:cNvPr>
-          <p:cNvPicPr>
-            <a:picLocks noChangeAspect="1"/>
-          </p:cNvPicPr>
-          <p:nvPr/>
-        </p:nvPicPr>
-        <p:blipFill>
-          <a:blip r:embed="rId3"/>
-          <a:stretch>
-            <a:fillRect/>
-          </a:stretch>
-        </p:blipFill>
-        <p:spPr>
-          <a:xfrm>
-            <a:off x="432980" y="1799923"/>
-            <a:ext cx="5782482" cy="4324954"/>
-          </a:xfrm>
-          <a:prstGeom prst="rect">
-            <a:avLst/>
-          </a:prstGeom>
-        </p:spPr>
-      </p:pic>
-      <p:sp>
-        <p:nvSpPr>
-          <p:cNvPr id="3" name="TextBox 2">
-            <a:extLst>
-              <a:ext uri="{FF2B5EF4-FFF2-40B4-BE49-F238E27FC236}">
-                <a16:creationId xmlns:a16="http://schemas.microsoft.com/office/drawing/2014/main" id="{C9717C3B-6935-4082-A71B-84F6FAA92FFF}"/>
-              </a:ext>
-            </a:extLst>
-          </p:cNvPr>
-          <p:cNvSpPr txBox="1"/>
-          <p:nvPr/>
-        </p:nvSpPr>
-        <p:spPr>
-          <a:xfrm>
-            <a:off x="2258171" y="6236485"/>
-            <a:ext cx="3482671" cy="369332"/>
-          </a:xfrm>
-          <a:prstGeom prst="rect">
-            <a:avLst/>
-          </a:prstGeom>
-          <a:noFill/>
-        </p:spPr>
-        <p:txBody>
-          <a:bodyPr wrap="square" rtlCol="0">
-            <a:spAutoFit/>
-          </a:bodyPr>
-          <a:lstStyle/>
-          <a:p>
-            <a:r>
-              <a:rPr lang="en-US" dirty="0"/>
-              <a:t>A = 0.267</a:t>
-            </a:r>
-          </a:p>
-        </p:txBody>
-      </p:sp>
-      <p:sp>
-        <p:nvSpPr>
-          <p:cNvPr id="4" name="TextBox 3">
-            <a:extLst>
-              <a:ext uri="{FF2B5EF4-FFF2-40B4-BE49-F238E27FC236}">
-                <a16:creationId xmlns:a16="http://schemas.microsoft.com/office/drawing/2014/main" id="{2D59FDAE-630C-D634-C26D-4813C8EA4487}"/>
-              </a:ext>
-            </a:extLst>
-          </p:cNvPr>
-          <p:cNvSpPr txBox="1"/>
-          <p:nvPr/>
-        </p:nvSpPr>
-        <p:spPr>
-          <a:xfrm>
-            <a:off x="7274484" y="6243786"/>
-            <a:ext cx="3482671" cy="369332"/>
-          </a:xfrm>
-          <a:prstGeom prst="rect">
-            <a:avLst/>
-          </a:prstGeom>
-          <a:noFill/>
-        </p:spPr>
-        <p:txBody>
-          <a:bodyPr wrap="square" rtlCol="0">
-            <a:spAutoFit/>
-          </a:bodyPr>
-          <a:lstStyle/>
-          <a:p>
-            <a:r>
-              <a:rPr lang="en-US" dirty="0"/>
-              <a:t>A = 0.217</a:t>
-            </a:r>
-          </a:p>
-        </p:txBody>
-      </p:sp>
-      <p:sp>
-        <p:nvSpPr>
-          <p:cNvPr id="5" name="TextBox 4">
-            <a:extLst>
-              <a:ext uri="{FF2B5EF4-FFF2-40B4-BE49-F238E27FC236}">
-                <a16:creationId xmlns:a16="http://schemas.microsoft.com/office/drawing/2014/main" id="{00196DE1-1A76-F95B-DF3A-1D2AE0CD4248}"/>
-              </a:ext>
-            </a:extLst>
-          </p:cNvPr>
-          <p:cNvSpPr txBox="1"/>
-          <p:nvPr/>
-        </p:nvSpPr>
-        <p:spPr>
-          <a:xfrm>
-            <a:off x="4969565" y="6011186"/>
-            <a:ext cx="1590261" cy="369332"/>
-          </a:xfrm>
-          <a:prstGeom prst="rect">
-            <a:avLst/>
-          </a:prstGeom>
-          <a:noFill/>
-        </p:spPr>
-        <p:txBody>
-          <a:bodyPr wrap="square" rtlCol="0">
-            <a:spAutoFit/>
-          </a:bodyPr>
-          <a:lstStyle/>
-          <a:p>
-            <a:r>
-              <a:rPr lang="en-US" dirty="0"/>
-              <a:t>23% change</a:t>
-            </a:r>
-          </a:p>
-        </p:txBody>
-      </p:sp>
     </p:spTree>
     <p:extLst>
       <p:ext uri="{BB962C8B-B14F-4D97-AF65-F5344CB8AC3E}">
-        <p14:creationId xmlns:p14="http://schemas.microsoft.com/office/powerpoint/2010/main" val="2297211554"/>
+        <p14:creationId xmlns:p14="http://schemas.microsoft.com/office/powerpoint/2010/main" val="426382954"/>
       </p:ext>
     </p:extLst>
   </p:cSld>
@@ -4316,7 +4277,7 @@
           <p:cNvPr id="2" name="Title 1">
             <a:extLst>
               <a:ext uri="{FF2B5EF4-FFF2-40B4-BE49-F238E27FC236}">
-                <a16:creationId xmlns:a16="http://schemas.microsoft.com/office/drawing/2014/main" id="{20316F74-5707-0072-AC24-A39A48A8338A}"/>
+                <a16:creationId xmlns:a16="http://schemas.microsoft.com/office/drawing/2014/main" id="{2C7D392F-DF17-99C5-5F85-AB8D19FD6D03}"/>
               </a:ext>
             </a:extLst>
           </p:cNvPr>
@@ -4332,16 +4293,19 @@
           <a:bodyPr/>
           <a:lstStyle/>
           <a:p>
-            <a:endParaRPr lang="en-US"/>
+            <a:r>
+              <a:rPr lang="en-US" dirty="0"/>
+              <a:t>445 Nominal</a:t>
+            </a:r>
           </a:p>
         </p:txBody>
       </p:sp>
       <p:pic>
         <p:nvPicPr>
-          <p:cNvPr id="5" name="Content Placeholder 4">
-            <a:extLst>
-              <a:ext uri="{FF2B5EF4-FFF2-40B4-BE49-F238E27FC236}">
-                <a16:creationId xmlns:a16="http://schemas.microsoft.com/office/drawing/2014/main" id="{3F854906-F03F-540F-A865-A4AE0AE12280}"/>
+          <p:cNvPr id="8" name="Content Placeholder 7">
+            <a:extLst>
+              <a:ext uri="{FF2B5EF4-FFF2-40B4-BE49-F238E27FC236}">
+                <a16:creationId xmlns:a16="http://schemas.microsoft.com/office/drawing/2014/main" id="{2E268683-E552-40BD-F0D2-A334ADA8AA06}"/>
               </a:ext>
             </a:extLst>
           </p:cNvPr>
@@ -4360,15 +4324,89 @@
         </p:blipFill>
         <p:spPr>
           <a:xfrm>
-            <a:off x="2424425" y="1825625"/>
-            <a:ext cx="7343149" cy="4351338"/>
+            <a:off x="3242864" y="1848343"/>
+            <a:ext cx="5706271" cy="4305901"/>
           </a:xfrm>
         </p:spPr>
       </p:pic>
+      <p:sp>
+        <p:nvSpPr>
+          <p:cNvPr id="9" name="TextBox 8">
+            <a:extLst>
+              <a:ext uri="{FF2B5EF4-FFF2-40B4-BE49-F238E27FC236}">
+                <a16:creationId xmlns:a16="http://schemas.microsoft.com/office/drawing/2014/main" id="{E040DDFE-07E1-B214-D8F2-DE32E4E53079}"/>
+              </a:ext>
+            </a:extLst>
+          </p:cNvPr>
+          <p:cNvSpPr txBox="1"/>
+          <p:nvPr/>
+        </p:nvSpPr>
+        <p:spPr>
+          <a:xfrm>
+            <a:off x="8877300" y="4153479"/>
+            <a:ext cx="2314575" cy="369332"/>
+          </a:xfrm>
+          <a:prstGeom prst="rect">
+            <a:avLst/>
+          </a:prstGeom>
+          <a:noFill/>
+        </p:spPr>
+        <p:txBody>
+          <a:bodyPr wrap="square" rtlCol="0">
+            <a:spAutoFit/>
+          </a:bodyPr>
+          <a:lstStyle/>
+          <a:p>
+            <a:r>
+              <a:rPr lang="en-US" dirty="0"/>
+              <a:t>Area = 0.238</a:t>
+            </a:r>
+          </a:p>
+        </p:txBody>
+      </p:sp>
+      <p:cxnSp>
+        <p:nvCxnSpPr>
+          <p:cNvPr id="11" name="Straight Arrow Connector 10">
+            <a:extLst>
+              <a:ext uri="{FF2B5EF4-FFF2-40B4-BE49-F238E27FC236}">
+                <a16:creationId xmlns:a16="http://schemas.microsoft.com/office/drawing/2014/main" id="{1D29A02E-005A-866A-E47C-AE60056F0C26}"/>
+              </a:ext>
+            </a:extLst>
+          </p:cNvPr>
+          <p:cNvCxnSpPr/>
+          <p:nvPr/>
+        </p:nvCxnSpPr>
+        <p:spPr>
+          <a:xfrm flipH="1">
+            <a:off x="7581900" y="4495800"/>
+            <a:ext cx="1367235" cy="981075"/>
+          </a:xfrm>
+          <a:prstGeom prst="straightConnector1">
+            <a:avLst/>
+          </a:prstGeom>
+          <a:ln w="76200">
+            <a:tailEnd type="triangle"/>
+          </a:ln>
+        </p:spPr>
+        <p:style>
+          <a:lnRef idx="2">
+            <a:schemeClr val="accent1"/>
+          </a:lnRef>
+          <a:fillRef idx="0">
+            <a:schemeClr val="accent1"/>
+          </a:fillRef>
+          <a:effectRef idx="1">
+            <a:schemeClr val="accent1"/>
+          </a:effectRef>
+          <a:fontRef idx="minor">
+            <a:schemeClr val="tx1"/>
+          </a:fontRef>
+        </p:style>
+      </p:cxnSp>
     </p:spTree>
     <p:extLst>
       <p:ext uri="{BB962C8B-B14F-4D97-AF65-F5344CB8AC3E}">
-        <p14:creationId xmlns:p14="http://schemas.microsoft.com/office/powerpoint/2010/main" val="3169876064"/>
+        <p14:creationId xmlns:p14="http://schemas.microsoft.com/office/powerpoint/2010/main" val="4094239124"/>
       </p:ext>
     </p:extLst>
   </p:cSld>
@@ -4400,7 +4438,7 @@
           <p:cNvPr id="2" name="Title 1">
             <a:extLst>
               <a:ext uri="{FF2B5EF4-FFF2-40B4-BE49-F238E27FC236}">
-                <a16:creationId xmlns:a16="http://schemas.microsoft.com/office/drawing/2014/main" id="{988C20F9-28F7-E0CC-870C-310A7C8B0B1E}"/>
+                <a16:creationId xmlns:a16="http://schemas.microsoft.com/office/drawing/2014/main" id="{3F21DF33-8E9F-8AA5-E621-08C01723E004}"/>
               </a:ext>
             </a:extLst>
           </p:cNvPr>
@@ -4416,16 +4454,91 @@
           <a:bodyPr/>
           <a:lstStyle/>
           <a:p>
-            <a:endParaRPr lang="en-US"/>
+            <a:r>
+              <a:rPr lang="en-US" dirty="0"/>
+              <a:t>445 Shift</a:t>
+            </a:r>
+          </a:p>
+        </p:txBody>
+      </p:sp>
+      <p:sp>
+        <p:nvSpPr>
+          <p:cNvPr id="3" name="Text Placeholder 2">
+            <a:extLst>
+              <a:ext uri="{FF2B5EF4-FFF2-40B4-BE49-F238E27FC236}">
+                <a16:creationId xmlns:a16="http://schemas.microsoft.com/office/drawing/2014/main" id="{36739B9D-E563-8BA3-70BC-BDD0FA9516FB}"/>
+              </a:ext>
+            </a:extLst>
+          </p:cNvPr>
+          <p:cNvSpPr>
+            <a:spLocks noGrp="1"/>
+          </p:cNvSpPr>
+          <p:nvPr>
+            <p:ph type="body" idx="1"/>
+          </p:nvPr>
+        </p:nvSpPr>
+        <p:spPr/>
+        <p:txBody>
+          <a:bodyPr>
+            <a:normAutofit lnSpcReduction="10000"/>
+          </a:bodyPr>
+          <a:lstStyle/>
+          <a:p>
+            <a:r>
+              <a:rPr lang="en-US" dirty="0"/>
+              <a:t>445 + 10nm</a:t>
+            </a:r>
+          </a:p>
+          <a:p>
+            <a:r>
+              <a:rPr lang="en-US" dirty="0"/>
+              <a:t>Filter – 3nm</a:t>
+            </a:r>
+          </a:p>
+        </p:txBody>
+      </p:sp>
+      <p:sp>
+        <p:nvSpPr>
+          <p:cNvPr id="5" name="Text Placeholder 4">
+            <a:extLst>
+              <a:ext uri="{FF2B5EF4-FFF2-40B4-BE49-F238E27FC236}">
+                <a16:creationId xmlns:a16="http://schemas.microsoft.com/office/drawing/2014/main" id="{36FE1055-AF86-64B3-6320-11769A487D83}"/>
+              </a:ext>
+            </a:extLst>
+          </p:cNvPr>
+          <p:cNvSpPr>
+            <a:spLocks noGrp="1"/>
+          </p:cNvSpPr>
+          <p:nvPr>
+            <p:ph type="body" sz="quarter" idx="3"/>
+          </p:nvPr>
+        </p:nvSpPr>
+        <p:spPr/>
+        <p:txBody>
+          <a:bodyPr>
+            <a:normAutofit lnSpcReduction="10000"/>
+          </a:bodyPr>
+          <a:lstStyle/>
+          <a:p>
+            <a:r>
+              <a:rPr lang="en-US" dirty="0"/>
+              <a:t>445 – 10nm</a:t>
+            </a:r>
+          </a:p>
+          <a:p>
+            <a:r>
+              <a:rPr lang="en-US" dirty="0"/>
+              <a:t>Filter + 3nm</a:t>
+            </a:r>
           </a:p>
         </p:txBody>
       </p:sp>
       <p:pic>
         <p:nvPicPr>
-          <p:cNvPr id="5" name="Content Placeholder 4">
-            <a:extLst>
-              <a:ext uri="{FF2B5EF4-FFF2-40B4-BE49-F238E27FC236}">
-                <a16:creationId xmlns:a16="http://schemas.microsoft.com/office/drawing/2014/main" id="{2F161C62-20EB-6E87-7F62-B1DFE8108D95}"/>
+          <p:cNvPr id="12" name="Content Placeholder 11">
+            <a:extLst>
+              <a:ext uri="{FF2B5EF4-FFF2-40B4-BE49-F238E27FC236}">
+                <a16:creationId xmlns:a16="http://schemas.microsoft.com/office/drawing/2014/main" id="{909FB018-8D1C-5A26-DD95-98A8465FCF42}"/>
               </a:ext>
             </a:extLst>
           </p:cNvPr>
@@ -4433,7 +4546,7 @@
             <a:picLocks noGrp="1" noChangeAspect="1"/>
           </p:cNvPicPr>
           <p:nvPr>
-            <p:ph idx="1"/>
+            <p:ph sz="quarter" idx="4"/>
           </p:nvPr>
         </p:nvPicPr>
         <p:blipFill>
@@ -4444,17 +4557,46 @@
         </p:blipFill>
         <p:spPr>
           <a:xfrm>
-            <a:off x="3290631" y="1825625"/>
-            <a:ext cx="5610737" cy="4351338"/>
+            <a:off x="6324871" y="2505075"/>
+            <a:ext cx="4877845" cy="3684588"/>
           </a:xfrm>
         </p:spPr>
       </p:pic>
-      <p:sp>
-        <p:nvSpPr>
-          <p:cNvPr id="6" name="TextBox 5">
-            <a:extLst>
-              <a:ext uri="{FF2B5EF4-FFF2-40B4-BE49-F238E27FC236}">
-                <a16:creationId xmlns:a16="http://schemas.microsoft.com/office/drawing/2014/main" id="{05F3C280-0676-B0BC-2988-10EB447992BA}"/>
+      <p:pic>
+        <p:nvPicPr>
+          <p:cNvPr id="16" name="Content Placeholder 15">
+            <a:extLst>
+              <a:ext uri="{FF2B5EF4-FFF2-40B4-BE49-F238E27FC236}">
+                <a16:creationId xmlns:a16="http://schemas.microsoft.com/office/drawing/2014/main" id="{63AEE8E8-5140-4E87-9A9B-231A26A948F3}"/>
+              </a:ext>
+            </a:extLst>
+          </p:cNvPr>
+          <p:cNvPicPr>
+            <a:picLocks noGrp="1" noChangeAspect="1"/>
+          </p:cNvPicPr>
+          <p:nvPr>
+            <p:ph sz="half" idx="2"/>
+          </p:nvPr>
+        </p:nvPicPr>
+        <p:blipFill>
+          <a:blip r:embed="rId3"/>
+          <a:stretch>
+            <a:fillRect/>
+          </a:stretch>
+        </p:blipFill>
+        <p:spPr>
+          <a:xfrm>
+            <a:off x="979759" y="2505075"/>
+            <a:ext cx="4877845" cy="3684588"/>
+          </a:xfrm>
+        </p:spPr>
+      </p:pic>
+      <p:sp>
+        <p:nvSpPr>
+          <p:cNvPr id="17" name="TextBox 16">
+            <a:extLst>
+              <a:ext uri="{FF2B5EF4-FFF2-40B4-BE49-F238E27FC236}">
+                <a16:creationId xmlns:a16="http://schemas.microsoft.com/office/drawing/2014/main" id="{609853A0-6919-63DF-AF45-357452B42183}"/>
               </a:ext>
             </a:extLst>
           </p:cNvPr>
@@ -4463,8 +4605,8 @@
         </p:nvSpPr>
         <p:spPr>
           <a:xfrm>
-            <a:off x="9549517" y="3267986"/>
-            <a:ext cx="2642483" cy="369332"/>
+            <a:off x="10606087" y="6446333"/>
+            <a:ext cx="2314575" cy="369332"/>
           </a:xfrm>
           <a:prstGeom prst="rect">
             <a:avLst/>
@@ -4479,15 +4621,132 @@
           <a:p>
             <a:r>
               <a:rPr lang="en-US" dirty="0"/>
-              <a:t>A = 986 </a:t>
-            </a:r>
-          </a:p>
-        </p:txBody>
-      </p:sp>
+              <a:t>Area = 0.009</a:t>
+            </a:r>
+          </a:p>
+        </p:txBody>
+      </p:sp>
+      <p:cxnSp>
+        <p:nvCxnSpPr>
+          <p:cNvPr id="18" name="Straight Arrow Connector 17">
+            <a:extLst>
+              <a:ext uri="{FF2B5EF4-FFF2-40B4-BE49-F238E27FC236}">
+                <a16:creationId xmlns:a16="http://schemas.microsoft.com/office/drawing/2014/main" id="{374313EF-CA81-B89B-4600-F4AAE64B40E3}"/>
+              </a:ext>
+            </a:extLst>
+          </p:cNvPr>
+          <p:cNvCxnSpPr>
+            <a:cxnSpLocks/>
+          </p:cNvCxnSpPr>
+          <p:nvPr/>
+        </p:nvCxnSpPr>
+        <p:spPr>
+          <a:xfrm flipH="1" flipV="1">
+            <a:off x="10234612" y="5784328"/>
+            <a:ext cx="585788" cy="477339"/>
+          </a:xfrm>
+          <a:prstGeom prst="straightConnector1">
+            <a:avLst/>
+          </a:prstGeom>
+          <a:ln w="76200">
+            <a:tailEnd type="triangle"/>
+          </a:ln>
+        </p:spPr>
+        <p:style>
+          <a:lnRef idx="2">
+            <a:schemeClr val="accent1"/>
+          </a:lnRef>
+          <a:fillRef idx="0">
+            <a:schemeClr val="accent1"/>
+          </a:fillRef>
+          <a:effectRef idx="1">
+            <a:schemeClr val="accent1"/>
+          </a:effectRef>
+          <a:fontRef idx="minor">
+            <a:schemeClr val="tx1"/>
+          </a:fontRef>
+        </p:style>
+      </p:cxnSp>
+      <p:sp>
+        <p:nvSpPr>
+          <p:cNvPr id="19" name="TextBox 18">
+            <a:extLst>
+              <a:ext uri="{FF2B5EF4-FFF2-40B4-BE49-F238E27FC236}">
+                <a16:creationId xmlns:a16="http://schemas.microsoft.com/office/drawing/2014/main" id="{D50E2E46-2440-03EB-C9B3-FB26ACB44563}"/>
+              </a:ext>
+            </a:extLst>
+          </p:cNvPr>
+          <p:cNvSpPr txBox="1"/>
+          <p:nvPr/>
+        </p:nvSpPr>
+        <p:spPr>
+          <a:xfrm>
+            <a:off x="5279034" y="6261667"/>
+            <a:ext cx="2314575" cy="369332"/>
+          </a:xfrm>
+          <a:prstGeom prst="rect">
+            <a:avLst/>
+          </a:prstGeom>
+          <a:noFill/>
+        </p:spPr>
+        <p:txBody>
+          <a:bodyPr wrap="square" rtlCol="0">
+            <a:spAutoFit/>
+          </a:bodyPr>
+          <a:lstStyle/>
+          <a:p>
+            <a:r>
+              <a:rPr lang="en-US" dirty="0"/>
+              <a:t>Area = 2.51</a:t>
+            </a:r>
+          </a:p>
+        </p:txBody>
+      </p:sp>
+      <p:cxnSp>
+        <p:nvCxnSpPr>
+          <p:cNvPr id="20" name="Straight Arrow Connector 19">
+            <a:extLst>
+              <a:ext uri="{FF2B5EF4-FFF2-40B4-BE49-F238E27FC236}">
+                <a16:creationId xmlns:a16="http://schemas.microsoft.com/office/drawing/2014/main" id="{0BE21F8E-12F5-F8C7-1BFA-982F5A637924}"/>
+              </a:ext>
+            </a:extLst>
+          </p:cNvPr>
+          <p:cNvCxnSpPr>
+            <a:cxnSpLocks/>
+          </p:cNvCxnSpPr>
+          <p:nvPr/>
+        </p:nvCxnSpPr>
+        <p:spPr>
+          <a:xfrm flipH="1" flipV="1">
+            <a:off x="4924425" y="5748327"/>
+            <a:ext cx="640493" cy="513340"/>
+          </a:xfrm>
+          <a:prstGeom prst="straightConnector1">
+            <a:avLst/>
+          </a:prstGeom>
+          <a:ln w="76200">
+            <a:tailEnd type="triangle"/>
+          </a:ln>
+        </p:spPr>
+        <p:style>
+          <a:lnRef idx="2">
+            <a:schemeClr val="accent1"/>
+          </a:lnRef>
+          <a:fillRef idx="0">
+            <a:schemeClr val="accent1"/>
+          </a:fillRef>
+          <a:effectRef idx="1">
+            <a:schemeClr val="accent1"/>
+          </a:effectRef>
+          <a:fontRef idx="minor">
+            <a:schemeClr val="tx1"/>
+          </a:fontRef>
+        </p:style>
+      </p:cxnSp>
     </p:spTree>
     <p:extLst>
       <p:ext uri="{BB962C8B-B14F-4D97-AF65-F5344CB8AC3E}">
-        <p14:creationId xmlns:p14="http://schemas.microsoft.com/office/powerpoint/2010/main" val="2928962146"/>
+        <p14:creationId xmlns:p14="http://schemas.microsoft.com/office/powerpoint/2010/main" val="2681168506"/>
       </p:ext>
     </p:extLst>
   </p:cSld>

--- a/analysis/fluorimeter/fluoroStack/fluoroStackTolerance.pptx
+++ b/analysis/fluorimeter/fluoroStack/fluoroStackTolerance.pptx
@@ -14,6 +14,10 @@
     <p:sldId id="260" r:id="rId8"/>
     <p:sldId id="262" r:id="rId9"/>
     <p:sldId id="267" r:id="rId10"/>
+    <p:sldId id="268" r:id="rId11"/>
+    <p:sldId id="269" r:id="rId12"/>
+    <p:sldId id="270" r:id="rId13"/>
+    <p:sldId id="271" r:id="rId14"/>
   </p:sldIdLst>
   <p:sldSz cx="12192000" cy="6858000"/>
   <p:notesSz cx="6858000" cy="9144000"/>
@@ -267,7 +271,7 @@
           <a:p>
             <a:fld id="{584D29B9-D5D8-4B16-8C81-96F134DE5073}" type="datetimeFigureOut">
               <a:rPr lang="en-US" smtClean="0"/>
-              <a:t>6/26/2024</a:t>
+              <a:t>6/27/2024</a:t>
             </a:fld>
             <a:endParaRPr lang="en-US"/>
           </a:p>
@@ -465,7 +469,7 @@
           <a:p>
             <a:fld id="{584D29B9-D5D8-4B16-8C81-96F134DE5073}" type="datetimeFigureOut">
               <a:rPr lang="en-US" smtClean="0"/>
-              <a:t>6/26/2024</a:t>
+              <a:t>6/27/2024</a:t>
             </a:fld>
             <a:endParaRPr lang="en-US"/>
           </a:p>
@@ -673,7 +677,7 @@
           <a:p>
             <a:fld id="{584D29B9-D5D8-4B16-8C81-96F134DE5073}" type="datetimeFigureOut">
               <a:rPr lang="en-US" smtClean="0"/>
-              <a:t>6/26/2024</a:t>
+              <a:t>6/27/2024</a:t>
             </a:fld>
             <a:endParaRPr lang="en-US"/>
           </a:p>
@@ -871,7 +875,7 @@
           <a:p>
             <a:fld id="{584D29B9-D5D8-4B16-8C81-96F134DE5073}" type="datetimeFigureOut">
               <a:rPr lang="en-US" smtClean="0"/>
-              <a:t>6/26/2024</a:t>
+              <a:t>6/27/2024</a:t>
             </a:fld>
             <a:endParaRPr lang="en-US"/>
           </a:p>
@@ -1146,7 +1150,7 @@
           <a:p>
             <a:fld id="{584D29B9-D5D8-4B16-8C81-96F134DE5073}" type="datetimeFigureOut">
               <a:rPr lang="en-US" smtClean="0"/>
-              <a:t>6/26/2024</a:t>
+              <a:t>6/27/2024</a:t>
             </a:fld>
             <a:endParaRPr lang="en-US"/>
           </a:p>
@@ -1411,7 +1415,7 @@
           <a:p>
             <a:fld id="{584D29B9-D5D8-4B16-8C81-96F134DE5073}" type="datetimeFigureOut">
               <a:rPr lang="en-US" smtClean="0"/>
-              <a:t>6/26/2024</a:t>
+              <a:t>6/27/2024</a:t>
             </a:fld>
             <a:endParaRPr lang="en-US"/>
           </a:p>
@@ -1823,7 +1827,7 @@
           <a:p>
             <a:fld id="{584D29B9-D5D8-4B16-8C81-96F134DE5073}" type="datetimeFigureOut">
               <a:rPr lang="en-US" smtClean="0"/>
-              <a:t>6/26/2024</a:t>
+              <a:t>6/27/2024</a:t>
             </a:fld>
             <a:endParaRPr lang="en-US"/>
           </a:p>
@@ -1964,7 +1968,7 @@
           <a:p>
             <a:fld id="{584D29B9-D5D8-4B16-8C81-96F134DE5073}" type="datetimeFigureOut">
               <a:rPr lang="en-US" smtClean="0"/>
-              <a:t>6/26/2024</a:t>
+              <a:t>6/27/2024</a:t>
             </a:fld>
             <a:endParaRPr lang="en-US"/>
           </a:p>
@@ -2077,7 +2081,7 @@
           <a:p>
             <a:fld id="{584D29B9-D5D8-4B16-8C81-96F134DE5073}" type="datetimeFigureOut">
               <a:rPr lang="en-US" smtClean="0"/>
-              <a:t>6/26/2024</a:t>
+              <a:t>6/27/2024</a:t>
             </a:fld>
             <a:endParaRPr lang="en-US"/>
           </a:p>
@@ -2388,7 +2392,7 @@
           <a:p>
             <a:fld id="{584D29B9-D5D8-4B16-8C81-96F134DE5073}" type="datetimeFigureOut">
               <a:rPr lang="en-US" smtClean="0"/>
-              <a:t>6/26/2024</a:t>
+              <a:t>6/27/2024</a:t>
             </a:fld>
             <a:endParaRPr lang="en-US"/>
           </a:p>
@@ -2676,7 +2680,7 @@
           <a:p>
             <a:fld id="{584D29B9-D5D8-4B16-8C81-96F134DE5073}" type="datetimeFigureOut">
               <a:rPr lang="en-US" smtClean="0"/>
-              <a:t>6/26/2024</a:t>
+              <a:t>6/27/2024</a:t>
             </a:fld>
             <a:endParaRPr lang="en-US"/>
           </a:p>
@@ -2917,7 +2921,7 @@
           <a:p>
             <a:fld id="{584D29B9-D5D8-4B16-8C81-96F134DE5073}" type="datetimeFigureOut">
               <a:rPr lang="en-US" smtClean="0"/>
-              <a:t>6/26/2024</a:t>
+              <a:t>6/27/2024</a:t>
             </a:fld>
             <a:endParaRPr lang="en-US"/>
           </a:p>
@@ -3404,6 +3408,1012 @@
 </p:sld>
 </file>
 
+<file path=ppt/slides/slide10.xml><?xml version="1.0" encoding="utf-8"?>
+<p:sld xmlns:a="http://schemas.openxmlformats.org/drawingml/2006/main" xmlns:r="http://schemas.openxmlformats.org/officeDocument/2006/relationships" xmlns:p="http://schemas.openxmlformats.org/presentationml/2006/main">
+  <p:cSld>
+    <p:spTree>
+      <p:nvGrpSpPr>
+        <p:cNvPr id="1" name=""/>
+        <p:cNvGrpSpPr/>
+        <p:nvPr/>
+      </p:nvGrpSpPr>
+      <p:grpSpPr>
+        <a:xfrm>
+          <a:off x="0" y="0"/>
+          <a:ext cx="0" cy="0"/>
+          <a:chOff x="0" y="0"/>
+          <a:chExt cx="0" cy="0"/>
+        </a:xfrm>
+      </p:grpSpPr>
+      <p:sp>
+        <p:nvSpPr>
+          <p:cNvPr id="2" name="Title 1">
+            <a:extLst>
+              <a:ext uri="{FF2B5EF4-FFF2-40B4-BE49-F238E27FC236}">
+                <a16:creationId xmlns:a16="http://schemas.microsoft.com/office/drawing/2014/main" id="{2C7D392F-DF17-99C5-5F85-AB8D19FD6D03}"/>
+              </a:ext>
+            </a:extLst>
+          </p:cNvPr>
+          <p:cNvSpPr>
+            <a:spLocks noGrp="1"/>
+          </p:cNvSpPr>
+          <p:nvPr>
+            <p:ph type="title"/>
+          </p:nvPr>
+        </p:nvSpPr>
+        <p:spPr/>
+        <p:txBody>
+          <a:bodyPr/>
+          <a:lstStyle/>
+          <a:p>
+            <a:r>
+              <a:rPr lang="en-US" dirty="0"/>
+              <a:t>480 Nominal</a:t>
+            </a:r>
+          </a:p>
+        </p:txBody>
+      </p:sp>
+      <p:sp>
+        <p:nvSpPr>
+          <p:cNvPr id="9" name="TextBox 8">
+            <a:extLst>
+              <a:ext uri="{FF2B5EF4-FFF2-40B4-BE49-F238E27FC236}">
+                <a16:creationId xmlns:a16="http://schemas.microsoft.com/office/drawing/2014/main" id="{E040DDFE-07E1-B214-D8F2-DE32E4E53079}"/>
+              </a:ext>
+            </a:extLst>
+          </p:cNvPr>
+          <p:cNvSpPr txBox="1"/>
+          <p:nvPr/>
+        </p:nvSpPr>
+        <p:spPr>
+          <a:xfrm>
+            <a:off x="9377361" y="3501018"/>
+            <a:ext cx="2314575" cy="369332"/>
+          </a:xfrm>
+          <a:prstGeom prst="rect">
+            <a:avLst/>
+          </a:prstGeom>
+          <a:noFill/>
+        </p:spPr>
+        <p:txBody>
+          <a:bodyPr wrap="square" rtlCol="0">
+            <a:spAutoFit/>
+          </a:bodyPr>
+          <a:lstStyle/>
+          <a:p>
+            <a:r>
+              <a:rPr lang="en-US" dirty="0"/>
+              <a:t>Area = 0.60</a:t>
+            </a:r>
+          </a:p>
+        </p:txBody>
+      </p:sp>
+      <p:pic>
+        <p:nvPicPr>
+          <p:cNvPr id="6" name="Content Placeholder 5">
+            <a:extLst>
+              <a:ext uri="{FF2B5EF4-FFF2-40B4-BE49-F238E27FC236}">
+                <a16:creationId xmlns:a16="http://schemas.microsoft.com/office/drawing/2014/main" id="{24AF6FEB-84AD-64FB-86CB-F268AAEA533E}"/>
+              </a:ext>
+            </a:extLst>
+          </p:cNvPr>
+          <p:cNvPicPr>
+            <a:picLocks noGrp="1" noChangeAspect="1"/>
+          </p:cNvPicPr>
+          <p:nvPr>
+            <p:ph idx="1"/>
+          </p:nvPr>
+        </p:nvPicPr>
+        <p:blipFill>
+          <a:blip r:embed="rId2"/>
+          <a:stretch>
+            <a:fillRect/>
+          </a:stretch>
+        </p:blipFill>
+        <p:spPr>
+          <a:xfrm>
+            <a:off x="3261917" y="1834054"/>
+            <a:ext cx="5668166" cy="4334480"/>
+          </a:xfrm>
+        </p:spPr>
+      </p:pic>
+      <p:cxnSp>
+        <p:nvCxnSpPr>
+          <p:cNvPr id="7" name="Straight Arrow Connector 6">
+            <a:extLst>
+              <a:ext uri="{FF2B5EF4-FFF2-40B4-BE49-F238E27FC236}">
+                <a16:creationId xmlns:a16="http://schemas.microsoft.com/office/drawing/2014/main" id="{1D29A02E-005A-866A-E47C-AE60056F0C26}"/>
+              </a:ext>
+            </a:extLst>
+          </p:cNvPr>
+          <p:cNvCxnSpPr>
+            <a:cxnSpLocks/>
+          </p:cNvCxnSpPr>
+          <p:nvPr/>
+        </p:nvCxnSpPr>
+        <p:spPr>
+          <a:xfrm flipH="1">
+            <a:off x="7067550" y="3829050"/>
+            <a:ext cx="2309811" cy="814966"/>
+          </a:xfrm>
+          <a:prstGeom prst="straightConnector1">
+            <a:avLst/>
+          </a:prstGeom>
+          <a:ln w="76200">
+            <a:tailEnd type="triangle"/>
+          </a:ln>
+        </p:spPr>
+        <p:style>
+          <a:lnRef idx="2">
+            <a:schemeClr val="accent1"/>
+          </a:lnRef>
+          <a:fillRef idx="0">
+            <a:schemeClr val="accent1"/>
+          </a:fillRef>
+          <a:effectRef idx="1">
+            <a:schemeClr val="accent1"/>
+          </a:effectRef>
+          <a:fontRef idx="minor">
+            <a:schemeClr val="tx1"/>
+          </a:fontRef>
+        </p:style>
+      </p:cxnSp>
+    </p:spTree>
+    <p:extLst>
+      <p:ext uri="{BB962C8B-B14F-4D97-AF65-F5344CB8AC3E}">
+        <p14:creationId xmlns:p14="http://schemas.microsoft.com/office/powerpoint/2010/main" val="832977472"/>
+      </p:ext>
+    </p:extLst>
+  </p:cSld>
+  <p:clrMapOvr>
+    <a:masterClrMapping/>
+  </p:clrMapOvr>
+</p:sld>
+</file>
+
+<file path=ppt/slides/slide11.xml><?xml version="1.0" encoding="utf-8"?>
+<p:sld xmlns:a="http://schemas.openxmlformats.org/drawingml/2006/main" xmlns:r="http://schemas.openxmlformats.org/officeDocument/2006/relationships" xmlns:p="http://schemas.openxmlformats.org/presentationml/2006/main">
+  <p:cSld>
+    <p:spTree>
+      <p:nvGrpSpPr>
+        <p:cNvPr id="1" name=""/>
+        <p:cNvGrpSpPr/>
+        <p:nvPr/>
+      </p:nvGrpSpPr>
+      <p:grpSpPr>
+        <a:xfrm>
+          <a:off x="0" y="0"/>
+          <a:ext cx="0" cy="0"/>
+          <a:chOff x="0" y="0"/>
+          <a:chExt cx="0" cy="0"/>
+        </a:xfrm>
+      </p:grpSpPr>
+      <p:sp>
+        <p:nvSpPr>
+          <p:cNvPr id="2" name="Title 1">
+            <a:extLst>
+              <a:ext uri="{FF2B5EF4-FFF2-40B4-BE49-F238E27FC236}">
+                <a16:creationId xmlns:a16="http://schemas.microsoft.com/office/drawing/2014/main" id="{3F21DF33-8E9F-8AA5-E621-08C01723E004}"/>
+              </a:ext>
+            </a:extLst>
+          </p:cNvPr>
+          <p:cNvSpPr>
+            <a:spLocks noGrp="1"/>
+          </p:cNvSpPr>
+          <p:nvPr>
+            <p:ph type="title"/>
+          </p:nvPr>
+        </p:nvSpPr>
+        <p:spPr/>
+        <p:txBody>
+          <a:bodyPr/>
+          <a:lstStyle/>
+          <a:p>
+            <a:r>
+              <a:rPr lang="en-US" dirty="0"/>
+              <a:t>480 Shift</a:t>
+            </a:r>
+          </a:p>
+        </p:txBody>
+      </p:sp>
+      <p:sp>
+        <p:nvSpPr>
+          <p:cNvPr id="3" name="Text Placeholder 2">
+            <a:extLst>
+              <a:ext uri="{FF2B5EF4-FFF2-40B4-BE49-F238E27FC236}">
+                <a16:creationId xmlns:a16="http://schemas.microsoft.com/office/drawing/2014/main" id="{36739B9D-E563-8BA3-70BC-BDD0FA9516FB}"/>
+              </a:ext>
+            </a:extLst>
+          </p:cNvPr>
+          <p:cNvSpPr>
+            <a:spLocks noGrp="1"/>
+          </p:cNvSpPr>
+          <p:nvPr>
+            <p:ph type="body" idx="1"/>
+          </p:nvPr>
+        </p:nvSpPr>
+        <p:spPr/>
+        <p:txBody>
+          <a:bodyPr>
+            <a:normAutofit lnSpcReduction="10000"/>
+          </a:bodyPr>
+          <a:lstStyle/>
+          <a:p>
+            <a:r>
+              <a:rPr lang="en-US" dirty="0"/>
+              <a:t>480 + 10nm</a:t>
+            </a:r>
+          </a:p>
+          <a:p>
+            <a:r>
+              <a:rPr lang="en-US" dirty="0"/>
+              <a:t>Filter – 3nm</a:t>
+            </a:r>
+          </a:p>
+        </p:txBody>
+      </p:sp>
+      <p:sp>
+        <p:nvSpPr>
+          <p:cNvPr id="5" name="Text Placeholder 4">
+            <a:extLst>
+              <a:ext uri="{FF2B5EF4-FFF2-40B4-BE49-F238E27FC236}">
+                <a16:creationId xmlns:a16="http://schemas.microsoft.com/office/drawing/2014/main" id="{36FE1055-AF86-64B3-6320-11769A487D83}"/>
+              </a:ext>
+            </a:extLst>
+          </p:cNvPr>
+          <p:cNvSpPr>
+            <a:spLocks noGrp="1"/>
+          </p:cNvSpPr>
+          <p:nvPr>
+            <p:ph type="body" sz="quarter" idx="3"/>
+          </p:nvPr>
+        </p:nvSpPr>
+        <p:spPr/>
+        <p:txBody>
+          <a:bodyPr>
+            <a:normAutofit lnSpcReduction="10000"/>
+          </a:bodyPr>
+          <a:lstStyle/>
+          <a:p>
+            <a:r>
+              <a:rPr lang="en-US" dirty="0"/>
+              <a:t>480 – 10nm</a:t>
+            </a:r>
+          </a:p>
+          <a:p>
+            <a:r>
+              <a:rPr lang="en-US" dirty="0"/>
+              <a:t>Filter + 3nm</a:t>
+            </a:r>
+          </a:p>
+        </p:txBody>
+      </p:sp>
+      <p:sp>
+        <p:nvSpPr>
+          <p:cNvPr id="17" name="TextBox 16">
+            <a:extLst>
+              <a:ext uri="{FF2B5EF4-FFF2-40B4-BE49-F238E27FC236}">
+                <a16:creationId xmlns:a16="http://schemas.microsoft.com/office/drawing/2014/main" id="{609853A0-6919-63DF-AF45-357452B42183}"/>
+              </a:ext>
+            </a:extLst>
+          </p:cNvPr>
+          <p:cNvSpPr txBox="1"/>
+          <p:nvPr/>
+        </p:nvSpPr>
+        <p:spPr>
+          <a:xfrm>
+            <a:off x="9877425" y="6466443"/>
+            <a:ext cx="2314575" cy="369332"/>
+          </a:xfrm>
+          <a:prstGeom prst="rect">
+            <a:avLst/>
+          </a:prstGeom>
+          <a:noFill/>
+        </p:spPr>
+        <p:txBody>
+          <a:bodyPr wrap="square" rtlCol="0">
+            <a:spAutoFit/>
+          </a:bodyPr>
+          <a:lstStyle/>
+          <a:p>
+            <a:r>
+              <a:rPr lang="en-US" dirty="0"/>
+              <a:t>Area = 0.28</a:t>
+            </a:r>
+          </a:p>
+        </p:txBody>
+      </p:sp>
+      <p:sp>
+        <p:nvSpPr>
+          <p:cNvPr id="19" name="TextBox 18">
+            <a:extLst>
+              <a:ext uri="{FF2B5EF4-FFF2-40B4-BE49-F238E27FC236}">
+                <a16:creationId xmlns:a16="http://schemas.microsoft.com/office/drawing/2014/main" id="{D50E2E46-2440-03EB-C9B3-FB26ACB44563}"/>
+              </a:ext>
+            </a:extLst>
+          </p:cNvPr>
+          <p:cNvSpPr txBox="1"/>
+          <p:nvPr/>
+        </p:nvSpPr>
+        <p:spPr>
+          <a:xfrm>
+            <a:off x="4938712" y="6308209"/>
+            <a:ext cx="2314575" cy="369332"/>
+          </a:xfrm>
+          <a:prstGeom prst="rect">
+            <a:avLst/>
+          </a:prstGeom>
+          <a:noFill/>
+        </p:spPr>
+        <p:txBody>
+          <a:bodyPr wrap="square" rtlCol="0">
+            <a:spAutoFit/>
+          </a:bodyPr>
+          <a:lstStyle/>
+          <a:p>
+            <a:r>
+              <a:rPr lang="en-US" dirty="0"/>
+              <a:t>Area = 0.87</a:t>
+            </a:r>
+          </a:p>
+        </p:txBody>
+      </p:sp>
+      <p:pic>
+        <p:nvPicPr>
+          <p:cNvPr id="8" name="Content Placeholder 7">
+            <a:extLst>
+              <a:ext uri="{FF2B5EF4-FFF2-40B4-BE49-F238E27FC236}">
+                <a16:creationId xmlns:a16="http://schemas.microsoft.com/office/drawing/2014/main" id="{3A5D328A-A257-2075-FF10-CC767EA2D795}"/>
+              </a:ext>
+            </a:extLst>
+          </p:cNvPr>
+          <p:cNvPicPr>
+            <a:picLocks noGrp="1" noChangeAspect="1"/>
+          </p:cNvPicPr>
+          <p:nvPr>
+            <p:ph sz="quarter" idx="4"/>
+          </p:nvPr>
+        </p:nvPicPr>
+        <p:blipFill>
+          <a:blip r:embed="rId2"/>
+          <a:stretch>
+            <a:fillRect/>
+          </a:stretch>
+        </p:blipFill>
+        <p:spPr>
+          <a:xfrm>
+            <a:off x="6315377" y="2505075"/>
+            <a:ext cx="4896833" cy="3684588"/>
+          </a:xfrm>
+        </p:spPr>
+      </p:pic>
+      <p:pic>
+        <p:nvPicPr>
+          <p:cNvPr id="13" name="Content Placeholder 12">
+            <a:extLst>
+              <a:ext uri="{FF2B5EF4-FFF2-40B4-BE49-F238E27FC236}">
+                <a16:creationId xmlns:a16="http://schemas.microsoft.com/office/drawing/2014/main" id="{28113666-479B-9A74-E9EB-19FB1DBC6675}"/>
+              </a:ext>
+            </a:extLst>
+          </p:cNvPr>
+          <p:cNvPicPr>
+            <a:picLocks noGrp="1" noChangeAspect="1"/>
+          </p:cNvPicPr>
+          <p:nvPr>
+            <p:ph sz="half" idx="2"/>
+          </p:nvPr>
+        </p:nvPicPr>
+        <p:blipFill>
+          <a:blip r:embed="rId3"/>
+          <a:stretch>
+            <a:fillRect/>
+          </a:stretch>
+        </p:blipFill>
+        <p:spPr>
+          <a:xfrm>
+            <a:off x="1021286" y="2505075"/>
+            <a:ext cx="4794790" cy="3684588"/>
+          </a:xfrm>
+        </p:spPr>
+      </p:pic>
+      <p:cxnSp>
+        <p:nvCxnSpPr>
+          <p:cNvPr id="14" name="Straight Arrow Connector 13">
+            <a:extLst>
+              <a:ext uri="{FF2B5EF4-FFF2-40B4-BE49-F238E27FC236}">
+                <a16:creationId xmlns:a16="http://schemas.microsoft.com/office/drawing/2014/main" id="{0BE21F8E-12F5-F8C7-1BFA-982F5A637924}"/>
+              </a:ext>
+            </a:extLst>
+          </p:cNvPr>
+          <p:cNvCxnSpPr>
+            <a:cxnSpLocks/>
+          </p:cNvCxnSpPr>
+          <p:nvPr/>
+        </p:nvCxnSpPr>
+        <p:spPr>
+          <a:xfrm flipH="1" flipV="1">
+            <a:off x="4429125" y="5546170"/>
+            <a:ext cx="676275" cy="715497"/>
+          </a:xfrm>
+          <a:prstGeom prst="straightConnector1">
+            <a:avLst/>
+          </a:prstGeom>
+          <a:ln w="76200">
+            <a:tailEnd type="triangle"/>
+          </a:ln>
+        </p:spPr>
+        <p:style>
+          <a:lnRef idx="2">
+            <a:schemeClr val="accent1"/>
+          </a:lnRef>
+          <a:fillRef idx="0">
+            <a:schemeClr val="accent1"/>
+          </a:fillRef>
+          <a:effectRef idx="1">
+            <a:schemeClr val="accent1"/>
+          </a:effectRef>
+          <a:fontRef idx="minor">
+            <a:schemeClr val="tx1"/>
+          </a:fontRef>
+        </p:style>
+      </p:cxnSp>
+      <p:cxnSp>
+        <p:nvCxnSpPr>
+          <p:cNvPr id="21" name="Straight Arrow Connector 20">
+            <a:extLst>
+              <a:ext uri="{FF2B5EF4-FFF2-40B4-BE49-F238E27FC236}">
+                <a16:creationId xmlns:a16="http://schemas.microsoft.com/office/drawing/2014/main" id="{374313EF-CA81-B89B-4600-F4AAE64B40E3}"/>
+              </a:ext>
+            </a:extLst>
+          </p:cNvPr>
+          <p:cNvCxnSpPr>
+            <a:cxnSpLocks/>
+          </p:cNvCxnSpPr>
+          <p:nvPr/>
+        </p:nvCxnSpPr>
+        <p:spPr>
+          <a:xfrm flipH="1" flipV="1">
+            <a:off x="9367837" y="5585049"/>
+            <a:ext cx="623888" cy="825276"/>
+          </a:xfrm>
+          <a:prstGeom prst="straightConnector1">
+            <a:avLst/>
+          </a:prstGeom>
+          <a:ln w="76200">
+            <a:tailEnd type="triangle"/>
+          </a:ln>
+        </p:spPr>
+        <p:style>
+          <a:lnRef idx="2">
+            <a:schemeClr val="accent1"/>
+          </a:lnRef>
+          <a:fillRef idx="0">
+            <a:schemeClr val="accent1"/>
+          </a:fillRef>
+          <a:effectRef idx="1">
+            <a:schemeClr val="accent1"/>
+          </a:effectRef>
+          <a:fontRef idx="minor">
+            <a:schemeClr val="tx1"/>
+          </a:fontRef>
+        </p:style>
+      </p:cxnSp>
+    </p:spTree>
+    <p:extLst>
+      <p:ext uri="{BB962C8B-B14F-4D97-AF65-F5344CB8AC3E}">
+        <p14:creationId xmlns:p14="http://schemas.microsoft.com/office/powerpoint/2010/main" val="3815839798"/>
+      </p:ext>
+    </p:extLst>
+  </p:cSld>
+  <p:clrMapOvr>
+    <a:masterClrMapping/>
+  </p:clrMapOvr>
+</p:sld>
+</file>
+
+<file path=ppt/slides/slide12.xml><?xml version="1.0" encoding="utf-8"?>
+<p:sld xmlns:a="http://schemas.openxmlformats.org/drawingml/2006/main" xmlns:r="http://schemas.openxmlformats.org/officeDocument/2006/relationships" xmlns:p="http://schemas.openxmlformats.org/presentationml/2006/main">
+  <p:cSld>
+    <p:spTree>
+      <p:nvGrpSpPr>
+        <p:cNvPr id="1" name=""/>
+        <p:cNvGrpSpPr/>
+        <p:nvPr/>
+      </p:nvGrpSpPr>
+      <p:grpSpPr>
+        <a:xfrm>
+          <a:off x="0" y="0"/>
+          <a:ext cx="0" cy="0"/>
+          <a:chOff x="0" y="0"/>
+          <a:chExt cx="0" cy="0"/>
+        </a:xfrm>
+      </p:grpSpPr>
+      <p:sp>
+        <p:nvSpPr>
+          <p:cNvPr id="2" name="Title 1">
+            <a:extLst>
+              <a:ext uri="{FF2B5EF4-FFF2-40B4-BE49-F238E27FC236}">
+                <a16:creationId xmlns:a16="http://schemas.microsoft.com/office/drawing/2014/main" id="{2C7D392F-DF17-99C5-5F85-AB8D19FD6D03}"/>
+              </a:ext>
+            </a:extLst>
+          </p:cNvPr>
+          <p:cNvSpPr>
+            <a:spLocks noGrp="1"/>
+          </p:cNvSpPr>
+          <p:nvPr>
+            <p:ph type="title"/>
+          </p:nvPr>
+        </p:nvSpPr>
+        <p:spPr/>
+        <p:txBody>
+          <a:bodyPr/>
+          <a:lstStyle/>
+          <a:p>
+            <a:r>
+              <a:rPr lang="en-US" dirty="0"/>
+              <a:t>515 Nominal</a:t>
+            </a:r>
+          </a:p>
+        </p:txBody>
+      </p:sp>
+      <p:sp>
+        <p:nvSpPr>
+          <p:cNvPr id="9" name="TextBox 8">
+            <a:extLst>
+              <a:ext uri="{FF2B5EF4-FFF2-40B4-BE49-F238E27FC236}">
+                <a16:creationId xmlns:a16="http://schemas.microsoft.com/office/drawing/2014/main" id="{E040DDFE-07E1-B214-D8F2-DE32E4E53079}"/>
+              </a:ext>
+            </a:extLst>
+          </p:cNvPr>
+          <p:cNvSpPr txBox="1"/>
+          <p:nvPr/>
+        </p:nvSpPr>
+        <p:spPr>
+          <a:xfrm>
+            <a:off x="9377361" y="3501018"/>
+            <a:ext cx="2314575" cy="369332"/>
+          </a:xfrm>
+          <a:prstGeom prst="rect">
+            <a:avLst/>
+          </a:prstGeom>
+          <a:noFill/>
+        </p:spPr>
+        <p:txBody>
+          <a:bodyPr wrap="square" rtlCol="0">
+            <a:spAutoFit/>
+          </a:bodyPr>
+          <a:lstStyle/>
+          <a:p>
+            <a:r>
+              <a:rPr lang="en-US" dirty="0"/>
+              <a:t>Area = 0.991</a:t>
+            </a:r>
+          </a:p>
+        </p:txBody>
+      </p:sp>
+      <p:pic>
+        <p:nvPicPr>
+          <p:cNvPr id="8" name="Content Placeholder 7">
+            <a:extLst>
+              <a:ext uri="{FF2B5EF4-FFF2-40B4-BE49-F238E27FC236}">
+                <a16:creationId xmlns:a16="http://schemas.microsoft.com/office/drawing/2014/main" id="{AEA2CEB5-DB75-18FB-B3A1-2AD5E57535FA}"/>
+              </a:ext>
+            </a:extLst>
+          </p:cNvPr>
+          <p:cNvPicPr>
+            <a:picLocks noGrp="1" noChangeAspect="1"/>
+          </p:cNvPicPr>
+          <p:nvPr>
+            <p:ph idx="1"/>
+          </p:nvPr>
+        </p:nvPicPr>
+        <p:blipFill>
+          <a:blip r:embed="rId2"/>
+          <a:stretch>
+            <a:fillRect/>
+          </a:stretch>
+        </p:blipFill>
+        <p:spPr>
+          <a:xfrm>
+            <a:off x="3258171" y="1825625"/>
+            <a:ext cx="5675658" cy="4351338"/>
+          </a:xfrm>
+        </p:spPr>
+      </p:pic>
+      <p:cxnSp>
+        <p:nvCxnSpPr>
+          <p:cNvPr id="10" name="Straight Arrow Connector 9">
+            <a:extLst>
+              <a:ext uri="{FF2B5EF4-FFF2-40B4-BE49-F238E27FC236}">
+                <a16:creationId xmlns:a16="http://schemas.microsoft.com/office/drawing/2014/main" id="{1D29A02E-005A-866A-E47C-AE60056F0C26}"/>
+              </a:ext>
+            </a:extLst>
+          </p:cNvPr>
+          <p:cNvCxnSpPr>
+            <a:cxnSpLocks/>
+          </p:cNvCxnSpPr>
+          <p:nvPr/>
+        </p:nvCxnSpPr>
+        <p:spPr>
+          <a:xfrm flipH="1">
+            <a:off x="7067550" y="3829050"/>
+            <a:ext cx="2309811" cy="814966"/>
+          </a:xfrm>
+          <a:prstGeom prst="straightConnector1">
+            <a:avLst/>
+          </a:prstGeom>
+          <a:ln w="76200">
+            <a:tailEnd type="triangle"/>
+          </a:ln>
+        </p:spPr>
+        <p:style>
+          <a:lnRef idx="2">
+            <a:schemeClr val="accent1"/>
+          </a:lnRef>
+          <a:fillRef idx="0">
+            <a:schemeClr val="accent1"/>
+          </a:fillRef>
+          <a:effectRef idx="1">
+            <a:schemeClr val="accent1"/>
+          </a:effectRef>
+          <a:fontRef idx="minor">
+            <a:schemeClr val="tx1"/>
+          </a:fontRef>
+        </p:style>
+      </p:cxnSp>
+    </p:spTree>
+    <p:extLst>
+      <p:ext uri="{BB962C8B-B14F-4D97-AF65-F5344CB8AC3E}">
+        <p14:creationId xmlns:p14="http://schemas.microsoft.com/office/powerpoint/2010/main" val="454534016"/>
+      </p:ext>
+    </p:extLst>
+  </p:cSld>
+  <p:clrMapOvr>
+    <a:masterClrMapping/>
+  </p:clrMapOvr>
+</p:sld>
+</file>
+
+<file path=ppt/slides/slide13.xml><?xml version="1.0" encoding="utf-8"?>
+<p:sld xmlns:a="http://schemas.openxmlformats.org/drawingml/2006/main" xmlns:r="http://schemas.openxmlformats.org/officeDocument/2006/relationships" xmlns:p="http://schemas.openxmlformats.org/presentationml/2006/main">
+  <p:cSld>
+    <p:spTree>
+      <p:nvGrpSpPr>
+        <p:cNvPr id="1" name=""/>
+        <p:cNvGrpSpPr/>
+        <p:nvPr/>
+      </p:nvGrpSpPr>
+      <p:grpSpPr>
+        <a:xfrm>
+          <a:off x="0" y="0"/>
+          <a:ext cx="0" cy="0"/>
+          <a:chOff x="0" y="0"/>
+          <a:chExt cx="0" cy="0"/>
+        </a:xfrm>
+      </p:grpSpPr>
+      <p:sp>
+        <p:nvSpPr>
+          <p:cNvPr id="2" name="Title 1">
+            <a:extLst>
+              <a:ext uri="{FF2B5EF4-FFF2-40B4-BE49-F238E27FC236}">
+                <a16:creationId xmlns:a16="http://schemas.microsoft.com/office/drawing/2014/main" id="{3F21DF33-8E9F-8AA5-E621-08C01723E004}"/>
+              </a:ext>
+            </a:extLst>
+          </p:cNvPr>
+          <p:cNvSpPr>
+            <a:spLocks noGrp="1"/>
+          </p:cNvSpPr>
+          <p:nvPr>
+            <p:ph type="title"/>
+          </p:nvPr>
+        </p:nvSpPr>
+        <p:spPr/>
+        <p:txBody>
+          <a:bodyPr/>
+          <a:lstStyle/>
+          <a:p>
+            <a:r>
+              <a:rPr lang="en-US" dirty="0"/>
+              <a:t>515 Shift</a:t>
+            </a:r>
+          </a:p>
+        </p:txBody>
+      </p:sp>
+      <p:sp>
+        <p:nvSpPr>
+          <p:cNvPr id="3" name="Text Placeholder 2">
+            <a:extLst>
+              <a:ext uri="{FF2B5EF4-FFF2-40B4-BE49-F238E27FC236}">
+                <a16:creationId xmlns:a16="http://schemas.microsoft.com/office/drawing/2014/main" id="{36739B9D-E563-8BA3-70BC-BDD0FA9516FB}"/>
+              </a:ext>
+            </a:extLst>
+          </p:cNvPr>
+          <p:cNvSpPr>
+            <a:spLocks noGrp="1"/>
+          </p:cNvSpPr>
+          <p:nvPr>
+            <p:ph type="body" idx="1"/>
+          </p:nvPr>
+        </p:nvSpPr>
+        <p:spPr/>
+        <p:txBody>
+          <a:bodyPr>
+            <a:normAutofit lnSpcReduction="10000"/>
+          </a:bodyPr>
+          <a:lstStyle/>
+          <a:p>
+            <a:r>
+              <a:rPr lang="en-US" dirty="0"/>
+              <a:t>515 + 10nm</a:t>
+            </a:r>
+          </a:p>
+          <a:p>
+            <a:r>
+              <a:rPr lang="en-US" dirty="0"/>
+              <a:t>Filter – 3nm</a:t>
+            </a:r>
+          </a:p>
+        </p:txBody>
+      </p:sp>
+      <p:sp>
+        <p:nvSpPr>
+          <p:cNvPr id="5" name="Text Placeholder 4">
+            <a:extLst>
+              <a:ext uri="{FF2B5EF4-FFF2-40B4-BE49-F238E27FC236}">
+                <a16:creationId xmlns:a16="http://schemas.microsoft.com/office/drawing/2014/main" id="{36FE1055-AF86-64B3-6320-11769A487D83}"/>
+              </a:ext>
+            </a:extLst>
+          </p:cNvPr>
+          <p:cNvSpPr>
+            <a:spLocks noGrp="1"/>
+          </p:cNvSpPr>
+          <p:nvPr>
+            <p:ph type="body" sz="quarter" idx="3"/>
+          </p:nvPr>
+        </p:nvSpPr>
+        <p:spPr/>
+        <p:txBody>
+          <a:bodyPr>
+            <a:normAutofit lnSpcReduction="10000"/>
+          </a:bodyPr>
+          <a:lstStyle/>
+          <a:p>
+            <a:r>
+              <a:rPr lang="en-US" dirty="0"/>
+              <a:t>515 – 10nm</a:t>
+            </a:r>
+          </a:p>
+          <a:p>
+            <a:r>
+              <a:rPr lang="en-US" dirty="0"/>
+              <a:t>Filter + 3nm</a:t>
+            </a:r>
+          </a:p>
+        </p:txBody>
+      </p:sp>
+      <p:sp>
+        <p:nvSpPr>
+          <p:cNvPr id="17" name="TextBox 16">
+            <a:extLst>
+              <a:ext uri="{FF2B5EF4-FFF2-40B4-BE49-F238E27FC236}">
+                <a16:creationId xmlns:a16="http://schemas.microsoft.com/office/drawing/2014/main" id="{609853A0-6919-63DF-AF45-357452B42183}"/>
+              </a:ext>
+            </a:extLst>
+          </p:cNvPr>
+          <p:cNvSpPr txBox="1"/>
+          <p:nvPr/>
+        </p:nvSpPr>
+        <p:spPr>
+          <a:xfrm>
+            <a:off x="9877425" y="6466443"/>
+            <a:ext cx="2314575" cy="369332"/>
+          </a:xfrm>
+          <a:prstGeom prst="rect">
+            <a:avLst/>
+          </a:prstGeom>
+          <a:noFill/>
+        </p:spPr>
+        <p:txBody>
+          <a:bodyPr wrap="square" rtlCol="0">
+            <a:spAutoFit/>
+          </a:bodyPr>
+          <a:lstStyle/>
+          <a:p>
+            <a:r>
+              <a:rPr lang="en-US" dirty="0"/>
+              <a:t>Area = 0.942</a:t>
+            </a:r>
+          </a:p>
+        </p:txBody>
+      </p:sp>
+      <p:sp>
+        <p:nvSpPr>
+          <p:cNvPr id="19" name="TextBox 18">
+            <a:extLst>
+              <a:ext uri="{FF2B5EF4-FFF2-40B4-BE49-F238E27FC236}">
+                <a16:creationId xmlns:a16="http://schemas.microsoft.com/office/drawing/2014/main" id="{D50E2E46-2440-03EB-C9B3-FB26ACB44563}"/>
+              </a:ext>
+            </a:extLst>
+          </p:cNvPr>
+          <p:cNvSpPr txBox="1"/>
+          <p:nvPr/>
+        </p:nvSpPr>
+        <p:spPr>
+          <a:xfrm>
+            <a:off x="4938712" y="6308209"/>
+            <a:ext cx="2314575" cy="369332"/>
+          </a:xfrm>
+          <a:prstGeom prst="rect">
+            <a:avLst/>
+          </a:prstGeom>
+          <a:noFill/>
+        </p:spPr>
+        <p:txBody>
+          <a:bodyPr wrap="square" rtlCol="0">
+            <a:spAutoFit/>
+          </a:bodyPr>
+          <a:lstStyle/>
+          <a:p>
+            <a:r>
+              <a:rPr lang="en-US" dirty="0"/>
+              <a:t>Area = 0.999</a:t>
+            </a:r>
+          </a:p>
+        </p:txBody>
+      </p:sp>
+      <p:pic>
+        <p:nvPicPr>
+          <p:cNvPr id="9" name="Content Placeholder 8">
+            <a:extLst>
+              <a:ext uri="{FF2B5EF4-FFF2-40B4-BE49-F238E27FC236}">
+                <a16:creationId xmlns:a16="http://schemas.microsoft.com/office/drawing/2014/main" id="{13ABFC6C-C1B8-5CB5-2B5C-517C46FC15F7}"/>
+              </a:ext>
+            </a:extLst>
+          </p:cNvPr>
+          <p:cNvPicPr>
+            <a:picLocks noGrp="1" noChangeAspect="1"/>
+          </p:cNvPicPr>
+          <p:nvPr>
+            <p:ph sz="half" idx="2"/>
+          </p:nvPr>
+        </p:nvPicPr>
+        <p:blipFill>
+          <a:blip r:embed="rId2"/>
+          <a:stretch>
+            <a:fillRect/>
+          </a:stretch>
+        </p:blipFill>
+        <p:spPr>
+          <a:xfrm>
+            <a:off x="999383" y="2505075"/>
+            <a:ext cx="4838597" cy="3684588"/>
+          </a:xfrm>
+        </p:spPr>
+      </p:pic>
+      <p:pic>
+        <p:nvPicPr>
+          <p:cNvPr id="15" name="Content Placeholder 14">
+            <a:extLst>
+              <a:ext uri="{FF2B5EF4-FFF2-40B4-BE49-F238E27FC236}">
+                <a16:creationId xmlns:a16="http://schemas.microsoft.com/office/drawing/2014/main" id="{92DDDF9F-02B7-34EE-A81D-F843D474B26D}"/>
+              </a:ext>
+            </a:extLst>
+          </p:cNvPr>
+          <p:cNvPicPr>
+            <a:picLocks noGrp="1" noChangeAspect="1"/>
+          </p:cNvPicPr>
+          <p:nvPr>
+            <p:ph sz="quarter" idx="4"/>
+          </p:nvPr>
+        </p:nvPicPr>
+        <p:blipFill>
+          <a:blip r:embed="rId3"/>
+          <a:stretch>
+            <a:fillRect/>
+          </a:stretch>
+        </p:blipFill>
+        <p:spPr>
+          <a:xfrm>
+            <a:off x="6331643" y="2505075"/>
+            <a:ext cx="4864302" cy="3684588"/>
+          </a:xfrm>
+        </p:spPr>
+      </p:pic>
+      <p:cxnSp>
+        <p:nvCxnSpPr>
+          <p:cNvPr id="16" name="Straight Arrow Connector 15">
+            <a:extLst>
+              <a:ext uri="{FF2B5EF4-FFF2-40B4-BE49-F238E27FC236}">
+                <a16:creationId xmlns:a16="http://schemas.microsoft.com/office/drawing/2014/main" id="{0BE21F8E-12F5-F8C7-1BFA-982F5A637924}"/>
+              </a:ext>
+            </a:extLst>
+          </p:cNvPr>
+          <p:cNvCxnSpPr>
+            <a:cxnSpLocks/>
+          </p:cNvCxnSpPr>
+          <p:nvPr/>
+        </p:nvCxnSpPr>
+        <p:spPr>
+          <a:xfrm flipH="1" flipV="1">
+            <a:off x="4429125" y="5546170"/>
+            <a:ext cx="676275" cy="715497"/>
+          </a:xfrm>
+          <a:prstGeom prst="straightConnector1">
+            <a:avLst/>
+          </a:prstGeom>
+          <a:ln w="76200">
+            <a:tailEnd type="triangle"/>
+          </a:ln>
+        </p:spPr>
+        <p:style>
+          <a:lnRef idx="2">
+            <a:schemeClr val="accent1"/>
+          </a:lnRef>
+          <a:fillRef idx="0">
+            <a:schemeClr val="accent1"/>
+          </a:fillRef>
+          <a:effectRef idx="1">
+            <a:schemeClr val="accent1"/>
+          </a:effectRef>
+          <a:fontRef idx="minor">
+            <a:schemeClr val="tx1"/>
+          </a:fontRef>
+        </p:style>
+      </p:cxnSp>
+      <p:cxnSp>
+        <p:nvCxnSpPr>
+          <p:cNvPr id="18" name="Straight Arrow Connector 17">
+            <a:extLst>
+              <a:ext uri="{FF2B5EF4-FFF2-40B4-BE49-F238E27FC236}">
+                <a16:creationId xmlns:a16="http://schemas.microsoft.com/office/drawing/2014/main" id="{374313EF-CA81-B89B-4600-F4AAE64B40E3}"/>
+              </a:ext>
+            </a:extLst>
+          </p:cNvPr>
+          <p:cNvCxnSpPr>
+            <a:cxnSpLocks/>
+          </p:cNvCxnSpPr>
+          <p:nvPr/>
+        </p:nvCxnSpPr>
+        <p:spPr>
+          <a:xfrm flipH="1" flipV="1">
+            <a:off x="9367837" y="5585049"/>
+            <a:ext cx="623888" cy="825276"/>
+          </a:xfrm>
+          <a:prstGeom prst="straightConnector1">
+            <a:avLst/>
+          </a:prstGeom>
+          <a:ln w="76200">
+            <a:tailEnd type="triangle"/>
+          </a:ln>
+        </p:spPr>
+        <p:style>
+          <a:lnRef idx="2">
+            <a:schemeClr val="accent1"/>
+          </a:lnRef>
+          <a:fillRef idx="0">
+            <a:schemeClr val="accent1"/>
+          </a:fillRef>
+          <a:effectRef idx="1">
+            <a:schemeClr val="accent1"/>
+          </a:effectRef>
+          <a:fontRef idx="minor">
+            <a:schemeClr val="tx1"/>
+          </a:fontRef>
+        </p:style>
+      </p:cxnSp>
+    </p:spTree>
+    <p:extLst>
+      <p:ext uri="{BB962C8B-B14F-4D97-AF65-F5344CB8AC3E}">
+        <p14:creationId xmlns:p14="http://schemas.microsoft.com/office/powerpoint/2010/main" val="3385895086"/>
+      </p:ext>
+    </p:extLst>
+  </p:cSld>
+  <p:clrMapOvr>
+    <a:masterClrMapping/>
+  </p:clrMapOvr>
+</p:sld>
+</file>
+
 <file path=ppt/slides/slide2.xml><?xml version="1.0" encoding="utf-8"?>
 <p:sld xmlns:a="http://schemas.openxmlformats.org/drawingml/2006/main" xmlns:r="http://schemas.openxmlformats.org/officeDocument/2006/relationships" xmlns:p="http://schemas.openxmlformats.org/presentationml/2006/main">
   <p:cSld>
@@ -4359,7 +5369,7 @@
           <a:p>
             <a:r>
               <a:rPr lang="en-US" dirty="0"/>
-              <a:t>Area = 0.238</a:t>
+              <a:t>Area = 0.007</a:t>
             </a:r>
           </a:p>
         </p:txBody>
@@ -4621,7 +5631,7 @@
           <a:p>
             <a:r>
               <a:rPr lang="en-US" dirty="0"/>
-              <a:t>Area = 0.009</a:t>
+              <a:t>Area = 0.0003</a:t>
             </a:r>
           </a:p>
         </p:txBody>
@@ -4697,7 +5707,7 @@
           <a:p>
             <a:r>
               <a:rPr lang="en-US" dirty="0"/>
-              <a:t>Area = 2.51</a:t>
+              <a:t>Area = 0.079</a:t>
             </a:r>
           </a:p>
         </p:txBody>
